--- a/프레젠테이션1.pptx
+++ b/프레젠테이션1.pptx
@@ -9,15 +9,16 @@
     <p:sldId id="270" r:id="rId3"/>
     <p:sldId id="258" r:id="rId4"/>
     <p:sldId id="271" r:id="rId5"/>
-    <p:sldId id="256" r:id="rId6"/>
-    <p:sldId id="257" r:id="rId7"/>
-    <p:sldId id="259" r:id="rId8"/>
-    <p:sldId id="260" r:id="rId9"/>
-    <p:sldId id="261" r:id="rId10"/>
-    <p:sldId id="263" r:id="rId11"/>
-    <p:sldId id="264" r:id="rId12"/>
-    <p:sldId id="265" r:id="rId13"/>
-    <p:sldId id="267" r:id="rId14"/>
+    <p:sldId id="272" r:id="rId6"/>
+    <p:sldId id="256" r:id="rId7"/>
+    <p:sldId id="257" r:id="rId8"/>
+    <p:sldId id="259" r:id="rId9"/>
+    <p:sldId id="260" r:id="rId10"/>
+    <p:sldId id="261" r:id="rId11"/>
+    <p:sldId id="263" r:id="rId12"/>
+    <p:sldId id="264" r:id="rId13"/>
+    <p:sldId id="265" r:id="rId14"/>
+    <p:sldId id="267" r:id="rId15"/>
   </p:sldIdLst>
   <p:sldSz cx="12192000" cy="6858000"/>
   <p:notesSz cx="6858000" cy="9144000"/>
@@ -3364,7 +3365,7 @@
         <p:spPr>
           <a:xfrm>
             <a:off x="671512" y="768044"/>
-            <a:ext cx="10848975" cy="11433130"/>
+            <a:ext cx="10848975" cy="8640442"/>
           </a:xfrm>
           <a:prstGeom prst="rect">
             <a:avLst/>
@@ -3413,512 +3414,6 @@
               </a:rPr>
               <a:t>기능적 요구사항</a:t>
             </a:r>
-          </a:p>
-          <a:p>
-            <a:pPr algn="just" latinLnBrk="1">
-              <a:lnSpc>
-                <a:spcPct val="107000"/>
-              </a:lnSpc>
-              <a:spcAft>
-                <a:spcPts val="800"/>
-              </a:spcAft>
-            </a:pPr>
-            <a:r>
-              <a:rPr lang="en-US" altLang="ko-KR" sz="1800" kern="100" dirty="0">
-                <a:effectLst/>
-                <a:latin typeface="맑은 고딕" panose="020B0503020000020004" pitchFamily="50" charset="-127"/>
-                <a:ea typeface="맑은 고딕" panose="020B0503020000020004" pitchFamily="50" charset="-127"/>
-                <a:cs typeface="Times New Roman" panose="02020603050405020304" pitchFamily="18" charset="0"/>
-              </a:rPr>
-              <a:t>1. </a:t>
-            </a:r>
-            <a:r>
-              <a:rPr lang="ko-KR" altLang="ko-KR" sz="1800" kern="100" dirty="0">
-                <a:effectLst/>
-                <a:latin typeface="맑은 고딕" panose="020B0503020000020004" pitchFamily="50" charset="-127"/>
-                <a:ea typeface="맑은 고딕" panose="020B0503020000020004" pitchFamily="50" charset="-127"/>
-                <a:cs typeface="Times New Roman" panose="02020603050405020304" pitchFamily="18" charset="0"/>
-              </a:rPr>
-              <a:t>회원은 핸드폰번호와 닉네임으로 회원가입이 가능하다</a:t>
-            </a:r>
-            <a:r>
-              <a:rPr lang="en-US" altLang="ko-KR" sz="1800" kern="100" dirty="0">
-                <a:effectLst/>
-                <a:latin typeface="맑은 고딕" panose="020B0503020000020004" pitchFamily="50" charset="-127"/>
-                <a:ea typeface="맑은 고딕" panose="020B0503020000020004" pitchFamily="50" charset="-127"/>
-                <a:cs typeface="Times New Roman" panose="02020603050405020304" pitchFamily="18" charset="0"/>
-              </a:rPr>
-              <a:t>.</a:t>
-            </a:r>
-            <a:endParaRPr lang="ko-KR" altLang="ko-KR" sz="1800" kern="100" dirty="0">
-              <a:effectLst/>
-              <a:latin typeface="맑은 고딕" panose="020B0503020000020004" pitchFamily="50" charset="-127"/>
-              <a:ea typeface="맑은 고딕" panose="020B0503020000020004" pitchFamily="50" charset="-127"/>
-              <a:cs typeface="Times New Roman" panose="02020603050405020304" pitchFamily="18" charset="0"/>
-            </a:endParaRPr>
-          </a:p>
-          <a:p>
-            <a:pPr algn="just" latinLnBrk="1">
-              <a:lnSpc>
-                <a:spcPct val="107000"/>
-              </a:lnSpc>
-              <a:spcAft>
-                <a:spcPts val="800"/>
-              </a:spcAft>
-            </a:pPr>
-            <a:r>
-              <a:rPr lang="en-US" altLang="ko-KR" sz="1800" kern="100" dirty="0">
-                <a:effectLst/>
-                <a:latin typeface="맑은 고딕" panose="020B0503020000020004" pitchFamily="50" charset="-127"/>
-                <a:ea typeface="맑은 고딕" panose="020B0503020000020004" pitchFamily="50" charset="-127"/>
-                <a:cs typeface="Times New Roman" panose="02020603050405020304" pitchFamily="18" charset="0"/>
-              </a:rPr>
-              <a:t>2. </a:t>
-            </a:r>
-            <a:r>
-              <a:rPr lang="ko-KR" altLang="ko-KR" sz="1800" kern="100" dirty="0">
-                <a:effectLst/>
-                <a:latin typeface="맑은 고딕" panose="020B0503020000020004" pitchFamily="50" charset="-127"/>
-                <a:ea typeface="맑은 고딕" panose="020B0503020000020004" pitchFamily="50" charset="-127"/>
-                <a:cs typeface="Times New Roman" panose="02020603050405020304" pitchFamily="18" charset="0"/>
-              </a:rPr>
-              <a:t>회원가입이 되면</a:t>
-            </a:r>
-            <a:r>
-              <a:rPr lang="en-US" altLang="ko-KR" sz="1800" kern="100" dirty="0">
-                <a:effectLst/>
-                <a:latin typeface="맑은 고딕" panose="020B0503020000020004" pitchFamily="50" charset="-127"/>
-                <a:ea typeface="맑은 고딕" panose="020B0503020000020004" pitchFamily="50" charset="-127"/>
-                <a:cs typeface="Times New Roman" panose="02020603050405020304" pitchFamily="18" charset="0"/>
-              </a:rPr>
-              <a:t>, </a:t>
-            </a:r>
-            <a:r>
-              <a:rPr lang="ko-KR" altLang="ko-KR" sz="1800" kern="100" dirty="0">
-                <a:effectLst/>
-                <a:latin typeface="맑은 고딕" panose="020B0503020000020004" pitchFamily="50" charset="-127"/>
-                <a:ea typeface="맑은 고딕" panose="020B0503020000020004" pitchFamily="50" charset="-127"/>
-                <a:cs typeface="Times New Roman" panose="02020603050405020304" pitchFamily="18" charset="0"/>
-              </a:rPr>
-              <a:t>회원의 핸드폰번호로 </a:t>
-            </a:r>
-            <a:r>
-              <a:rPr lang="ko-KR" altLang="ko-KR" sz="1800" kern="100" dirty="0" err="1">
-                <a:effectLst/>
-                <a:latin typeface="맑은 고딕" panose="020B0503020000020004" pitchFamily="50" charset="-127"/>
-                <a:ea typeface="맑은 고딕" panose="020B0503020000020004" pitchFamily="50" charset="-127"/>
-                <a:cs typeface="Times New Roman" panose="02020603050405020304" pitchFamily="18" charset="0"/>
-              </a:rPr>
-              <a:t>알림메시지를</a:t>
-            </a:r>
-            <a:r>
-              <a:rPr lang="ko-KR" altLang="ko-KR" sz="1800" kern="100" dirty="0">
-                <a:effectLst/>
-                <a:latin typeface="맑은 고딕" panose="020B0503020000020004" pitchFamily="50" charset="-127"/>
-                <a:ea typeface="맑은 고딕" panose="020B0503020000020004" pitchFamily="50" charset="-127"/>
-                <a:cs typeface="Times New Roman" panose="02020603050405020304" pitchFamily="18" charset="0"/>
-              </a:rPr>
-              <a:t> 발송한다</a:t>
-            </a:r>
-            <a:r>
-              <a:rPr lang="en-US" altLang="ko-KR" sz="1800" kern="100" dirty="0">
-                <a:effectLst/>
-                <a:latin typeface="맑은 고딕" panose="020B0503020000020004" pitchFamily="50" charset="-127"/>
-                <a:ea typeface="맑은 고딕" panose="020B0503020000020004" pitchFamily="50" charset="-127"/>
-                <a:cs typeface="Times New Roman" panose="02020603050405020304" pitchFamily="18" charset="0"/>
-              </a:rPr>
-              <a:t>.</a:t>
-            </a:r>
-            <a:endParaRPr lang="ko-KR" altLang="ko-KR" sz="1800" kern="100" dirty="0">
-              <a:effectLst/>
-              <a:latin typeface="맑은 고딕" panose="020B0503020000020004" pitchFamily="50" charset="-127"/>
-              <a:ea typeface="맑은 고딕" panose="020B0503020000020004" pitchFamily="50" charset="-127"/>
-              <a:cs typeface="Times New Roman" panose="02020603050405020304" pitchFamily="18" charset="0"/>
-            </a:endParaRPr>
-          </a:p>
-          <a:p>
-            <a:pPr algn="just" latinLnBrk="1">
-              <a:lnSpc>
-                <a:spcPct val="107000"/>
-              </a:lnSpc>
-              <a:spcAft>
-                <a:spcPts val="800"/>
-              </a:spcAft>
-            </a:pPr>
-            <a:r>
-              <a:rPr lang="en-US" altLang="ko-KR" sz="1800" kern="100" dirty="0">
-                <a:effectLst/>
-                <a:latin typeface="맑은 고딕" panose="020B0503020000020004" pitchFamily="50" charset="-127"/>
-                <a:ea typeface="맑은 고딕" panose="020B0503020000020004" pitchFamily="50" charset="-127"/>
-                <a:cs typeface="Times New Roman" panose="02020603050405020304" pitchFamily="18" charset="0"/>
-              </a:rPr>
-              <a:t>3. </a:t>
-            </a:r>
-            <a:r>
-              <a:rPr lang="ko-KR" altLang="ko-KR" sz="1800" kern="100" dirty="0" err="1">
-                <a:effectLst/>
-                <a:latin typeface="맑은 고딕" panose="020B0503020000020004" pitchFamily="50" charset="-127"/>
-                <a:ea typeface="맑은 고딕" panose="020B0503020000020004" pitchFamily="50" charset="-127"/>
-                <a:cs typeface="Times New Roman" panose="02020603050405020304" pitchFamily="18" charset="0"/>
-              </a:rPr>
-              <a:t>알림메시지</a:t>
-            </a:r>
-            <a:r>
-              <a:rPr lang="ko-KR" altLang="ko-KR" sz="1800" kern="100" dirty="0">
-                <a:effectLst/>
-                <a:latin typeface="맑은 고딕" panose="020B0503020000020004" pitchFamily="50" charset="-127"/>
-                <a:ea typeface="맑은 고딕" panose="020B0503020000020004" pitchFamily="50" charset="-127"/>
-                <a:cs typeface="Times New Roman" panose="02020603050405020304" pitchFamily="18" charset="0"/>
-              </a:rPr>
-              <a:t> 발송이 실패하면 회원의 상태를 비정상으로 변경한다</a:t>
-            </a:r>
-            <a:r>
-              <a:rPr lang="en-US" altLang="ko-KR" sz="1800" kern="100" dirty="0">
-                <a:effectLst/>
-                <a:latin typeface="맑은 고딕" panose="020B0503020000020004" pitchFamily="50" charset="-127"/>
-                <a:ea typeface="맑은 고딕" panose="020B0503020000020004" pitchFamily="50" charset="-127"/>
-                <a:cs typeface="Times New Roman" panose="02020603050405020304" pitchFamily="18" charset="0"/>
-              </a:rPr>
-              <a:t> (</a:t>
-            </a:r>
-            <a:r>
-              <a:rPr lang="ko-KR" altLang="ko-KR" sz="1800" kern="100" dirty="0">
-                <a:effectLst/>
-                <a:latin typeface="맑은 고딕" panose="020B0503020000020004" pitchFamily="50" charset="-127"/>
-                <a:ea typeface="맑은 고딕" panose="020B0503020000020004" pitchFamily="50" charset="-127"/>
-                <a:cs typeface="Times New Roman" panose="02020603050405020304" pitchFamily="18" charset="0"/>
-              </a:rPr>
-              <a:t>추가</a:t>
-            </a:r>
-            <a:r>
-              <a:rPr lang="en-US" altLang="ko-KR" sz="1800" kern="100" dirty="0">
-                <a:effectLst/>
-                <a:latin typeface="맑은 고딕" panose="020B0503020000020004" pitchFamily="50" charset="-127"/>
-                <a:ea typeface="맑은 고딕" panose="020B0503020000020004" pitchFamily="50" charset="-127"/>
-                <a:cs typeface="Times New Roman" panose="02020603050405020304" pitchFamily="18" charset="0"/>
-              </a:rPr>
-              <a:t>)</a:t>
-            </a:r>
-            <a:endParaRPr lang="ko-KR" altLang="ko-KR" sz="1800" kern="100" dirty="0">
-              <a:effectLst/>
-              <a:latin typeface="맑은 고딕" panose="020B0503020000020004" pitchFamily="50" charset="-127"/>
-              <a:ea typeface="맑은 고딕" panose="020B0503020000020004" pitchFamily="50" charset="-127"/>
-              <a:cs typeface="Times New Roman" panose="02020603050405020304" pitchFamily="18" charset="0"/>
-            </a:endParaRPr>
-          </a:p>
-          <a:p>
-            <a:pPr algn="just" latinLnBrk="1">
-              <a:lnSpc>
-                <a:spcPct val="107000"/>
-              </a:lnSpc>
-              <a:spcAft>
-                <a:spcPts val="800"/>
-              </a:spcAft>
-            </a:pPr>
-            <a:r>
-              <a:rPr lang="en-US" altLang="ko-KR" sz="1800" kern="100" dirty="0">
-                <a:effectLst/>
-                <a:latin typeface="맑은 고딕" panose="020B0503020000020004" pitchFamily="50" charset="-127"/>
-                <a:ea typeface="맑은 고딕" panose="020B0503020000020004" pitchFamily="50" charset="-127"/>
-                <a:cs typeface="Times New Roman" panose="02020603050405020304" pitchFamily="18" charset="0"/>
-              </a:rPr>
-              <a:t>4. </a:t>
-            </a:r>
-            <a:r>
-              <a:rPr lang="ko-KR" altLang="ko-KR" sz="1800" kern="100" dirty="0">
-                <a:effectLst/>
-                <a:latin typeface="맑은 고딕" panose="020B0503020000020004" pitchFamily="50" charset="-127"/>
-                <a:ea typeface="맑은 고딕" panose="020B0503020000020004" pitchFamily="50" charset="-127"/>
-                <a:cs typeface="Times New Roman" panose="02020603050405020304" pitchFamily="18" charset="0"/>
-              </a:rPr>
-              <a:t>회원은 회원탈퇴가 가능하며</a:t>
-            </a:r>
-            <a:r>
-              <a:rPr lang="en-US" altLang="ko-KR" sz="1800" kern="100" dirty="0">
-                <a:effectLst/>
-                <a:latin typeface="맑은 고딕" panose="020B0503020000020004" pitchFamily="50" charset="-127"/>
-                <a:ea typeface="맑은 고딕" panose="020B0503020000020004" pitchFamily="50" charset="-127"/>
-                <a:cs typeface="Times New Roman" panose="02020603050405020304" pitchFamily="18" charset="0"/>
-              </a:rPr>
-              <a:t>, </a:t>
-            </a:r>
-            <a:r>
-              <a:rPr lang="ko-KR" altLang="ko-KR" sz="1800" kern="100" dirty="0">
-                <a:effectLst/>
-                <a:latin typeface="맑은 고딕" panose="020B0503020000020004" pitchFamily="50" charset="-127"/>
-                <a:ea typeface="맑은 고딕" panose="020B0503020000020004" pitchFamily="50" charset="-127"/>
-                <a:cs typeface="Times New Roman" panose="02020603050405020304" pitchFamily="18" charset="0"/>
-              </a:rPr>
-              <a:t>탈퇴 전 보유 포인트는 소멸되어야 하며 회원의정보는 삭제된다</a:t>
-            </a:r>
-            <a:r>
-              <a:rPr lang="en-US" altLang="ko-KR" sz="1800" kern="100" dirty="0">
-                <a:effectLst/>
-                <a:latin typeface="맑은 고딕" panose="020B0503020000020004" pitchFamily="50" charset="-127"/>
-                <a:ea typeface="맑은 고딕" panose="020B0503020000020004" pitchFamily="50" charset="-127"/>
-                <a:cs typeface="Times New Roman" panose="02020603050405020304" pitchFamily="18" charset="0"/>
-              </a:rPr>
-              <a:t>.</a:t>
-            </a:r>
-            <a:endParaRPr lang="ko-KR" altLang="ko-KR" sz="1800" kern="100" dirty="0">
-              <a:effectLst/>
-              <a:latin typeface="맑은 고딕" panose="020B0503020000020004" pitchFamily="50" charset="-127"/>
-              <a:ea typeface="맑은 고딕" panose="020B0503020000020004" pitchFamily="50" charset="-127"/>
-              <a:cs typeface="Times New Roman" panose="02020603050405020304" pitchFamily="18" charset="0"/>
-            </a:endParaRPr>
-          </a:p>
-          <a:p>
-            <a:pPr algn="just" latinLnBrk="1">
-              <a:lnSpc>
-                <a:spcPct val="107000"/>
-              </a:lnSpc>
-              <a:spcAft>
-                <a:spcPts val="800"/>
-              </a:spcAft>
-            </a:pPr>
-            <a:r>
-              <a:rPr lang="en-US" altLang="ko-KR" sz="1800" kern="100" dirty="0">
-                <a:effectLst/>
-                <a:latin typeface="맑은 고딕" panose="020B0503020000020004" pitchFamily="50" charset="-127"/>
-                <a:ea typeface="맑은 고딕" panose="020B0503020000020004" pitchFamily="50" charset="-127"/>
-                <a:cs typeface="Times New Roman" panose="02020603050405020304" pitchFamily="18" charset="0"/>
-              </a:rPr>
-              <a:t>5. </a:t>
-            </a:r>
-            <a:r>
-              <a:rPr lang="ko-KR" altLang="ko-KR" sz="1800" kern="100" dirty="0">
-                <a:effectLst/>
-                <a:latin typeface="맑은 고딕" panose="020B0503020000020004" pitchFamily="50" charset="-127"/>
-                <a:ea typeface="맑은 고딕" panose="020B0503020000020004" pitchFamily="50" charset="-127"/>
-                <a:cs typeface="Times New Roman" panose="02020603050405020304" pitchFamily="18" charset="0"/>
-              </a:rPr>
-              <a:t>회원은 포인트를 적립</a:t>
-            </a:r>
-            <a:r>
-              <a:rPr lang="en-US" altLang="ko-KR" sz="1800" kern="100" dirty="0">
-                <a:effectLst/>
-                <a:latin typeface="맑은 고딕" panose="020B0503020000020004" pitchFamily="50" charset="-127"/>
-                <a:ea typeface="맑은 고딕" panose="020B0503020000020004" pitchFamily="50" charset="-127"/>
-                <a:cs typeface="Times New Roman" panose="02020603050405020304" pitchFamily="18" charset="0"/>
-              </a:rPr>
-              <a:t>/</a:t>
-            </a:r>
-            <a:r>
-              <a:rPr lang="ko-KR" altLang="ko-KR" sz="1800" kern="100" dirty="0">
-                <a:effectLst/>
-                <a:latin typeface="맑은 고딕" panose="020B0503020000020004" pitchFamily="50" charset="-127"/>
-                <a:ea typeface="맑은 고딕" panose="020B0503020000020004" pitchFamily="50" charset="-127"/>
-                <a:cs typeface="Times New Roman" panose="02020603050405020304" pitchFamily="18" charset="0"/>
-              </a:rPr>
-              <a:t>사용이 가능하며</a:t>
-            </a:r>
-            <a:r>
-              <a:rPr lang="en-US" altLang="ko-KR" sz="1800" kern="100" dirty="0">
-                <a:effectLst/>
-                <a:latin typeface="맑은 고딕" panose="020B0503020000020004" pitchFamily="50" charset="-127"/>
-                <a:ea typeface="맑은 고딕" panose="020B0503020000020004" pitchFamily="50" charset="-127"/>
-                <a:cs typeface="Times New Roman" panose="02020603050405020304" pitchFamily="18" charset="0"/>
-              </a:rPr>
-              <a:t>, </a:t>
-            </a:r>
-            <a:r>
-              <a:rPr lang="ko-KR" altLang="ko-KR" sz="1800" kern="100" dirty="0">
-                <a:effectLst/>
-                <a:latin typeface="맑은 고딕" panose="020B0503020000020004" pitchFamily="50" charset="-127"/>
-                <a:ea typeface="맑은 고딕" panose="020B0503020000020004" pitchFamily="50" charset="-127"/>
-                <a:cs typeface="Times New Roman" panose="02020603050405020304" pitchFamily="18" charset="0"/>
-              </a:rPr>
-              <a:t>잔여포인트가 관리된다</a:t>
-            </a:r>
-            <a:r>
-              <a:rPr lang="en-US" altLang="ko-KR" sz="1800" kern="100" dirty="0">
-                <a:effectLst/>
-                <a:latin typeface="맑은 고딕" panose="020B0503020000020004" pitchFamily="50" charset="-127"/>
-                <a:ea typeface="맑은 고딕" panose="020B0503020000020004" pitchFamily="50" charset="-127"/>
-                <a:cs typeface="Times New Roman" panose="02020603050405020304" pitchFamily="18" charset="0"/>
-              </a:rPr>
-              <a:t>. </a:t>
-            </a:r>
-            <a:r>
-              <a:rPr lang="ko-KR" altLang="ko-KR" sz="1800" kern="100" dirty="0">
-                <a:effectLst/>
-                <a:latin typeface="맑은 고딕" panose="020B0503020000020004" pitchFamily="50" charset="-127"/>
-                <a:ea typeface="맑은 고딕" panose="020B0503020000020004" pitchFamily="50" charset="-127"/>
-                <a:cs typeface="Times New Roman" panose="02020603050405020304" pitchFamily="18" charset="0"/>
-              </a:rPr>
-              <a:t>이때</a:t>
-            </a:r>
-            <a:r>
-              <a:rPr lang="en-US" altLang="ko-KR" sz="1800" kern="100" dirty="0">
-                <a:effectLst/>
-                <a:latin typeface="맑은 고딕" panose="020B0503020000020004" pitchFamily="50" charset="-127"/>
-                <a:ea typeface="맑은 고딕" panose="020B0503020000020004" pitchFamily="50" charset="-127"/>
-                <a:cs typeface="Times New Roman" panose="02020603050405020304" pitchFamily="18" charset="0"/>
-              </a:rPr>
-              <a:t>, </a:t>
-            </a:r>
-            <a:r>
-              <a:rPr lang="ko-KR" altLang="ko-KR" sz="1800" kern="100" dirty="0">
-                <a:effectLst/>
-                <a:latin typeface="맑은 고딕" panose="020B0503020000020004" pitchFamily="50" charset="-127"/>
-                <a:ea typeface="맑은 고딕" panose="020B0503020000020004" pitchFamily="50" charset="-127"/>
-                <a:cs typeface="Times New Roman" panose="02020603050405020304" pitchFamily="18" charset="0"/>
-              </a:rPr>
-              <a:t>회원상태가</a:t>
-            </a:r>
-          </a:p>
-          <a:p>
-            <a:pPr algn="just" latinLnBrk="1">
-              <a:lnSpc>
-                <a:spcPct val="107000"/>
-              </a:lnSpc>
-              <a:spcAft>
-                <a:spcPts val="800"/>
-              </a:spcAft>
-            </a:pPr>
-            <a:r>
-              <a:rPr lang="ko-KR" altLang="ko-KR" sz="1800" kern="100" dirty="0">
-                <a:effectLst/>
-                <a:latin typeface="맑은 고딕" panose="020B0503020000020004" pitchFamily="50" charset="-127"/>
-                <a:ea typeface="맑은 고딕" panose="020B0503020000020004" pitchFamily="50" charset="-127"/>
-                <a:cs typeface="Times New Roman" panose="02020603050405020304" pitchFamily="18" charset="0"/>
-              </a:rPr>
-              <a:t>정상인 경우만 적립</a:t>
-            </a:r>
-            <a:r>
-              <a:rPr lang="en-US" altLang="ko-KR" sz="1800" kern="100" dirty="0">
-                <a:effectLst/>
-                <a:latin typeface="맑은 고딕" panose="020B0503020000020004" pitchFamily="50" charset="-127"/>
-                <a:ea typeface="맑은 고딕" panose="020B0503020000020004" pitchFamily="50" charset="-127"/>
-                <a:cs typeface="Times New Roman" panose="02020603050405020304" pitchFamily="18" charset="0"/>
-              </a:rPr>
-              <a:t>/</a:t>
-            </a:r>
-            <a:r>
-              <a:rPr lang="ko-KR" altLang="ko-KR" sz="1800" kern="100" dirty="0">
-                <a:effectLst/>
-                <a:latin typeface="맑은 고딕" panose="020B0503020000020004" pitchFamily="50" charset="-127"/>
-                <a:ea typeface="맑은 고딕" panose="020B0503020000020004" pitchFamily="50" charset="-127"/>
-                <a:cs typeface="Times New Roman" panose="02020603050405020304" pitchFamily="18" charset="0"/>
-              </a:rPr>
-              <a:t>사용이 가능하다</a:t>
-            </a:r>
-            <a:r>
-              <a:rPr lang="en-US" altLang="ko-KR" sz="1800" kern="100" dirty="0">
-                <a:effectLst/>
-                <a:latin typeface="맑은 고딕" panose="020B0503020000020004" pitchFamily="50" charset="-127"/>
-                <a:ea typeface="맑은 고딕" panose="020B0503020000020004" pitchFamily="50" charset="-127"/>
-                <a:cs typeface="Times New Roman" panose="02020603050405020304" pitchFamily="18" charset="0"/>
-              </a:rPr>
-              <a:t>. (</a:t>
-            </a:r>
-            <a:r>
-              <a:rPr lang="ko-KR" altLang="ko-KR" sz="1800" kern="100" dirty="0">
-                <a:effectLst/>
-                <a:latin typeface="맑은 고딕" panose="020B0503020000020004" pitchFamily="50" charset="-127"/>
-                <a:ea typeface="맑은 고딕" panose="020B0503020000020004" pitchFamily="50" charset="-127"/>
-                <a:cs typeface="Times New Roman" panose="02020603050405020304" pitchFamily="18" charset="0"/>
-              </a:rPr>
-              <a:t>변경</a:t>
-            </a:r>
-            <a:r>
-              <a:rPr lang="en-US" altLang="ko-KR" sz="1800" kern="100" dirty="0">
-                <a:effectLst/>
-                <a:latin typeface="맑은 고딕" panose="020B0503020000020004" pitchFamily="50" charset="-127"/>
-                <a:ea typeface="맑은 고딕" panose="020B0503020000020004" pitchFamily="50" charset="-127"/>
-                <a:cs typeface="Times New Roman" panose="02020603050405020304" pitchFamily="18" charset="0"/>
-              </a:rPr>
-              <a:t>)</a:t>
-            </a:r>
-            <a:endParaRPr lang="ko-KR" altLang="ko-KR" sz="1800" kern="100" dirty="0">
-              <a:effectLst/>
-              <a:latin typeface="맑은 고딕" panose="020B0503020000020004" pitchFamily="50" charset="-127"/>
-              <a:ea typeface="맑은 고딕" panose="020B0503020000020004" pitchFamily="50" charset="-127"/>
-              <a:cs typeface="Times New Roman" panose="02020603050405020304" pitchFamily="18" charset="0"/>
-            </a:endParaRPr>
-          </a:p>
-          <a:p>
-            <a:pPr algn="just" latinLnBrk="1">
-              <a:lnSpc>
-                <a:spcPct val="107000"/>
-              </a:lnSpc>
-              <a:spcAft>
-                <a:spcPts val="800"/>
-              </a:spcAft>
-            </a:pPr>
-            <a:r>
-              <a:rPr lang="en-US" altLang="ko-KR" sz="1800" kern="100" dirty="0">
-                <a:effectLst/>
-                <a:latin typeface="맑은 고딕" panose="020B0503020000020004" pitchFamily="50" charset="-127"/>
-                <a:ea typeface="맑은 고딕" panose="020B0503020000020004" pitchFamily="50" charset="-127"/>
-                <a:cs typeface="Times New Roman" panose="02020603050405020304" pitchFamily="18" charset="0"/>
-              </a:rPr>
-              <a:t>6. </a:t>
-            </a:r>
-            <a:r>
-              <a:rPr lang="ko-KR" altLang="ko-KR" sz="1800" kern="100" dirty="0">
-                <a:effectLst/>
-                <a:latin typeface="맑은 고딕" panose="020B0503020000020004" pitchFamily="50" charset="-127"/>
-                <a:ea typeface="맑은 고딕" panose="020B0503020000020004" pitchFamily="50" charset="-127"/>
-                <a:cs typeface="Times New Roman" panose="02020603050405020304" pitchFamily="18" charset="0"/>
-              </a:rPr>
-              <a:t>마이페이지에서는 회원의 핸드폰번호</a:t>
-            </a:r>
-            <a:r>
-              <a:rPr lang="en-US" altLang="ko-KR" sz="1800" kern="100" dirty="0">
-                <a:effectLst/>
-                <a:latin typeface="맑은 고딕" panose="020B0503020000020004" pitchFamily="50" charset="-127"/>
-                <a:ea typeface="맑은 고딕" panose="020B0503020000020004" pitchFamily="50" charset="-127"/>
-                <a:cs typeface="Times New Roman" panose="02020603050405020304" pitchFamily="18" charset="0"/>
-              </a:rPr>
-              <a:t>/</a:t>
-            </a:r>
-            <a:r>
-              <a:rPr lang="ko-KR" altLang="ko-KR" sz="1800" kern="100" dirty="0">
-                <a:effectLst/>
-                <a:latin typeface="맑은 고딕" panose="020B0503020000020004" pitchFamily="50" charset="-127"/>
-                <a:ea typeface="맑은 고딕" panose="020B0503020000020004" pitchFamily="50" charset="-127"/>
-                <a:cs typeface="Times New Roman" panose="02020603050405020304" pitchFamily="18" charset="0"/>
-              </a:rPr>
-              <a:t>닉네임</a:t>
-            </a:r>
-            <a:r>
-              <a:rPr lang="en-US" altLang="ko-KR" sz="1800" kern="100" dirty="0">
-                <a:effectLst/>
-                <a:latin typeface="맑은 고딕" panose="020B0503020000020004" pitchFamily="50" charset="-127"/>
-                <a:ea typeface="맑은 고딕" panose="020B0503020000020004" pitchFamily="50" charset="-127"/>
-                <a:cs typeface="Times New Roman" panose="02020603050405020304" pitchFamily="18" charset="0"/>
-              </a:rPr>
-              <a:t>/</a:t>
-            </a:r>
-            <a:r>
-              <a:rPr lang="ko-KR" altLang="ko-KR" sz="1800" kern="100" dirty="0">
-                <a:effectLst/>
-                <a:latin typeface="맑은 고딕" panose="020B0503020000020004" pitchFamily="50" charset="-127"/>
-                <a:ea typeface="맑은 고딕" panose="020B0503020000020004" pitchFamily="50" charset="-127"/>
-                <a:cs typeface="Times New Roman" panose="02020603050405020304" pitchFamily="18" charset="0"/>
-              </a:rPr>
-              <a:t>잔여포인트가 조회 가능하다</a:t>
-            </a:r>
-            <a:r>
-              <a:rPr lang="en-US" altLang="ko-KR" sz="1800" kern="100" dirty="0">
-                <a:effectLst/>
-                <a:latin typeface="맑은 고딕" panose="020B0503020000020004" pitchFamily="50" charset="-127"/>
-                <a:ea typeface="맑은 고딕" panose="020B0503020000020004" pitchFamily="50" charset="-127"/>
-                <a:cs typeface="Times New Roman" panose="02020603050405020304" pitchFamily="18" charset="0"/>
-              </a:rPr>
-              <a:t>.</a:t>
-            </a:r>
-          </a:p>
-          <a:p>
-            <a:pPr algn="just" latinLnBrk="1">
-              <a:lnSpc>
-                <a:spcPct val="107000"/>
-              </a:lnSpc>
-              <a:spcAft>
-                <a:spcPts val="800"/>
-              </a:spcAft>
-            </a:pPr>
             <a:endParaRPr lang="en-US" altLang="ko-KR" kern="100" dirty="0">
               <a:latin typeface="맑은 고딕" panose="020B0503020000020004" pitchFamily="50" charset="-127"/>
               <a:ea typeface="맑은 고딕" panose="020B0503020000020004" pitchFamily="50" charset="-127"/>
@@ -4024,6 +3519,39 @@
               </a:rPr>
               <a:t>.</a:t>
             </a:r>
+          </a:p>
+          <a:p>
+            <a:pPr marL="342900" indent="-342900" algn="just">
+              <a:lnSpc>
+                <a:spcPct val="107000"/>
+              </a:lnSpc>
+              <a:spcAft>
+                <a:spcPts val="800"/>
+              </a:spcAft>
+              <a:buAutoNum type="arabicPeriod" startAt="2"/>
+            </a:pPr>
+            <a:r>
+              <a:rPr lang="ko-KR" altLang="en-US" kern="100" dirty="0">
+                <a:latin typeface="맑은 고딕" panose="020B0503020000020004" pitchFamily="50" charset="-127"/>
+                <a:ea typeface="맑은 고딕" panose="020B0503020000020004" pitchFamily="50" charset="-127"/>
+                <a:cs typeface="Times New Roman" panose="02020603050405020304" pitchFamily="18" charset="0"/>
+              </a:rPr>
+              <a:t>각 회원 당 한 건의 설문조사만 제출 가능하다</a:t>
+            </a:r>
+            <a:r>
+              <a:rPr lang="en-US" altLang="ko-KR" kern="100" dirty="0">
+                <a:latin typeface="맑은 고딕" panose="020B0503020000020004" pitchFamily="50" charset="-127"/>
+                <a:ea typeface="맑은 고딕" panose="020B0503020000020004" pitchFamily="50" charset="-127"/>
+                <a:cs typeface="Times New Roman" panose="02020603050405020304" pitchFamily="18" charset="0"/>
+              </a:rPr>
+              <a:t>.</a:t>
+            </a:r>
+            <a:endParaRPr lang="en-US" altLang="ko-KR" sz="1800" kern="100" dirty="0">
+              <a:effectLst/>
+              <a:latin typeface="맑은 고딕" panose="020B0503020000020004" pitchFamily="50" charset="-127"/>
+              <a:ea typeface="맑은 고딕" panose="020B0503020000020004" pitchFamily="50" charset="-127"/>
+              <a:cs typeface="Times New Roman" panose="02020603050405020304" pitchFamily="18" charset="0"/>
+            </a:endParaRPr>
           </a:p>
           <a:p>
             <a:pPr algn="just" latinLnBrk="1">
@@ -4722,6 +4250,2210 @@
 </file>
 
 <file path=ppt/slides/slide10.xml><?xml version="1.0" encoding="utf-8"?>
+<p:sld xmlns:a="http://schemas.openxmlformats.org/drawingml/2006/main" xmlns:r="http://schemas.openxmlformats.org/officeDocument/2006/relationships" xmlns:p="http://schemas.openxmlformats.org/presentationml/2006/main">
+  <p:cSld>
+    <p:spTree>
+      <p:nvGrpSpPr>
+        <p:cNvPr id="1" name=""/>
+        <p:cNvGrpSpPr/>
+        <p:nvPr/>
+      </p:nvGrpSpPr>
+      <p:grpSpPr>
+        <a:xfrm>
+          <a:off x="0" y="0"/>
+          <a:ext cx="0" cy="0"/>
+          <a:chOff x="0" y="0"/>
+          <a:chExt cx="0" cy="0"/>
+        </a:xfrm>
+      </p:grpSpPr>
+      <p:sp>
+        <p:nvSpPr>
+          <p:cNvPr id="7" name="직사각형 6">
+            <a:extLst>
+              <a:ext uri="{FF2B5EF4-FFF2-40B4-BE49-F238E27FC236}">
+                <a16:creationId xmlns:a16="http://schemas.microsoft.com/office/drawing/2014/main" id="{0A0F104B-674B-4890-A3EE-F5F6BF86D53B}"/>
+              </a:ext>
+            </a:extLst>
+          </p:cNvPr>
+          <p:cNvSpPr/>
+          <p:nvPr/>
+        </p:nvSpPr>
+        <p:spPr>
+          <a:xfrm>
+            <a:off x="669290" y="427814"/>
+            <a:ext cx="7192562" cy="428625"/>
+          </a:xfrm>
+          <a:prstGeom prst="rect">
+            <a:avLst/>
+          </a:prstGeom>
+          <a:noFill/>
+          <a:ln>
+            <a:noFill/>
+          </a:ln>
+        </p:spPr>
+        <p:style>
+          <a:lnRef idx="2">
+            <a:schemeClr val="accent1">
+              <a:shade val="50000"/>
+            </a:schemeClr>
+          </a:lnRef>
+          <a:fillRef idx="1">
+            <a:schemeClr val="accent1"/>
+          </a:fillRef>
+          <a:effectRef idx="0">
+            <a:schemeClr val="accent1"/>
+          </a:effectRef>
+          <a:fontRef idx="minor">
+            <a:schemeClr val="lt1"/>
+          </a:fontRef>
+        </p:style>
+        <p:txBody>
+          <a:bodyPr rtlCol="0" anchor="ctr"/>
+          <a:lstStyle/>
+          <a:p>
+            <a:pPr algn="l"/>
+            <a:r>
+              <a:rPr lang="ko-KR" altLang="en-US" b="1" i="0" dirty="0" err="1">
+                <a:solidFill>
+                  <a:srgbClr val="24292E"/>
+                </a:solidFill>
+                <a:effectLst/>
+                <a:latin typeface="-apple-system"/>
+              </a:rPr>
+              <a:t>폴리시의</a:t>
+            </a:r>
+            <a:r>
+              <a:rPr lang="ko-KR" altLang="en-US" b="1" i="0" dirty="0">
+                <a:solidFill>
+                  <a:srgbClr val="24292E"/>
+                </a:solidFill>
+                <a:effectLst/>
+                <a:latin typeface="-apple-system"/>
+              </a:rPr>
+              <a:t> 이동과 컨텍스트 매핑 </a:t>
+            </a:r>
+            <a:r>
+              <a:rPr lang="en-US" altLang="ko-KR" b="1" i="0" dirty="0">
+                <a:solidFill>
+                  <a:srgbClr val="24292E"/>
+                </a:solidFill>
+                <a:effectLst/>
+                <a:latin typeface="-apple-system"/>
+              </a:rPr>
+              <a:t>(</a:t>
+            </a:r>
+            <a:r>
+              <a:rPr lang="ko-KR" altLang="en-US" b="1" i="0" dirty="0">
+                <a:solidFill>
+                  <a:srgbClr val="24292E"/>
+                </a:solidFill>
+                <a:effectLst/>
+                <a:latin typeface="-apple-system"/>
+              </a:rPr>
+              <a:t>점선은 </a:t>
+            </a:r>
+            <a:r>
+              <a:rPr lang="en-US" altLang="ko-KR" b="1" i="0" dirty="0">
+                <a:solidFill>
+                  <a:srgbClr val="24292E"/>
+                </a:solidFill>
+                <a:effectLst/>
+                <a:latin typeface="-apple-system"/>
+              </a:rPr>
+              <a:t>Pub/Sub, </a:t>
+            </a:r>
+            <a:r>
+              <a:rPr lang="ko-KR" altLang="en-US" b="1" i="0" dirty="0">
+                <a:solidFill>
+                  <a:srgbClr val="24292E"/>
+                </a:solidFill>
+                <a:effectLst/>
+                <a:latin typeface="-apple-system"/>
+              </a:rPr>
+              <a:t>실선은 </a:t>
+            </a:r>
+            <a:r>
+              <a:rPr lang="en-US" altLang="ko-KR" b="1" i="0" dirty="0">
+                <a:solidFill>
+                  <a:srgbClr val="24292E"/>
+                </a:solidFill>
+                <a:effectLst/>
+                <a:latin typeface="-apple-system"/>
+              </a:rPr>
+              <a:t>Req/Resp)</a:t>
+            </a:r>
+          </a:p>
+        </p:txBody>
+      </p:sp>
+      <p:sp>
+        <p:nvSpPr>
+          <p:cNvPr id="11" name="직사각형 10">
+            <a:extLst>
+              <a:ext uri="{FF2B5EF4-FFF2-40B4-BE49-F238E27FC236}">
+                <a16:creationId xmlns:a16="http://schemas.microsoft.com/office/drawing/2014/main" id="{82ED6B07-2C15-4B4F-A07A-580267C9E6A4}"/>
+              </a:ext>
+            </a:extLst>
+          </p:cNvPr>
+          <p:cNvSpPr/>
+          <p:nvPr/>
+        </p:nvSpPr>
+        <p:spPr>
+          <a:xfrm>
+            <a:off x="1699032" y="1631507"/>
+            <a:ext cx="1008000" cy="828000"/>
+          </a:xfrm>
+          <a:prstGeom prst="rect">
+            <a:avLst/>
+          </a:prstGeom>
+          <a:solidFill>
+            <a:srgbClr val="00B0F0"/>
+          </a:solidFill>
+        </p:spPr>
+        <p:style>
+          <a:lnRef idx="2">
+            <a:schemeClr val="accent1">
+              <a:shade val="50000"/>
+            </a:schemeClr>
+          </a:lnRef>
+          <a:fillRef idx="1">
+            <a:schemeClr val="accent1"/>
+          </a:fillRef>
+          <a:effectRef idx="0">
+            <a:schemeClr val="accent1"/>
+          </a:effectRef>
+          <a:fontRef idx="minor">
+            <a:schemeClr val="lt1"/>
+          </a:fontRef>
+        </p:style>
+        <p:txBody>
+          <a:bodyPr rtlCol="0" anchor="ctr"/>
+          <a:lstStyle/>
+          <a:p>
+            <a:pPr algn="ctr"/>
+            <a:r>
+              <a:rPr lang="ko-KR" altLang="en-US" sz="1400" b="1" dirty="0">
+                <a:solidFill>
+                  <a:schemeClr val="tx1"/>
+                </a:solidFill>
+              </a:rPr>
+              <a:t>가입</a:t>
+            </a:r>
+          </a:p>
+        </p:txBody>
+      </p:sp>
+      <p:sp>
+        <p:nvSpPr>
+          <p:cNvPr id="20" name="직사각형 19">
+            <a:extLst>
+              <a:ext uri="{FF2B5EF4-FFF2-40B4-BE49-F238E27FC236}">
+                <a16:creationId xmlns:a16="http://schemas.microsoft.com/office/drawing/2014/main" id="{8422D7D6-D175-41E6-B266-3E883A608AE3}"/>
+              </a:ext>
+            </a:extLst>
+          </p:cNvPr>
+          <p:cNvSpPr/>
+          <p:nvPr/>
+        </p:nvSpPr>
+        <p:spPr>
+          <a:xfrm>
+            <a:off x="3018012" y="2749704"/>
+            <a:ext cx="1008000" cy="828000"/>
+          </a:xfrm>
+          <a:prstGeom prst="rect">
+            <a:avLst/>
+          </a:prstGeom>
+          <a:solidFill>
+            <a:srgbClr val="FFC000"/>
+          </a:solidFill>
+        </p:spPr>
+        <p:style>
+          <a:lnRef idx="2">
+            <a:schemeClr val="accent1">
+              <a:shade val="50000"/>
+            </a:schemeClr>
+          </a:lnRef>
+          <a:fillRef idx="1">
+            <a:schemeClr val="accent1"/>
+          </a:fillRef>
+          <a:effectRef idx="0">
+            <a:schemeClr val="accent1"/>
+          </a:effectRef>
+          <a:fontRef idx="minor">
+            <a:schemeClr val="lt1"/>
+          </a:fontRef>
+        </p:style>
+        <p:txBody>
+          <a:bodyPr rtlCol="0" anchor="ctr"/>
+          <a:lstStyle/>
+          <a:p>
+            <a:pPr algn="ctr"/>
+            <a:r>
+              <a:rPr lang="ko-KR" altLang="en-US" sz="1400" b="1" dirty="0">
+                <a:solidFill>
+                  <a:schemeClr val="tx1"/>
+                </a:solidFill>
+              </a:rPr>
+              <a:t>회원 </a:t>
+            </a:r>
+            <a:endParaRPr lang="en-US" altLang="ko-KR" sz="1400" b="1" dirty="0">
+              <a:solidFill>
+                <a:schemeClr val="tx1"/>
+              </a:solidFill>
+            </a:endParaRPr>
+          </a:p>
+          <a:p>
+            <a:pPr algn="ctr"/>
+            <a:r>
+              <a:rPr lang="ko-KR" altLang="en-US" sz="1400" b="1" dirty="0" err="1">
+                <a:solidFill>
+                  <a:schemeClr val="tx1"/>
+                </a:solidFill>
+              </a:rPr>
+              <a:t>탈퇴됨</a:t>
+            </a:r>
+            <a:endParaRPr lang="ko-KR" altLang="en-US" sz="1400" b="1" dirty="0">
+              <a:solidFill>
+                <a:schemeClr val="tx1"/>
+              </a:solidFill>
+            </a:endParaRPr>
+          </a:p>
+        </p:txBody>
+      </p:sp>
+      <p:sp>
+        <p:nvSpPr>
+          <p:cNvPr id="24" name="직사각형 23">
+            <a:extLst>
+              <a:ext uri="{FF2B5EF4-FFF2-40B4-BE49-F238E27FC236}">
+                <a16:creationId xmlns:a16="http://schemas.microsoft.com/office/drawing/2014/main" id="{9BB4A172-9EF2-491A-852A-47B003B93848}"/>
+              </a:ext>
+            </a:extLst>
+          </p:cNvPr>
+          <p:cNvSpPr/>
+          <p:nvPr/>
+        </p:nvSpPr>
+        <p:spPr>
+          <a:xfrm>
+            <a:off x="3018012" y="1631507"/>
+            <a:ext cx="1008000" cy="828000"/>
+          </a:xfrm>
+          <a:prstGeom prst="rect">
+            <a:avLst/>
+          </a:prstGeom>
+          <a:solidFill>
+            <a:srgbClr val="FFC000"/>
+          </a:solidFill>
+        </p:spPr>
+        <p:style>
+          <a:lnRef idx="2">
+            <a:schemeClr val="accent1">
+              <a:shade val="50000"/>
+            </a:schemeClr>
+          </a:lnRef>
+          <a:fillRef idx="1">
+            <a:schemeClr val="accent1"/>
+          </a:fillRef>
+          <a:effectRef idx="0">
+            <a:schemeClr val="accent1"/>
+          </a:effectRef>
+          <a:fontRef idx="minor">
+            <a:schemeClr val="lt1"/>
+          </a:fontRef>
+        </p:style>
+        <p:txBody>
+          <a:bodyPr rtlCol="0" anchor="ctr"/>
+          <a:lstStyle/>
+          <a:p>
+            <a:pPr algn="ctr"/>
+            <a:r>
+              <a:rPr lang="ko-KR" altLang="en-US" sz="1400" b="1" dirty="0">
+                <a:solidFill>
+                  <a:schemeClr val="tx1"/>
+                </a:solidFill>
+              </a:rPr>
+              <a:t>회원 </a:t>
+            </a:r>
+            <a:endParaRPr lang="en-US" altLang="ko-KR" sz="1400" b="1" dirty="0">
+              <a:solidFill>
+                <a:schemeClr val="tx1"/>
+              </a:solidFill>
+            </a:endParaRPr>
+          </a:p>
+          <a:p>
+            <a:pPr algn="ctr"/>
+            <a:r>
+              <a:rPr lang="ko-KR" altLang="en-US" sz="1400" b="1" dirty="0">
+                <a:solidFill>
+                  <a:schemeClr val="tx1"/>
+                </a:solidFill>
+              </a:rPr>
+              <a:t>가입됨</a:t>
+            </a:r>
+          </a:p>
+        </p:txBody>
+      </p:sp>
+      <p:sp>
+        <p:nvSpPr>
+          <p:cNvPr id="25" name="직사각형 24">
+            <a:extLst>
+              <a:ext uri="{FF2B5EF4-FFF2-40B4-BE49-F238E27FC236}">
+                <a16:creationId xmlns:a16="http://schemas.microsoft.com/office/drawing/2014/main" id="{62A58945-D4D6-4C9A-944B-813FF70E42B1}"/>
+              </a:ext>
+            </a:extLst>
+          </p:cNvPr>
+          <p:cNvSpPr/>
+          <p:nvPr/>
+        </p:nvSpPr>
+        <p:spPr>
+          <a:xfrm>
+            <a:off x="1699032" y="2727600"/>
+            <a:ext cx="1008000" cy="828000"/>
+          </a:xfrm>
+          <a:prstGeom prst="rect">
+            <a:avLst/>
+          </a:prstGeom>
+          <a:solidFill>
+            <a:srgbClr val="00B0F0"/>
+          </a:solidFill>
+        </p:spPr>
+        <p:style>
+          <a:lnRef idx="2">
+            <a:schemeClr val="accent1">
+              <a:shade val="50000"/>
+            </a:schemeClr>
+          </a:lnRef>
+          <a:fillRef idx="1">
+            <a:schemeClr val="accent1"/>
+          </a:fillRef>
+          <a:effectRef idx="0">
+            <a:schemeClr val="accent1"/>
+          </a:effectRef>
+          <a:fontRef idx="minor">
+            <a:schemeClr val="lt1"/>
+          </a:fontRef>
+        </p:style>
+        <p:txBody>
+          <a:bodyPr rtlCol="0" anchor="ctr"/>
+          <a:lstStyle/>
+          <a:p>
+            <a:pPr algn="ctr"/>
+            <a:r>
+              <a:rPr lang="ko-KR" altLang="en-US" sz="1400" b="1" dirty="0">
+                <a:solidFill>
+                  <a:schemeClr val="tx1"/>
+                </a:solidFill>
+              </a:rPr>
+              <a:t>탈퇴</a:t>
+            </a:r>
+          </a:p>
+        </p:txBody>
+      </p:sp>
+      <p:grpSp>
+        <p:nvGrpSpPr>
+          <p:cNvPr id="30" name="그룹 29">
+            <a:extLst>
+              <a:ext uri="{FF2B5EF4-FFF2-40B4-BE49-F238E27FC236}">
+                <a16:creationId xmlns:a16="http://schemas.microsoft.com/office/drawing/2014/main" id="{BF31C8F7-A1E0-4D9C-B646-1F75F595FE7B}"/>
+              </a:ext>
+            </a:extLst>
+          </p:cNvPr>
+          <p:cNvGrpSpPr/>
+          <p:nvPr/>
+        </p:nvGrpSpPr>
+        <p:grpSpPr>
+          <a:xfrm>
+            <a:off x="902064" y="1950571"/>
+            <a:ext cx="1035103" cy="1611826"/>
+            <a:chOff x="1095900" y="1221933"/>
+            <a:chExt cx="1035103" cy="1611826"/>
+          </a:xfrm>
+        </p:grpSpPr>
+        <p:pic>
+          <p:nvPicPr>
+            <p:cNvPr id="29" name="그림 28">
+              <a:extLst>
+                <a:ext uri="{FF2B5EF4-FFF2-40B4-BE49-F238E27FC236}">
+                  <a16:creationId xmlns:a16="http://schemas.microsoft.com/office/drawing/2014/main" id="{E556FB62-7D88-44D7-B00A-A79A7D7EAA46}"/>
+                </a:ext>
+              </a:extLst>
+            </p:cNvPr>
+            <p:cNvPicPr>
+              <a:picLocks noChangeAspect="1"/>
+            </p:cNvPicPr>
+            <p:nvPr/>
+          </p:nvPicPr>
+          <p:blipFill>
+            <a:blip r:embed="rId2">
+              <a:extLst>
+                <a:ext uri="{28A0092B-C50C-407E-A947-70E740481C1C}">
+                  <a14:useLocalDpi xmlns:a14="http://schemas.microsoft.com/office/drawing/2010/main" val="0"/>
+                </a:ext>
+              </a:extLst>
+            </a:blip>
+            <a:stretch>
+              <a:fillRect/>
+            </a:stretch>
+          </p:blipFill>
+          <p:spPr>
+            <a:xfrm>
+              <a:off x="1095900" y="1241811"/>
+              <a:ext cx="1035103" cy="1591948"/>
+            </a:xfrm>
+            <a:prstGeom prst="rect">
+              <a:avLst/>
+            </a:prstGeom>
+          </p:spPr>
+        </p:pic>
+        <p:sp>
+          <p:nvSpPr>
+            <p:cNvPr id="27" name="직사각형 26">
+              <a:extLst>
+                <a:ext uri="{FF2B5EF4-FFF2-40B4-BE49-F238E27FC236}">
+                  <a16:creationId xmlns:a16="http://schemas.microsoft.com/office/drawing/2014/main" id="{F1CF4EB4-5298-4170-8412-35EC834EACD8}"/>
+                </a:ext>
+              </a:extLst>
+            </p:cNvPr>
+            <p:cNvSpPr/>
+            <p:nvPr/>
+          </p:nvSpPr>
+          <p:spPr>
+            <a:xfrm>
+              <a:off x="1318388" y="1221933"/>
+              <a:ext cx="590128" cy="371189"/>
+            </a:xfrm>
+            <a:prstGeom prst="rect">
+              <a:avLst/>
+            </a:prstGeom>
+            <a:noFill/>
+            <a:ln>
+              <a:noFill/>
+            </a:ln>
+          </p:spPr>
+          <p:style>
+            <a:lnRef idx="2">
+              <a:schemeClr val="accent1">
+                <a:shade val="50000"/>
+              </a:schemeClr>
+            </a:lnRef>
+            <a:fillRef idx="1">
+              <a:schemeClr val="accent1"/>
+            </a:fillRef>
+            <a:effectRef idx="0">
+              <a:schemeClr val="accent1"/>
+            </a:effectRef>
+            <a:fontRef idx="minor">
+              <a:schemeClr val="lt1"/>
+            </a:fontRef>
+          </p:style>
+          <p:txBody>
+            <a:bodyPr rtlCol="0" anchor="ctr"/>
+            <a:lstStyle/>
+            <a:p>
+              <a:pPr algn="ctr"/>
+              <a:r>
+                <a:rPr lang="ko-KR" altLang="en-US" sz="1400" b="1" dirty="0">
+                  <a:solidFill>
+                    <a:schemeClr val="tx1"/>
+                  </a:solidFill>
+                </a:rPr>
+                <a:t>회원</a:t>
+              </a:r>
+            </a:p>
+          </p:txBody>
+        </p:sp>
+      </p:grpSp>
+      <p:sp>
+        <p:nvSpPr>
+          <p:cNvPr id="34" name="직사각형 33">
+            <a:extLst>
+              <a:ext uri="{FF2B5EF4-FFF2-40B4-BE49-F238E27FC236}">
+                <a16:creationId xmlns:a16="http://schemas.microsoft.com/office/drawing/2014/main" id="{A8E2A6C8-49FA-4502-A2C5-D99127A96F6D}"/>
+              </a:ext>
+            </a:extLst>
+          </p:cNvPr>
+          <p:cNvSpPr/>
+          <p:nvPr/>
+        </p:nvSpPr>
+        <p:spPr>
+          <a:xfrm>
+            <a:off x="7707411" y="5658910"/>
+            <a:ext cx="1008000" cy="828000"/>
+          </a:xfrm>
+          <a:prstGeom prst="rect">
+            <a:avLst/>
+          </a:prstGeom>
+          <a:solidFill>
+            <a:srgbClr val="FFC000"/>
+          </a:solidFill>
+        </p:spPr>
+        <p:style>
+          <a:lnRef idx="2">
+            <a:schemeClr val="accent1">
+              <a:shade val="50000"/>
+            </a:schemeClr>
+          </a:lnRef>
+          <a:fillRef idx="1">
+            <a:schemeClr val="accent1"/>
+          </a:fillRef>
+          <a:effectRef idx="0">
+            <a:schemeClr val="accent1"/>
+          </a:effectRef>
+          <a:fontRef idx="minor">
+            <a:schemeClr val="lt1"/>
+          </a:fontRef>
+        </p:style>
+        <p:txBody>
+          <a:bodyPr rtlCol="0" anchor="ctr"/>
+          <a:lstStyle/>
+          <a:p>
+            <a:pPr algn="ctr"/>
+            <a:r>
+              <a:rPr lang="ko-KR" altLang="en-US" sz="1400" b="1" dirty="0">
+                <a:solidFill>
+                  <a:schemeClr val="tx1"/>
+                </a:solidFill>
+              </a:rPr>
+              <a:t>포인트</a:t>
+            </a:r>
+            <a:endParaRPr lang="en-US" altLang="ko-KR" sz="1400" b="1" dirty="0">
+              <a:solidFill>
+                <a:schemeClr val="tx1"/>
+              </a:solidFill>
+            </a:endParaRPr>
+          </a:p>
+          <a:p>
+            <a:pPr algn="ctr"/>
+            <a:r>
+              <a:rPr lang="ko-KR" altLang="en-US" sz="1400" b="1" dirty="0">
+                <a:solidFill>
+                  <a:schemeClr val="tx1"/>
+                </a:solidFill>
+              </a:rPr>
+              <a:t>사용됨</a:t>
+            </a:r>
+          </a:p>
+        </p:txBody>
+      </p:sp>
+      <p:sp>
+        <p:nvSpPr>
+          <p:cNvPr id="35" name="직사각형 34">
+            <a:extLst>
+              <a:ext uri="{FF2B5EF4-FFF2-40B4-BE49-F238E27FC236}">
+                <a16:creationId xmlns:a16="http://schemas.microsoft.com/office/drawing/2014/main" id="{0AD6B9D7-BF21-4245-B20A-2E406C2F7CD6}"/>
+              </a:ext>
+            </a:extLst>
+          </p:cNvPr>
+          <p:cNvSpPr/>
+          <p:nvPr/>
+        </p:nvSpPr>
+        <p:spPr>
+          <a:xfrm>
+            <a:off x="5997040" y="5658910"/>
+            <a:ext cx="1008000" cy="828000"/>
+          </a:xfrm>
+          <a:prstGeom prst="rect">
+            <a:avLst/>
+          </a:prstGeom>
+          <a:solidFill>
+            <a:srgbClr val="00B0F0"/>
+          </a:solidFill>
+        </p:spPr>
+        <p:style>
+          <a:lnRef idx="2">
+            <a:schemeClr val="accent1">
+              <a:shade val="50000"/>
+            </a:schemeClr>
+          </a:lnRef>
+          <a:fillRef idx="1">
+            <a:schemeClr val="accent1"/>
+          </a:fillRef>
+          <a:effectRef idx="0">
+            <a:schemeClr val="accent1"/>
+          </a:effectRef>
+          <a:fontRef idx="minor">
+            <a:schemeClr val="lt1"/>
+          </a:fontRef>
+        </p:style>
+        <p:txBody>
+          <a:bodyPr rtlCol="0" anchor="ctr"/>
+          <a:lstStyle/>
+          <a:p>
+            <a:pPr algn="ctr"/>
+            <a:r>
+              <a:rPr lang="ko-KR" altLang="en-US" sz="1400" b="1" dirty="0">
+                <a:solidFill>
+                  <a:schemeClr val="tx1"/>
+                </a:solidFill>
+              </a:rPr>
+              <a:t>사용</a:t>
+            </a:r>
+          </a:p>
+        </p:txBody>
+      </p:sp>
+      <p:sp>
+        <p:nvSpPr>
+          <p:cNvPr id="39" name="직사각형 38">
+            <a:extLst>
+              <a:ext uri="{FF2B5EF4-FFF2-40B4-BE49-F238E27FC236}">
+                <a16:creationId xmlns:a16="http://schemas.microsoft.com/office/drawing/2014/main" id="{456F8A4A-E7F7-4A9E-B8C0-6BF3B6715FD6}"/>
+              </a:ext>
+            </a:extLst>
+          </p:cNvPr>
+          <p:cNvSpPr/>
+          <p:nvPr/>
+        </p:nvSpPr>
+        <p:spPr>
+          <a:xfrm>
+            <a:off x="7707411" y="4516586"/>
+            <a:ext cx="1008000" cy="828000"/>
+          </a:xfrm>
+          <a:prstGeom prst="rect">
+            <a:avLst/>
+          </a:prstGeom>
+          <a:solidFill>
+            <a:srgbClr val="FFC000"/>
+          </a:solidFill>
+        </p:spPr>
+        <p:style>
+          <a:lnRef idx="2">
+            <a:schemeClr val="accent1">
+              <a:shade val="50000"/>
+            </a:schemeClr>
+          </a:lnRef>
+          <a:fillRef idx="1">
+            <a:schemeClr val="accent1"/>
+          </a:fillRef>
+          <a:effectRef idx="0">
+            <a:schemeClr val="accent1"/>
+          </a:effectRef>
+          <a:fontRef idx="minor">
+            <a:schemeClr val="lt1"/>
+          </a:fontRef>
+        </p:style>
+        <p:txBody>
+          <a:bodyPr rtlCol="0" anchor="ctr"/>
+          <a:lstStyle/>
+          <a:p>
+            <a:pPr algn="ctr"/>
+            <a:r>
+              <a:rPr lang="ko-KR" altLang="en-US" sz="1400" b="1" dirty="0">
+                <a:solidFill>
+                  <a:schemeClr val="tx1"/>
+                </a:solidFill>
+              </a:rPr>
+              <a:t>포인트</a:t>
+            </a:r>
+            <a:endParaRPr lang="en-US" altLang="ko-KR" sz="1400" b="1" dirty="0">
+              <a:solidFill>
+                <a:schemeClr val="tx1"/>
+              </a:solidFill>
+            </a:endParaRPr>
+          </a:p>
+          <a:p>
+            <a:pPr algn="ctr"/>
+            <a:r>
+              <a:rPr lang="ko-KR" altLang="en-US" sz="1400" b="1" dirty="0">
+                <a:solidFill>
+                  <a:schemeClr val="tx1"/>
+                </a:solidFill>
+              </a:rPr>
+              <a:t>적립됨</a:t>
+            </a:r>
+          </a:p>
+        </p:txBody>
+      </p:sp>
+      <p:sp>
+        <p:nvSpPr>
+          <p:cNvPr id="40" name="직사각형 39">
+            <a:extLst>
+              <a:ext uri="{FF2B5EF4-FFF2-40B4-BE49-F238E27FC236}">
+                <a16:creationId xmlns:a16="http://schemas.microsoft.com/office/drawing/2014/main" id="{4FC3D4F5-C0D1-407C-9BE6-B74E70B612AD}"/>
+              </a:ext>
+            </a:extLst>
+          </p:cNvPr>
+          <p:cNvSpPr/>
+          <p:nvPr/>
+        </p:nvSpPr>
+        <p:spPr>
+          <a:xfrm>
+            <a:off x="5997040" y="4516586"/>
+            <a:ext cx="1008000" cy="828000"/>
+          </a:xfrm>
+          <a:prstGeom prst="rect">
+            <a:avLst/>
+          </a:prstGeom>
+          <a:solidFill>
+            <a:srgbClr val="00B0F0"/>
+          </a:solidFill>
+        </p:spPr>
+        <p:style>
+          <a:lnRef idx="2">
+            <a:schemeClr val="accent1">
+              <a:shade val="50000"/>
+            </a:schemeClr>
+          </a:lnRef>
+          <a:fillRef idx="1">
+            <a:schemeClr val="accent1"/>
+          </a:fillRef>
+          <a:effectRef idx="0">
+            <a:schemeClr val="accent1"/>
+          </a:effectRef>
+          <a:fontRef idx="minor">
+            <a:schemeClr val="lt1"/>
+          </a:fontRef>
+        </p:style>
+        <p:txBody>
+          <a:bodyPr rtlCol="0" anchor="ctr"/>
+          <a:lstStyle/>
+          <a:p>
+            <a:pPr algn="ctr"/>
+            <a:r>
+              <a:rPr lang="ko-KR" altLang="en-US" sz="1400" b="1" dirty="0">
+                <a:solidFill>
+                  <a:schemeClr val="tx1"/>
+                </a:solidFill>
+              </a:rPr>
+              <a:t>적립</a:t>
+            </a:r>
+          </a:p>
+        </p:txBody>
+      </p:sp>
+      <p:grpSp>
+        <p:nvGrpSpPr>
+          <p:cNvPr id="41" name="그룹 40">
+            <a:extLst>
+              <a:ext uri="{FF2B5EF4-FFF2-40B4-BE49-F238E27FC236}">
+                <a16:creationId xmlns:a16="http://schemas.microsoft.com/office/drawing/2014/main" id="{3EE06B1D-6EA9-48F5-A6D3-60601C915DC4}"/>
+              </a:ext>
+            </a:extLst>
+          </p:cNvPr>
+          <p:cNvGrpSpPr/>
+          <p:nvPr/>
+        </p:nvGrpSpPr>
+        <p:grpSpPr>
+          <a:xfrm>
+            <a:off x="5196674" y="4662400"/>
+            <a:ext cx="1035103" cy="1611826"/>
+            <a:chOff x="1095900" y="1221933"/>
+            <a:chExt cx="1035103" cy="1611826"/>
+          </a:xfrm>
+        </p:grpSpPr>
+        <p:pic>
+          <p:nvPicPr>
+            <p:cNvPr id="42" name="그림 41">
+              <a:extLst>
+                <a:ext uri="{FF2B5EF4-FFF2-40B4-BE49-F238E27FC236}">
+                  <a16:creationId xmlns:a16="http://schemas.microsoft.com/office/drawing/2014/main" id="{74F32B75-AE79-47A8-ACD3-9235B8CC2E6D}"/>
+                </a:ext>
+              </a:extLst>
+            </p:cNvPr>
+            <p:cNvPicPr>
+              <a:picLocks noChangeAspect="1"/>
+            </p:cNvPicPr>
+            <p:nvPr/>
+          </p:nvPicPr>
+          <p:blipFill>
+            <a:blip r:embed="rId2">
+              <a:extLst>
+                <a:ext uri="{28A0092B-C50C-407E-A947-70E740481C1C}">
+                  <a14:useLocalDpi xmlns:a14="http://schemas.microsoft.com/office/drawing/2010/main" val="0"/>
+                </a:ext>
+              </a:extLst>
+            </a:blip>
+            <a:stretch>
+              <a:fillRect/>
+            </a:stretch>
+          </p:blipFill>
+          <p:spPr>
+            <a:xfrm>
+              <a:off x="1095900" y="1241811"/>
+              <a:ext cx="1035103" cy="1591948"/>
+            </a:xfrm>
+            <a:prstGeom prst="rect">
+              <a:avLst/>
+            </a:prstGeom>
+          </p:spPr>
+        </p:pic>
+        <p:sp>
+          <p:nvSpPr>
+            <p:cNvPr id="43" name="직사각형 42">
+              <a:extLst>
+                <a:ext uri="{FF2B5EF4-FFF2-40B4-BE49-F238E27FC236}">
+                  <a16:creationId xmlns:a16="http://schemas.microsoft.com/office/drawing/2014/main" id="{6CD28323-5803-4B9D-B964-A3A85CEAC738}"/>
+                </a:ext>
+              </a:extLst>
+            </p:cNvPr>
+            <p:cNvSpPr/>
+            <p:nvPr/>
+          </p:nvSpPr>
+          <p:spPr>
+            <a:xfrm>
+              <a:off x="1318388" y="1221933"/>
+              <a:ext cx="590128" cy="371189"/>
+            </a:xfrm>
+            <a:prstGeom prst="rect">
+              <a:avLst/>
+            </a:prstGeom>
+            <a:noFill/>
+            <a:ln>
+              <a:noFill/>
+            </a:ln>
+          </p:spPr>
+          <p:style>
+            <a:lnRef idx="2">
+              <a:schemeClr val="accent1">
+                <a:shade val="50000"/>
+              </a:schemeClr>
+            </a:lnRef>
+            <a:fillRef idx="1">
+              <a:schemeClr val="accent1"/>
+            </a:fillRef>
+            <a:effectRef idx="0">
+              <a:schemeClr val="accent1"/>
+            </a:effectRef>
+            <a:fontRef idx="minor">
+              <a:schemeClr val="lt1"/>
+            </a:fontRef>
+          </p:style>
+          <p:txBody>
+            <a:bodyPr rtlCol="0" anchor="ctr"/>
+            <a:lstStyle/>
+            <a:p>
+              <a:pPr algn="ctr"/>
+              <a:r>
+                <a:rPr lang="ko-KR" altLang="en-US" sz="1400" b="1" dirty="0">
+                  <a:solidFill>
+                    <a:schemeClr val="tx1"/>
+                  </a:solidFill>
+                </a:rPr>
+                <a:t>회원</a:t>
+              </a:r>
+            </a:p>
+          </p:txBody>
+        </p:sp>
+      </p:grpSp>
+      <p:sp>
+        <p:nvSpPr>
+          <p:cNvPr id="6" name="직사각형 5">
+            <a:extLst>
+              <a:ext uri="{FF2B5EF4-FFF2-40B4-BE49-F238E27FC236}">
+                <a16:creationId xmlns:a16="http://schemas.microsoft.com/office/drawing/2014/main" id="{1DD217D4-2D75-4C80-BE4A-27E7DDAC4A1A}"/>
+              </a:ext>
+            </a:extLst>
+          </p:cNvPr>
+          <p:cNvSpPr/>
+          <p:nvPr/>
+        </p:nvSpPr>
+        <p:spPr>
+          <a:xfrm>
+            <a:off x="6155001" y="1349760"/>
+            <a:ext cx="972000" cy="972000"/>
+          </a:xfrm>
+          <a:prstGeom prst="rect">
+            <a:avLst/>
+          </a:prstGeom>
+          <a:solidFill>
+            <a:srgbClr val="FFFF00"/>
+          </a:solidFill>
+        </p:spPr>
+        <p:style>
+          <a:lnRef idx="2">
+            <a:schemeClr val="accent1">
+              <a:shade val="50000"/>
+            </a:schemeClr>
+          </a:lnRef>
+          <a:fillRef idx="1">
+            <a:schemeClr val="accent1"/>
+          </a:fillRef>
+          <a:effectRef idx="0">
+            <a:schemeClr val="accent1"/>
+          </a:effectRef>
+          <a:fontRef idx="minor">
+            <a:schemeClr val="lt1"/>
+          </a:fontRef>
+        </p:style>
+        <p:txBody>
+          <a:bodyPr rtlCol="0" anchor="ctr"/>
+          <a:lstStyle/>
+          <a:p>
+            <a:pPr algn="ctr"/>
+            <a:r>
+              <a:rPr lang="ko-KR" altLang="en-US" sz="1400" b="1" dirty="0">
+                <a:solidFill>
+                  <a:schemeClr val="tx1"/>
+                </a:solidFill>
+              </a:rPr>
+              <a:t>메시지</a:t>
+            </a:r>
+          </a:p>
+        </p:txBody>
+      </p:sp>
+      <p:sp>
+        <p:nvSpPr>
+          <p:cNvPr id="8" name="직사각형 7">
+            <a:extLst>
+              <a:ext uri="{FF2B5EF4-FFF2-40B4-BE49-F238E27FC236}">
+                <a16:creationId xmlns:a16="http://schemas.microsoft.com/office/drawing/2014/main" id="{7CCDFF01-B417-4624-B271-549D031EBEAA}"/>
+              </a:ext>
+            </a:extLst>
+          </p:cNvPr>
+          <p:cNvSpPr/>
+          <p:nvPr/>
+        </p:nvSpPr>
+        <p:spPr>
+          <a:xfrm>
+            <a:off x="6940491" y="1655819"/>
+            <a:ext cx="1008000" cy="828000"/>
+          </a:xfrm>
+          <a:prstGeom prst="rect">
+            <a:avLst/>
+          </a:prstGeom>
+          <a:solidFill>
+            <a:srgbClr val="FFC000"/>
+          </a:solidFill>
+        </p:spPr>
+        <p:style>
+          <a:lnRef idx="2">
+            <a:schemeClr val="accent1">
+              <a:shade val="50000"/>
+            </a:schemeClr>
+          </a:lnRef>
+          <a:fillRef idx="1">
+            <a:schemeClr val="accent1"/>
+          </a:fillRef>
+          <a:effectRef idx="0">
+            <a:schemeClr val="accent1"/>
+          </a:effectRef>
+          <a:fontRef idx="minor">
+            <a:schemeClr val="lt1"/>
+          </a:fontRef>
+        </p:style>
+        <p:txBody>
+          <a:bodyPr rtlCol="0" anchor="ctr"/>
+          <a:lstStyle/>
+          <a:p>
+            <a:pPr algn="ctr"/>
+            <a:r>
+              <a:rPr lang="ko-KR" altLang="en-US" sz="1400" b="1" dirty="0">
+                <a:solidFill>
+                  <a:schemeClr val="tx1"/>
+                </a:solidFill>
+              </a:rPr>
+              <a:t>회원 메시지를 보냄</a:t>
+            </a:r>
+          </a:p>
+        </p:txBody>
+      </p:sp>
+      <p:sp>
+        <p:nvSpPr>
+          <p:cNvPr id="9" name="직사각형 8">
+            <a:extLst>
+              <a:ext uri="{FF2B5EF4-FFF2-40B4-BE49-F238E27FC236}">
+                <a16:creationId xmlns:a16="http://schemas.microsoft.com/office/drawing/2014/main" id="{EB516859-404B-48D2-8729-EDA8D54F87F8}"/>
+              </a:ext>
+            </a:extLst>
+          </p:cNvPr>
+          <p:cNvSpPr/>
+          <p:nvPr/>
+        </p:nvSpPr>
+        <p:spPr>
+          <a:xfrm>
+            <a:off x="387626" y="1013790"/>
+            <a:ext cx="4214191" cy="3872189"/>
+          </a:xfrm>
+          <a:prstGeom prst="rect">
+            <a:avLst/>
+          </a:prstGeom>
+          <a:noFill/>
+          <a:ln w="15875">
+            <a:solidFill>
+              <a:schemeClr val="tx1"/>
+            </a:solidFill>
+            <a:prstDash val="dash"/>
+          </a:ln>
+        </p:spPr>
+        <p:style>
+          <a:lnRef idx="2">
+            <a:schemeClr val="accent1">
+              <a:shade val="50000"/>
+            </a:schemeClr>
+          </a:lnRef>
+          <a:fillRef idx="1">
+            <a:schemeClr val="accent1"/>
+          </a:fillRef>
+          <a:effectRef idx="0">
+            <a:schemeClr val="accent1"/>
+          </a:effectRef>
+          <a:fontRef idx="minor">
+            <a:schemeClr val="lt1"/>
+          </a:fontRef>
+        </p:style>
+        <p:txBody>
+          <a:bodyPr rtlCol="0" anchor="ctr"/>
+          <a:lstStyle/>
+          <a:p>
+            <a:pPr algn="ctr"/>
+            <a:endParaRPr lang="ko-KR" altLang="en-US" dirty="0"/>
+          </a:p>
+        </p:txBody>
+      </p:sp>
+      <p:sp>
+        <p:nvSpPr>
+          <p:cNvPr id="10" name="직사각형 9">
+            <a:extLst>
+              <a:ext uri="{FF2B5EF4-FFF2-40B4-BE49-F238E27FC236}">
+                <a16:creationId xmlns:a16="http://schemas.microsoft.com/office/drawing/2014/main" id="{EB49D584-B11D-4A81-B547-B715DDFF0E85}"/>
+              </a:ext>
+            </a:extLst>
+          </p:cNvPr>
+          <p:cNvSpPr/>
+          <p:nvPr/>
+        </p:nvSpPr>
+        <p:spPr>
+          <a:xfrm>
+            <a:off x="1751452" y="989372"/>
+            <a:ext cx="1406697" cy="588069"/>
+          </a:xfrm>
+          <a:prstGeom prst="rect">
+            <a:avLst/>
+          </a:prstGeom>
+          <a:noFill/>
+          <a:ln w="15875">
+            <a:noFill/>
+            <a:prstDash val="dash"/>
+          </a:ln>
+        </p:spPr>
+        <p:style>
+          <a:lnRef idx="2">
+            <a:schemeClr val="accent1">
+              <a:shade val="50000"/>
+            </a:schemeClr>
+          </a:lnRef>
+          <a:fillRef idx="1">
+            <a:schemeClr val="accent1"/>
+          </a:fillRef>
+          <a:effectRef idx="0">
+            <a:schemeClr val="accent1"/>
+          </a:effectRef>
+          <a:fontRef idx="minor">
+            <a:schemeClr val="lt1"/>
+          </a:fontRef>
+        </p:style>
+        <p:txBody>
+          <a:bodyPr rtlCol="0" anchor="ctr"/>
+          <a:lstStyle/>
+          <a:p>
+            <a:pPr algn="ctr"/>
+            <a:r>
+              <a:rPr lang="en-US" altLang="ko-KR" dirty="0">
+                <a:solidFill>
+                  <a:schemeClr val="tx1"/>
+                </a:solidFill>
+              </a:rPr>
+              <a:t>member</a:t>
+            </a:r>
+            <a:endParaRPr lang="ko-KR" altLang="en-US" dirty="0">
+              <a:solidFill>
+                <a:schemeClr val="tx1"/>
+              </a:solidFill>
+            </a:endParaRPr>
+          </a:p>
+        </p:txBody>
+      </p:sp>
+      <p:sp>
+        <p:nvSpPr>
+          <p:cNvPr id="14" name="직사각형 13">
+            <a:extLst>
+              <a:ext uri="{FF2B5EF4-FFF2-40B4-BE49-F238E27FC236}">
+                <a16:creationId xmlns:a16="http://schemas.microsoft.com/office/drawing/2014/main" id="{4EDA2FB3-F4C0-4825-A53E-FA2309FCA29D}"/>
+              </a:ext>
+            </a:extLst>
+          </p:cNvPr>
+          <p:cNvSpPr/>
+          <p:nvPr/>
+        </p:nvSpPr>
+        <p:spPr>
+          <a:xfrm>
+            <a:off x="4991458" y="926935"/>
+            <a:ext cx="3337534" cy="1779420"/>
+          </a:xfrm>
+          <a:prstGeom prst="rect">
+            <a:avLst/>
+          </a:prstGeom>
+          <a:noFill/>
+          <a:ln w="15875">
+            <a:solidFill>
+              <a:schemeClr val="tx1"/>
+            </a:solidFill>
+            <a:prstDash val="dash"/>
+          </a:ln>
+        </p:spPr>
+        <p:style>
+          <a:lnRef idx="2">
+            <a:schemeClr val="accent1">
+              <a:shade val="50000"/>
+            </a:schemeClr>
+          </a:lnRef>
+          <a:fillRef idx="1">
+            <a:schemeClr val="accent1"/>
+          </a:fillRef>
+          <a:effectRef idx="0">
+            <a:schemeClr val="accent1"/>
+          </a:effectRef>
+          <a:fontRef idx="minor">
+            <a:schemeClr val="lt1"/>
+          </a:fontRef>
+        </p:style>
+        <p:txBody>
+          <a:bodyPr rtlCol="0" anchor="ctr"/>
+          <a:lstStyle/>
+          <a:p>
+            <a:pPr algn="ctr"/>
+            <a:endParaRPr lang="ko-KR" altLang="en-US" dirty="0"/>
+          </a:p>
+        </p:txBody>
+      </p:sp>
+      <p:sp>
+        <p:nvSpPr>
+          <p:cNvPr id="15" name="직사각형 14">
+            <a:extLst>
+              <a:ext uri="{FF2B5EF4-FFF2-40B4-BE49-F238E27FC236}">
+                <a16:creationId xmlns:a16="http://schemas.microsoft.com/office/drawing/2014/main" id="{B3903D8C-C691-4322-8FEB-3DA635FCE136}"/>
+              </a:ext>
+            </a:extLst>
+          </p:cNvPr>
+          <p:cNvSpPr/>
+          <p:nvPr/>
+        </p:nvSpPr>
+        <p:spPr>
+          <a:xfrm>
+            <a:off x="6355283" y="849987"/>
+            <a:ext cx="1406697" cy="588069"/>
+          </a:xfrm>
+          <a:prstGeom prst="rect">
+            <a:avLst/>
+          </a:prstGeom>
+          <a:noFill/>
+          <a:ln w="15875">
+            <a:noFill/>
+            <a:prstDash val="dash"/>
+          </a:ln>
+        </p:spPr>
+        <p:style>
+          <a:lnRef idx="2">
+            <a:schemeClr val="accent1">
+              <a:shade val="50000"/>
+            </a:schemeClr>
+          </a:lnRef>
+          <a:fillRef idx="1">
+            <a:schemeClr val="accent1"/>
+          </a:fillRef>
+          <a:effectRef idx="0">
+            <a:schemeClr val="accent1"/>
+          </a:effectRef>
+          <a:fontRef idx="minor">
+            <a:schemeClr val="lt1"/>
+          </a:fontRef>
+        </p:style>
+        <p:txBody>
+          <a:bodyPr rtlCol="0" anchor="ctr"/>
+          <a:lstStyle/>
+          <a:p>
+            <a:pPr algn="ctr"/>
+            <a:r>
+              <a:rPr lang="en-US" altLang="ko-KR" dirty="0">
+                <a:solidFill>
+                  <a:schemeClr val="tx1"/>
+                </a:solidFill>
+              </a:rPr>
+              <a:t>message</a:t>
+            </a:r>
+            <a:endParaRPr lang="ko-KR" altLang="en-US" dirty="0">
+              <a:solidFill>
+                <a:schemeClr val="tx1"/>
+              </a:solidFill>
+            </a:endParaRPr>
+          </a:p>
+        </p:txBody>
+      </p:sp>
+      <p:sp>
+        <p:nvSpPr>
+          <p:cNvPr id="16" name="직사각형 15">
+            <a:extLst>
+              <a:ext uri="{FF2B5EF4-FFF2-40B4-BE49-F238E27FC236}">
+                <a16:creationId xmlns:a16="http://schemas.microsoft.com/office/drawing/2014/main" id="{97CCEA1C-ACFB-4712-B1E2-92D03896674F}"/>
+              </a:ext>
+            </a:extLst>
+          </p:cNvPr>
+          <p:cNvSpPr/>
+          <p:nvPr/>
+        </p:nvSpPr>
+        <p:spPr>
+          <a:xfrm>
+            <a:off x="4991458" y="2880413"/>
+            <a:ext cx="4214191" cy="3739047"/>
+          </a:xfrm>
+          <a:prstGeom prst="rect">
+            <a:avLst/>
+          </a:prstGeom>
+          <a:noFill/>
+          <a:ln w="15875">
+            <a:solidFill>
+              <a:schemeClr val="tx1"/>
+            </a:solidFill>
+            <a:prstDash val="dash"/>
+          </a:ln>
+        </p:spPr>
+        <p:style>
+          <a:lnRef idx="2">
+            <a:schemeClr val="accent1">
+              <a:shade val="50000"/>
+            </a:schemeClr>
+          </a:lnRef>
+          <a:fillRef idx="1">
+            <a:schemeClr val="accent1"/>
+          </a:fillRef>
+          <a:effectRef idx="0">
+            <a:schemeClr val="accent1"/>
+          </a:effectRef>
+          <a:fontRef idx="minor">
+            <a:schemeClr val="lt1"/>
+          </a:fontRef>
+        </p:style>
+        <p:txBody>
+          <a:bodyPr rtlCol="0" anchor="ctr"/>
+          <a:lstStyle/>
+          <a:p>
+            <a:pPr algn="ctr"/>
+            <a:endParaRPr lang="ko-KR" altLang="en-US" dirty="0"/>
+          </a:p>
+        </p:txBody>
+      </p:sp>
+      <p:sp>
+        <p:nvSpPr>
+          <p:cNvPr id="17" name="직사각형 16">
+            <a:extLst>
+              <a:ext uri="{FF2B5EF4-FFF2-40B4-BE49-F238E27FC236}">
+                <a16:creationId xmlns:a16="http://schemas.microsoft.com/office/drawing/2014/main" id="{DE73F050-B9BD-4B65-B0C9-B4E993DC2BCE}"/>
+              </a:ext>
+            </a:extLst>
+          </p:cNvPr>
+          <p:cNvSpPr/>
+          <p:nvPr/>
+        </p:nvSpPr>
+        <p:spPr>
+          <a:xfrm>
+            <a:off x="6355284" y="2855995"/>
+            <a:ext cx="1406697" cy="588069"/>
+          </a:xfrm>
+          <a:prstGeom prst="rect">
+            <a:avLst/>
+          </a:prstGeom>
+          <a:noFill/>
+          <a:ln w="15875">
+            <a:noFill/>
+            <a:prstDash val="dash"/>
+          </a:ln>
+        </p:spPr>
+        <p:style>
+          <a:lnRef idx="2">
+            <a:schemeClr val="accent1">
+              <a:shade val="50000"/>
+            </a:schemeClr>
+          </a:lnRef>
+          <a:fillRef idx="1">
+            <a:schemeClr val="accent1"/>
+          </a:fillRef>
+          <a:effectRef idx="0">
+            <a:schemeClr val="accent1"/>
+          </a:effectRef>
+          <a:fontRef idx="minor">
+            <a:schemeClr val="lt1"/>
+          </a:fontRef>
+        </p:style>
+        <p:txBody>
+          <a:bodyPr rtlCol="0" anchor="ctr"/>
+          <a:lstStyle/>
+          <a:p>
+            <a:pPr algn="ctr"/>
+            <a:r>
+              <a:rPr lang="en-US" altLang="ko-KR" dirty="0">
+                <a:solidFill>
+                  <a:schemeClr val="tx1"/>
+                </a:solidFill>
+              </a:rPr>
+              <a:t>point</a:t>
+            </a:r>
+            <a:endParaRPr lang="ko-KR" altLang="en-US" dirty="0">
+              <a:solidFill>
+                <a:schemeClr val="tx1"/>
+              </a:solidFill>
+            </a:endParaRPr>
+          </a:p>
+        </p:txBody>
+      </p:sp>
+      <p:sp>
+        <p:nvSpPr>
+          <p:cNvPr id="28" name="직사각형 27">
+            <a:extLst>
+              <a:ext uri="{FF2B5EF4-FFF2-40B4-BE49-F238E27FC236}">
+                <a16:creationId xmlns:a16="http://schemas.microsoft.com/office/drawing/2014/main" id="{54B889B5-ED87-42A0-AE21-3C5DF09A7BE2}"/>
+              </a:ext>
+            </a:extLst>
+          </p:cNvPr>
+          <p:cNvSpPr/>
+          <p:nvPr/>
+        </p:nvSpPr>
+        <p:spPr>
+          <a:xfrm>
+            <a:off x="7707411" y="3374262"/>
+            <a:ext cx="1008000" cy="828000"/>
+          </a:xfrm>
+          <a:prstGeom prst="rect">
+            <a:avLst/>
+          </a:prstGeom>
+          <a:solidFill>
+            <a:srgbClr val="FFC000"/>
+          </a:solidFill>
+        </p:spPr>
+        <p:style>
+          <a:lnRef idx="2">
+            <a:schemeClr val="accent1">
+              <a:shade val="50000"/>
+            </a:schemeClr>
+          </a:lnRef>
+          <a:fillRef idx="1">
+            <a:schemeClr val="accent1"/>
+          </a:fillRef>
+          <a:effectRef idx="0">
+            <a:schemeClr val="accent1"/>
+          </a:effectRef>
+          <a:fontRef idx="minor">
+            <a:schemeClr val="lt1"/>
+          </a:fontRef>
+        </p:style>
+        <p:txBody>
+          <a:bodyPr rtlCol="0" anchor="ctr"/>
+          <a:lstStyle/>
+          <a:p>
+            <a:pPr algn="ctr"/>
+            <a:r>
+              <a:rPr lang="ko-KR" altLang="en-US" sz="1400" b="1" dirty="0">
+                <a:solidFill>
+                  <a:schemeClr val="tx1"/>
+                </a:solidFill>
+              </a:rPr>
+              <a:t>포인트 </a:t>
+            </a:r>
+            <a:endParaRPr lang="en-US" altLang="ko-KR" sz="1400" b="1" dirty="0">
+              <a:solidFill>
+                <a:schemeClr val="tx1"/>
+              </a:solidFill>
+            </a:endParaRPr>
+          </a:p>
+          <a:p>
+            <a:pPr algn="ctr"/>
+            <a:r>
+              <a:rPr lang="ko-KR" altLang="en-US" sz="1400" b="1" dirty="0">
+                <a:solidFill>
+                  <a:schemeClr val="tx1"/>
+                </a:solidFill>
+              </a:rPr>
+              <a:t>소멸됨</a:t>
+            </a:r>
+          </a:p>
+        </p:txBody>
+      </p:sp>
+      <p:sp>
+        <p:nvSpPr>
+          <p:cNvPr id="33" name="직사각형 32">
+            <a:extLst>
+              <a:ext uri="{FF2B5EF4-FFF2-40B4-BE49-F238E27FC236}">
+                <a16:creationId xmlns:a16="http://schemas.microsoft.com/office/drawing/2014/main" id="{8B7246D5-5DAC-4862-B8DE-6659AD5DB392}"/>
+              </a:ext>
+            </a:extLst>
+          </p:cNvPr>
+          <p:cNvSpPr/>
+          <p:nvPr/>
+        </p:nvSpPr>
+        <p:spPr>
+          <a:xfrm>
+            <a:off x="3018012" y="3867902"/>
+            <a:ext cx="1008000" cy="828000"/>
+          </a:xfrm>
+          <a:prstGeom prst="rect">
+            <a:avLst/>
+          </a:prstGeom>
+          <a:solidFill>
+            <a:srgbClr val="FFC000"/>
+          </a:solidFill>
+        </p:spPr>
+        <p:style>
+          <a:lnRef idx="2">
+            <a:schemeClr val="accent1">
+              <a:shade val="50000"/>
+            </a:schemeClr>
+          </a:lnRef>
+          <a:fillRef idx="1">
+            <a:schemeClr val="accent1"/>
+          </a:fillRef>
+          <a:effectRef idx="0">
+            <a:schemeClr val="accent1"/>
+          </a:effectRef>
+          <a:fontRef idx="minor">
+            <a:schemeClr val="lt1"/>
+          </a:fontRef>
+        </p:style>
+        <p:txBody>
+          <a:bodyPr rtlCol="0" anchor="ctr"/>
+          <a:lstStyle/>
+          <a:p>
+            <a:pPr algn="ctr"/>
+            <a:r>
+              <a:rPr lang="ko-KR" altLang="en-US" sz="1400" b="1" dirty="0">
+                <a:solidFill>
+                  <a:schemeClr val="tx1"/>
+                </a:solidFill>
+              </a:rPr>
+              <a:t>회원 상태 </a:t>
+            </a:r>
+            <a:endParaRPr lang="en-US" altLang="ko-KR" sz="1400" b="1" dirty="0">
+              <a:solidFill>
+                <a:schemeClr val="tx1"/>
+              </a:solidFill>
+            </a:endParaRPr>
+          </a:p>
+          <a:p>
+            <a:pPr algn="ctr"/>
+            <a:r>
+              <a:rPr lang="ko-KR" altLang="en-US" sz="1400" b="1" dirty="0">
+                <a:solidFill>
+                  <a:schemeClr val="tx1"/>
+                </a:solidFill>
+              </a:rPr>
+              <a:t>변경됨</a:t>
+            </a:r>
+          </a:p>
+        </p:txBody>
+      </p:sp>
+      <p:sp>
+        <p:nvSpPr>
+          <p:cNvPr id="49" name="직사각형 48">
+            <a:extLst>
+              <a:ext uri="{FF2B5EF4-FFF2-40B4-BE49-F238E27FC236}">
+                <a16:creationId xmlns:a16="http://schemas.microsoft.com/office/drawing/2014/main" id="{97816101-7C1E-4EEC-8952-1D99043B2C53}"/>
+              </a:ext>
+            </a:extLst>
+          </p:cNvPr>
+          <p:cNvSpPr/>
+          <p:nvPr/>
+        </p:nvSpPr>
+        <p:spPr>
+          <a:xfrm>
+            <a:off x="5214609" y="1556449"/>
+            <a:ext cx="1008000" cy="828000"/>
+          </a:xfrm>
+          <a:prstGeom prst="rect">
+            <a:avLst/>
+          </a:prstGeom>
+          <a:solidFill>
+            <a:srgbClr val="D5B8EA"/>
+          </a:solidFill>
+        </p:spPr>
+        <p:style>
+          <a:lnRef idx="2">
+            <a:schemeClr val="accent1">
+              <a:shade val="50000"/>
+            </a:schemeClr>
+          </a:lnRef>
+          <a:fillRef idx="1">
+            <a:schemeClr val="accent1"/>
+          </a:fillRef>
+          <a:effectRef idx="0">
+            <a:schemeClr val="accent1"/>
+          </a:effectRef>
+          <a:fontRef idx="minor">
+            <a:schemeClr val="lt1"/>
+          </a:fontRef>
+        </p:style>
+        <p:txBody>
+          <a:bodyPr rtlCol="0" anchor="ctr"/>
+          <a:lstStyle/>
+          <a:p>
+            <a:pPr algn="ctr"/>
+            <a:r>
+              <a:rPr lang="ko-KR" altLang="en-US" sz="1400" b="1" dirty="0">
+                <a:solidFill>
+                  <a:schemeClr val="tx1"/>
+                </a:solidFill>
+              </a:rPr>
+              <a:t>메시지 </a:t>
+            </a:r>
+            <a:endParaRPr lang="en-US" altLang="ko-KR" sz="1400" b="1" dirty="0">
+              <a:solidFill>
+                <a:schemeClr val="tx1"/>
+              </a:solidFill>
+            </a:endParaRPr>
+          </a:p>
+          <a:p>
+            <a:pPr algn="ctr"/>
+            <a:r>
+              <a:rPr lang="ko-KR" altLang="en-US" sz="1400" b="1" dirty="0">
+                <a:solidFill>
+                  <a:schemeClr val="tx1"/>
+                </a:solidFill>
+              </a:rPr>
+              <a:t>발송</a:t>
+            </a:r>
+          </a:p>
+        </p:txBody>
+      </p:sp>
+      <p:sp>
+        <p:nvSpPr>
+          <p:cNvPr id="51" name="직사각형 50">
+            <a:extLst>
+              <a:ext uri="{FF2B5EF4-FFF2-40B4-BE49-F238E27FC236}">
+                <a16:creationId xmlns:a16="http://schemas.microsoft.com/office/drawing/2014/main" id="{9172E990-F6E5-4D1B-B77F-F4C7988A8611}"/>
+              </a:ext>
+            </a:extLst>
+          </p:cNvPr>
+          <p:cNvSpPr/>
+          <p:nvPr/>
+        </p:nvSpPr>
+        <p:spPr>
+          <a:xfrm>
+            <a:off x="1699032" y="3823694"/>
+            <a:ext cx="1008000" cy="828000"/>
+          </a:xfrm>
+          <a:prstGeom prst="rect">
+            <a:avLst/>
+          </a:prstGeom>
+          <a:solidFill>
+            <a:srgbClr val="D5B8EA"/>
+          </a:solidFill>
+        </p:spPr>
+        <p:style>
+          <a:lnRef idx="2">
+            <a:schemeClr val="accent1">
+              <a:shade val="50000"/>
+            </a:schemeClr>
+          </a:lnRef>
+          <a:fillRef idx="1">
+            <a:schemeClr val="accent1"/>
+          </a:fillRef>
+          <a:effectRef idx="0">
+            <a:schemeClr val="accent1"/>
+          </a:effectRef>
+          <a:fontRef idx="minor">
+            <a:schemeClr val="lt1"/>
+          </a:fontRef>
+        </p:style>
+        <p:txBody>
+          <a:bodyPr rtlCol="0" anchor="ctr"/>
+          <a:lstStyle/>
+          <a:p>
+            <a:pPr algn="ctr"/>
+            <a:r>
+              <a:rPr lang="ko-KR" altLang="en-US" sz="1400" b="1" dirty="0">
+                <a:solidFill>
+                  <a:schemeClr val="tx1"/>
+                </a:solidFill>
+              </a:rPr>
+              <a:t>회원상태 변경</a:t>
+            </a:r>
+          </a:p>
+        </p:txBody>
+      </p:sp>
+      <p:sp>
+        <p:nvSpPr>
+          <p:cNvPr id="53" name="직사각형 52">
+            <a:extLst>
+              <a:ext uri="{FF2B5EF4-FFF2-40B4-BE49-F238E27FC236}">
+                <a16:creationId xmlns:a16="http://schemas.microsoft.com/office/drawing/2014/main" id="{F7068F78-27D6-49DF-A470-1E3B3BFC654A}"/>
+              </a:ext>
+            </a:extLst>
+          </p:cNvPr>
+          <p:cNvSpPr/>
+          <p:nvPr/>
+        </p:nvSpPr>
+        <p:spPr>
+          <a:xfrm>
+            <a:off x="5997040" y="3374262"/>
+            <a:ext cx="1008000" cy="828000"/>
+          </a:xfrm>
+          <a:prstGeom prst="rect">
+            <a:avLst/>
+          </a:prstGeom>
+          <a:solidFill>
+            <a:srgbClr val="00B0F0"/>
+          </a:solidFill>
+        </p:spPr>
+        <p:style>
+          <a:lnRef idx="2">
+            <a:schemeClr val="accent1">
+              <a:shade val="50000"/>
+            </a:schemeClr>
+          </a:lnRef>
+          <a:fillRef idx="1">
+            <a:schemeClr val="accent1"/>
+          </a:fillRef>
+          <a:effectRef idx="0">
+            <a:schemeClr val="accent1"/>
+          </a:effectRef>
+          <a:fontRef idx="minor">
+            <a:schemeClr val="lt1"/>
+          </a:fontRef>
+        </p:style>
+        <p:txBody>
+          <a:bodyPr rtlCol="0" anchor="ctr"/>
+          <a:lstStyle/>
+          <a:p>
+            <a:pPr algn="ctr"/>
+            <a:r>
+              <a:rPr lang="ko-KR" altLang="en-US" sz="1400" b="1" dirty="0">
+                <a:solidFill>
+                  <a:schemeClr val="tx1"/>
+                </a:solidFill>
+              </a:rPr>
+              <a:t>소멸</a:t>
+            </a:r>
+          </a:p>
+        </p:txBody>
+      </p:sp>
+      <p:sp>
+        <p:nvSpPr>
+          <p:cNvPr id="2" name="직사각형 1">
+            <a:extLst>
+              <a:ext uri="{FF2B5EF4-FFF2-40B4-BE49-F238E27FC236}">
+                <a16:creationId xmlns:a16="http://schemas.microsoft.com/office/drawing/2014/main" id="{FA17C2A9-9476-4FF2-8551-F85BEB27EB0F}"/>
+              </a:ext>
+            </a:extLst>
+          </p:cNvPr>
+          <p:cNvSpPr/>
+          <p:nvPr/>
+        </p:nvSpPr>
+        <p:spPr>
+          <a:xfrm>
+            <a:off x="2388615" y="2201656"/>
+            <a:ext cx="972000" cy="1923943"/>
+          </a:xfrm>
+          <a:prstGeom prst="rect">
+            <a:avLst/>
+          </a:prstGeom>
+          <a:solidFill>
+            <a:srgbClr val="FFFF00"/>
+          </a:solidFill>
+        </p:spPr>
+        <p:style>
+          <a:lnRef idx="2">
+            <a:schemeClr val="accent1">
+              <a:shade val="50000"/>
+            </a:schemeClr>
+          </a:lnRef>
+          <a:fillRef idx="1">
+            <a:schemeClr val="accent1"/>
+          </a:fillRef>
+          <a:effectRef idx="0">
+            <a:schemeClr val="accent1"/>
+          </a:effectRef>
+          <a:fontRef idx="minor">
+            <a:schemeClr val="lt1"/>
+          </a:fontRef>
+        </p:style>
+        <p:txBody>
+          <a:bodyPr rtlCol="0" anchor="ctr"/>
+          <a:lstStyle/>
+          <a:p>
+            <a:pPr algn="ctr"/>
+            <a:r>
+              <a:rPr lang="ko-KR" altLang="en-US" sz="1400" b="1" dirty="0">
+                <a:solidFill>
+                  <a:schemeClr val="tx1"/>
+                </a:solidFill>
+              </a:rPr>
+              <a:t>회원</a:t>
+            </a:r>
+          </a:p>
+        </p:txBody>
+      </p:sp>
+      <p:cxnSp>
+        <p:nvCxnSpPr>
+          <p:cNvPr id="57" name="연결선: 꺾임 56">
+            <a:extLst>
+              <a:ext uri="{FF2B5EF4-FFF2-40B4-BE49-F238E27FC236}">
+                <a16:creationId xmlns:a16="http://schemas.microsoft.com/office/drawing/2014/main" id="{EC33909D-E376-4C28-B9ED-20C710C942DE}"/>
+              </a:ext>
+            </a:extLst>
+          </p:cNvPr>
+          <p:cNvCxnSpPr>
+            <a:cxnSpLocks/>
+          </p:cNvCxnSpPr>
+          <p:nvPr/>
+        </p:nvCxnSpPr>
+        <p:spPr>
+          <a:xfrm rot="5400000">
+            <a:off x="3734417" y="917307"/>
+            <a:ext cx="2167875" cy="5252275"/>
+          </a:xfrm>
+          <a:prstGeom prst="bentConnector3">
+            <a:avLst>
+              <a:gd name="adj1" fmla="val 126591"/>
+            </a:avLst>
+          </a:prstGeom>
+          <a:ln w="15875">
+            <a:solidFill>
+              <a:schemeClr val="tx1"/>
+            </a:solidFill>
+            <a:prstDash val="sysDash"/>
+            <a:tailEnd type="triangle"/>
+          </a:ln>
+        </p:spPr>
+        <p:style>
+          <a:lnRef idx="1">
+            <a:schemeClr val="accent1"/>
+          </a:lnRef>
+          <a:fillRef idx="0">
+            <a:schemeClr val="accent1"/>
+          </a:fillRef>
+          <a:effectRef idx="0">
+            <a:schemeClr val="accent1"/>
+          </a:effectRef>
+          <a:fontRef idx="minor">
+            <a:schemeClr val="tx1"/>
+          </a:fontRef>
+        </p:style>
+      </p:cxnSp>
+      <p:sp>
+        <p:nvSpPr>
+          <p:cNvPr id="65" name="직사각형 64">
+            <a:extLst>
+              <a:ext uri="{FF2B5EF4-FFF2-40B4-BE49-F238E27FC236}">
+                <a16:creationId xmlns:a16="http://schemas.microsoft.com/office/drawing/2014/main" id="{D7EEC9A0-33D3-4242-8D38-180F297426A7}"/>
+              </a:ext>
+            </a:extLst>
+          </p:cNvPr>
+          <p:cNvSpPr/>
+          <p:nvPr/>
+        </p:nvSpPr>
+        <p:spPr>
+          <a:xfrm>
+            <a:off x="3015452" y="5171896"/>
+            <a:ext cx="1008001" cy="428625"/>
+          </a:xfrm>
+          <a:prstGeom prst="rect">
+            <a:avLst/>
+          </a:prstGeom>
+          <a:noFill/>
+          <a:ln>
+            <a:noFill/>
+          </a:ln>
+        </p:spPr>
+        <p:style>
+          <a:lnRef idx="2">
+            <a:schemeClr val="accent1">
+              <a:shade val="50000"/>
+            </a:schemeClr>
+          </a:lnRef>
+          <a:fillRef idx="1">
+            <a:schemeClr val="accent1"/>
+          </a:fillRef>
+          <a:effectRef idx="0">
+            <a:schemeClr val="accent1"/>
+          </a:effectRef>
+          <a:fontRef idx="minor">
+            <a:schemeClr val="lt1"/>
+          </a:fontRef>
+        </p:style>
+        <p:txBody>
+          <a:bodyPr rtlCol="0" anchor="ctr"/>
+          <a:lstStyle/>
+          <a:p>
+            <a:pPr algn="l"/>
+            <a:r>
+              <a:rPr lang="en-US" altLang="ko-KR" sz="1200" b="1" i="0" dirty="0">
+                <a:solidFill>
+                  <a:srgbClr val="24292E"/>
+                </a:solidFill>
+                <a:effectLst/>
+                <a:latin typeface="+mn-ea"/>
+              </a:rPr>
+              <a:t>Pub/Sub</a:t>
+            </a:r>
+          </a:p>
+        </p:txBody>
+      </p:sp>
+      <p:cxnSp>
+        <p:nvCxnSpPr>
+          <p:cNvPr id="66" name="연결선: 꺾임 65">
+            <a:extLst>
+              <a:ext uri="{FF2B5EF4-FFF2-40B4-BE49-F238E27FC236}">
+                <a16:creationId xmlns:a16="http://schemas.microsoft.com/office/drawing/2014/main" id="{2C9A4CE2-2818-44F3-97A3-4FBDDFCD63C7}"/>
+              </a:ext>
+            </a:extLst>
+          </p:cNvPr>
+          <p:cNvCxnSpPr>
+            <a:cxnSpLocks/>
+            <a:stCxn id="20" idx="3"/>
+            <a:endCxn id="53" idx="1"/>
+          </p:cNvCxnSpPr>
+          <p:nvPr/>
+        </p:nvCxnSpPr>
+        <p:spPr>
+          <a:xfrm>
+            <a:off x="4026012" y="3163704"/>
+            <a:ext cx="1971028" cy="624558"/>
+          </a:xfrm>
+          <a:prstGeom prst="bentConnector3">
+            <a:avLst>
+              <a:gd name="adj1" fmla="val 50000"/>
+            </a:avLst>
+          </a:prstGeom>
+          <a:ln w="15875">
+            <a:solidFill>
+              <a:schemeClr val="tx1"/>
+            </a:solidFill>
+            <a:prstDash val="solid"/>
+            <a:tailEnd type="triangle"/>
+          </a:ln>
+        </p:spPr>
+        <p:style>
+          <a:lnRef idx="1">
+            <a:schemeClr val="accent1"/>
+          </a:lnRef>
+          <a:fillRef idx="0">
+            <a:schemeClr val="accent1"/>
+          </a:fillRef>
+          <a:effectRef idx="0">
+            <a:schemeClr val="accent1"/>
+          </a:effectRef>
+          <a:fontRef idx="minor">
+            <a:schemeClr val="tx1"/>
+          </a:fontRef>
+        </p:style>
+      </p:cxnSp>
+      <p:sp>
+        <p:nvSpPr>
+          <p:cNvPr id="71" name="직사각형 70">
+            <a:extLst>
+              <a:ext uri="{FF2B5EF4-FFF2-40B4-BE49-F238E27FC236}">
+                <a16:creationId xmlns:a16="http://schemas.microsoft.com/office/drawing/2014/main" id="{77C6571D-2D85-48F8-8A4D-A50872AE21F5}"/>
+              </a:ext>
+            </a:extLst>
+          </p:cNvPr>
+          <p:cNvSpPr/>
+          <p:nvPr/>
+        </p:nvSpPr>
+        <p:spPr>
+          <a:xfrm>
+            <a:off x="4522191" y="2940545"/>
+            <a:ext cx="1008001" cy="428625"/>
+          </a:xfrm>
+          <a:prstGeom prst="rect">
+            <a:avLst/>
+          </a:prstGeom>
+          <a:noFill/>
+          <a:ln>
+            <a:noFill/>
+          </a:ln>
+        </p:spPr>
+        <p:style>
+          <a:lnRef idx="2">
+            <a:schemeClr val="accent1">
+              <a:shade val="50000"/>
+            </a:schemeClr>
+          </a:lnRef>
+          <a:fillRef idx="1">
+            <a:schemeClr val="accent1"/>
+          </a:fillRef>
+          <a:effectRef idx="0">
+            <a:schemeClr val="accent1"/>
+          </a:effectRef>
+          <a:fontRef idx="minor">
+            <a:schemeClr val="lt1"/>
+          </a:fontRef>
+        </p:style>
+        <p:txBody>
+          <a:bodyPr rtlCol="0" anchor="ctr"/>
+          <a:lstStyle/>
+          <a:p>
+            <a:pPr algn="l"/>
+            <a:r>
+              <a:rPr lang="en-US" altLang="ko-KR" sz="1200" b="1" i="0" dirty="0">
+                <a:solidFill>
+                  <a:srgbClr val="24292E"/>
+                </a:solidFill>
+                <a:effectLst/>
+                <a:latin typeface="+mn-ea"/>
+              </a:rPr>
+              <a:t>Req/Resp</a:t>
+            </a:r>
+          </a:p>
+        </p:txBody>
+      </p:sp>
+      <p:grpSp>
+        <p:nvGrpSpPr>
+          <p:cNvPr id="72" name="그룹 71">
+            <a:extLst>
+              <a:ext uri="{FF2B5EF4-FFF2-40B4-BE49-F238E27FC236}">
+                <a16:creationId xmlns:a16="http://schemas.microsoft.com/office/drawing/2014/main" id="{CD49B163-0B65-46F4-9268-66C0263EF459}"/>
+              </a:ext>
+            </a:extLst>
+          </p:cNvPr>
+          <p:cNvGrpSpPr/>
+          <p:nvPr/>
+        </p:nvGrpSpPr>
+        <p:grpSpPr>
+          <a:xfrm>
+            <a:off x="8502300" y="959551"/>
+            <a:ext cx="1406697" cy="1714188"/>
+            <a:chOff x="10082458" y="725440"/>
+            <a:chExt cx="1406697" cy="1714188"/>
+          </a:xfrm>
+        </p:grpSpPr>
+        <p:sp>
+          <p:nvSpPr>
+            <p:cNvPr id="73" name="직사각형 72">
+              <a:extLst>
+                <a:ext uri="{FF2B5EF4-FFF2-40B4-BE49-F238E27FC236}">
+                  <a16:creationId xmlns:a16="http://schemas.microsoft.com/office/drawing/2014/main" id="{7B2A206E-D976-4628-8C3B-CEFA24F5DD6C}"/>
+                </a:ext>
+              </a:extLst>
+            </p:cNvPr>
+            <p:cNvSpPr/>
+            <p:nvPr/>
+          </p:nvSpPr>
+          <p:spPr>
+            <a:xfrm>
+              <a:off x="10281806" y="1335050"/>
+              <a:ext cx="1008000" cy="828000"/>
+            </a:xfrm>
+            <a:prstGeom prst="rect">
+              <a:avLst/>
+            </a:prstGeom>
+            <a:solidFill>
+              <a:schemeClr val="accent6">
+                <a:lumMod val="40000"/>
+                <a:lumOff val="60000"/>
+              </a:schemeClr>
+            </a:solidFill>
+          </p:spPr>
+          <p:style>
+            <a:lnRef idx="2">
+              <a:schemeClr val="accent1">
+                <a:shade val="50000"/>
+              </a:schemeClr>
+            </a:lnRef>
+            <a:fillRef idx="1">
+              <a:schemeClr val="accent1"/>
+            </a:fillRef>
+            <a:effectRef idx="0">
+              <a:schemeClr val="accent1"/>
+            </a:effectRef>
+            <a:fontRef idx="minor">
+              <a:schemeClr val="lt1"/>
+            </a:fontRef>
+          </p:style>
+          <p:txBody>
+            <a:bodyPr rtlCol="0" anchor="ctr"/>
+            <a:lstStyle/>
+            <a:p>
+              <a:pPr algn="ctr"/>
+              <a:r>
+                <a:rPr lang="ko-KR" altLang="en-US" sz="1400" b="1" dirty="0">
+                  <a:solidFill>
+                    <a:schemeClr val="tx1"/>
+                  </a:solidFill>
+                </a:rPr>
+                <a:t>마이페이지</a:t>
+              </a:r>
+            </a:p>
+          </p:txBody>
+        </p:sp>
+        <p:sp>
+          <p:nvSpPr>
+            <p:cNvPr id="74" name="직사각형 73">
+              <a:extLst>
+                <a:ext uri="{FF2B5EF4-FFF2-40B4-BE49-F238E27FC236}">
+                  <a16:creationId xmlns:a16="http://schemas.microsoft.com/office/drawing/2014/main" id="{626EAE54-D87A-4A19-8782-8097AA8B329C}"/>
+                </a:ext>
+              </a:extLst>
+            </p:cNvPr>
+            <p:cNvSpPr/>
+            <p:nvPr/>
+          </p:nvSpPr>
+          <p:spPr>
+            <a:xfrm>
+              <a:off x="10141852" y="749859"/>
+              <a:ext cx="1287908" cy="1689769"/>
+            </a:xfrm>
+            <a:prstGeom prst="rect">
+              <a:avLst/>
+            </a:prstGeom>
+            <a:noFill/>
+            <a:ln w="15875">
+              <a:solidFill>
+                <a:schemeClr val="tx1"/>
+              </a:solidFill>
+              <a:prstDash val="dash"/>
+            </a:ln>
+          </p:spPr>
+          <p:style>
+            <a:lnRef idx="2">
+              <a:schemeClr val="accent1">
+                <a:shade val="50000"/>
+              </a:schemeClr>
+            </a:lnRef>
+            <a:fillRef idx="1">
+              <a:schemeClr val="accent1"/>
+            </a:fillRef>
+            <a:effectRef idx="0">
+              <a:schemeClr val="accent1"/>
+            </a:effectRef>
+            <a:fontRef idx="minor">
+              <a:schemeClr val="lt1"/>
+            </a:fontRef>
+          </p:style>
+          <p:txBody>
+            <a:bodyPr rtlCol="0" anchor="ctr"/>
+            <a:lstStyle/>
+            <a:p>
+              <a:pPr algn="ctr"/>
+              <a:endParaRPr lang="ko-KR" altLang="en-US" dirty="0"/>
+            </a:p>
+          </p:txBody>
+        </p:sp>
+        <p:sp>
+          <p:nvSpPr>
+            <p:cNvPr id="75" name="직사각형 74">
+              <a:extLst>
+                <a:ext uri="{FF2B5EF4-FFF2-40B4-BE49-F238E27FC236}">
+                  <a16:creationId xmlns:a16="http://schemas.microsoft.com/office/drawing/2014/main" id="{54D883D4-0476-4B7F-AF27-5731A6E8F394}"/>
+                </a:ext>
+              </a:extLst>
+            </p:cNvPr>
+            <p:cNvSpPr/>
+            <p:nvPr/>
+          </p:nvSpPr>
+          <p:spPr>
+            <a:xfrm>
+              <a:off x="10082458" y="725440"/>
+              <a:ext cx="1406697" cy="588069"/>
+            </a:xfrm>
+            <a:prstGeom prst="rect">
+              <a:avLst/>
+            </a:prstGeom>
+            <a:noFill/>
+            <a:ln w="15875">
+              <a:noFill/>
+              <a:prstDash val="dash"/>
+            </a:ln>
+          </p:spPr>
+          <p:style>
+            <a:lnRef idx="2">
+              <a:schemeClr val="accent1">
+                <a:shade val="50000"/>
+              </a:schemeClr>
+            </a:lnRef>
+            <a:fillRef idx="1">
+              <a:schemeClr val="accent1"/>
+            </a:fillRef>
+            <a:effectRef idx="0">
+              <a:schemeClr val="accent1"/>
+            </a:effectRef>
+            <a:fontRef idx="minor">
+              <a:schemeClr val="lt1"/>
+            </a:fontRef>
+          </p:style>
+          <p:txBody>
+            <a:bodyPr rtlCol="0" anchor="ctr"/>
+            <a:lstStyle/>
+            <a:p>
+              <a:pPr algn="ctr"/>
+              <a:r>
+                <a:rPr lang="en-US" altLang="ko-KR" dirty="0" err="1">
+                  <a:solidFill>
+                    <a:schemeClr val="tx1"/>
+                  </a:solidFill>
+                </a:rPr>
+                <a:t>mypage</a:t>
+              </a:r>
+              <a:endParaRPr lang="ko-KR" altLang="en-US" dirty="0">
+                <a:solidFill>
+                  <a:schemeClr val="tx1"/>
+                </a:solidFill>
+              </a:endParaRPr>
+            </a:p>
+          </p:txBody>
+        </p:sp>
+      </p:grpSp>
+      <p:sp>
+        <p:nvSpPr>
+          <p:cNvPr id="4" name="직사각형 3">
+            <a:extLst>
+              <a:ext uri="{FF2B5EF4-FFF2-40B4-BE49-F238E27FC236}">
+                <a16:creationId xmlns:a16="http://schemas.microsoft.com/office/drawing/2014/main" id="{683654C5-482E-4039-B11A-90EDD2E656DC}"/>
+              </a:ext>
+            </a:extLst>
+          </p:cNvPr>
+          <p:cNvSpPr/>
+          <p:nvPr/>
+        </p:nvSpPr>
+        <p:spPr>
+          <a:xfrm>
+            <a:off x="6900490" y="3867902"/>
+            <a:ext cx="972000" cy="2063163"/>
+          </a:xfrm>
+          <a:prstGeom prst="rect">
+            <a:avLst/>
+          </a:prstGeom>
+          <a:solidFill>
+            <a:srgbClr val="FFFF00"/>
+          </a:solidFill>
+        </p:spPr>
+        <p:style>
+          <a:lnRef idx="2">
+            <a:schemeClr val="accent1">
+              <a:shade val="50000"/>
+            </a:schemeClr>
+          </a:lnRef>
+          <a:fillRef idx="1">
+            <a:schemeClr val="accent1"/>
+          </a:fillRef>
+          <a:effectRef idx="0">
+            <a:schemeClr val="accent1"/>
+          </a:effectRef>
+          <a:fontRef idx="minor">
+            <a:schemeClr val="lt1"/>
+          </a:fontRef>
+        </p:style>
+        <p:txBody>
+          <a:bodyPr rtlCol="0" anchor="ctr"/>
+          <a:lstStyle/>
+          <a:p>
+            <a:pPr algn="ctr"/>
+            <a:r>
+              <a:rPr lang="ko-KR" altLang="en-US" sz="1400" b="1" dirty="0">
+                <a:solidFill>
+                  <a:schemeClr val="tx1"/>
+                </a:solidFill>
+              </a:rPr>
+              <a:t>포인트</a:t>
+            </a:r>
+          </a:p>
+        </p:txBody>
+      </p:sp>
+    </p:spTree>
+    <p:extLst>
+      <p:ext uri="{BB962C8B-B14F-4D97-AF65-F5344CB8AC3E}">
+        <p14:creationId xmlns:p14="http://schemas.microsoft.com/office/powerpoint/2010/main" val="3665747317"/>
+      </p:ext>
+    </p:extLst>
+  </p:cSld>
+  <p:clrMapOvr>
+    <a:masterClrMapping/>
+  </p:clrMapOvr>
+</p:sld>
+</file>
+
+<file path=ppt/slides/slide11.xml><?xml version="1.0" encoding="utf-8"?>
 <p:sld xmlns:a="http://schemas.openxmlformats.org/drawingml/2006/main" xmlns:r="http://schemas.openxmlformats.org/officeDocument/2006/relationships" xmlns:p="http://schemas.openxmlformats.org/presentationml/2006/main">
   <p:cSld>
     <p:spTree>
@@ -6882,7 +8614,7 @@
 </p:sld>
 </file>
 
-<file path=ppt/slides/slide11.xml><?xml version="1.0" encoding="utf-8"?>
+<file path=ppt/slides/slide12.xml><?xml version="1.0" encoding="utf-8"?>
 <p:sld xmlns:a="http://schemas.openxmlformats.org/drawingml/2006/main" xmlns:r="http://schemas.openxmlformats.org/officeDocument/2006/relationships" xmlns:p="http://schemas.openxmlformats.org/presentationml/2006/main">
   <p:cSld>
     <p:spTree>
@@ -9466,7 +11198,7 @@
 </p:sld>
 </file>
 
-<file path=ppt/slides/slide12.xml><?xml version="1.0" encoding="utf-8"?>
+<file path=ppt/slides/slide13.xml><?xml version="1.0" encoding="utf-8"?>
 <p:sld xmlns:a="http://schemas.openxmlformats.org/drawingml/2006/main" xmlns:r="http://schemas.openxmlformats.org/officeDocument/2006/relationships" xmlns:p="http://schemas.openxmlformats.org/presentationml/2006/main">
   <p:cSld>
     <p:spTree>
@@ -9790,7 +11522,7 @@
 </p:sld>
 </file>
 
-<file path=ppt/slides/slide13.xml><?xml version="1.0" encoding="utf-8"?>
+<file path=ppt/slides/slide14.xml><?xml version="1.0" encoding="utf-8"?>
 <p:sld xmlns:a="http://schemas.openxmlformats.org/drawingml/2006/main" xmlns:r="http://schemas.openxmlformats.org/officeDocument/2006/relationships" xmlns:p="http://schemas.openxmlformats.org/presentationml/2006/main">
   <p:cSld>
     <p:spTree>
@@ -11053,6 +12785,922 @@
           </a:p>
         </p:txBody>
       </p:sp>
+      <p:sp>
+        <p:nvSpPr>
+          <p:cNvPr id="3" name="TextBox 2">
+            <a:extLst>
+              <a:ext uri="{FF2B5EF4-FFF2-40B4-BE49-F238E27FC236}">
+                <a16:creationId xmlns:a16="http://schemas.microsoft.com/office/drawing/2014/main" id="{58539EC5-3116-4DC9-9B45-428AD8A2F1FF}"/>
+              </a:ext>
+            </a:extLst>
+          </p:cNvPr>
+          <p:cNvSpPr txBox="1"/>
+          <p:nvPr/>
+        </p:nvSpPr>
+        <p:spPr>
+          <a:xfrm>
+            <a:off x="671512" y="1123644"/>
+            <a:ext cx="10848975" cy="9438353"/>
+          </a:xfrm>
+          <a:prstGeom prst="rect">
+            <a:avLst/>
+          </a:prstGeom>
+          <a:noFill/>
+        </p:spPr>
+        <p:txBody>
+          <a:bodyPr wrap="square">
+            <a:spAutoFit/>
+          </a:bodyPr>
+          <a:lstStyle/>
+          <a:p>
+            <a:pPr algn="just" latinLnBrk="1">
+              <a:lnSpc>
+                <a:spcPct val="107000"/>
+              </a:lnSpc>
+              <a:spcAft>
+                <a:spcPts val="800"/>
+              </a:spcAft>
+            </a:pPr>
+            <a:r>
+              <a:rPr lang="en-US" altLang="ko-KR" sz="1800" kern="100" dirty="0">
+                <a:effectLst/>
+                <a:latin typeface="맑은 고딕" panose="020B0503020000020004" pitchFamily="50" charset="-127"/>
+                <a:ea typeface="맑은 고딕" panose="020B0503020000020004" pitchFamily="50" charset="-127"/>
+                <a:cs typeface="Times New Roman" panose="02020603050405020304" pitchFamily="18" charset="0"/>
+              </a:rPr>
+              <a:t>1. </a:t>
+            </a:r>
+            <a:r>
+              <a:rPr lang="ko-KR" altLang="en-US" sz="1800" kern="100" dirty="0">
+                <a:effectLst/>
+                <a:latin typeface="맑은 고딕" panose="020B0503020000020004" pitchFamily="50" charset="-127"/>
+                <a:ea typeface="맑은 고딕" panose="020B0503020000020004" pitchFamily="50" charset="-127"/>
+                <a:cs typeface="Times New Roman" panose="02020603050405020304" pitchFamily="18" charset="0"/>
+              </a:rPr>
+              <a:t>신규가입 </a:t>
+            </a:r>
+            <a:r>
+              <a:rPr lang="en-US" altLang="ko-KR" sz="1800" kern="100" dirty="0">
+                <a:effectLst/>
+                <a:latin typeface="맑은 고딕" panose="020B0503020000020004" pitchFamily="50" charset="-127"/>
+                <a:ea typeface="맑은 고딕" panose="020B0503020000020004" pitchFamily="50" charset="-127"/>
+                <a:cs typeface="Times New Roman" panose="02020603050405020304" pitchFamily="18" charset="0"/>
+              </a:rPr>
+              <a:t>-&gt; </a:t>
+            </a:r>
+            <a:r>
+              <a:rPr lang="ko-KR" altLang="en-US" sz="1800" kern="100" dirty="0">
+                <a:effectLst/>
+                <a:latin typeface="맑은 고딕" panose="020B0503020000020004" pitchFamily="50" charset="-127"/>
+                <a:ea typeface="맑은 고딕" panose="020B0503020000020004" pitchFamily="50" charset="-127"/>
+                <a:cs typeface="Times New Roman" panose="02020603050405020304" pitchFamily="18" charset="0"/>
+              </a:rPr>
+              <a:t>설문조사 </a:t>
+            </a:r>
+            <a:r>
+              <a:rPr lang="ko-KR" altLang="en-US" kern="100" dirty="0">
+                <a:latin typeface="맑은 고딕" panose="020B0503020000020004" pitchFamily="50" charset="-127"/>
+                <a:ea typeface="맑은 고딕" panose="020B0503020000020004" pitchFamily="50" charset="-127"/>
+                <a:cs typeface="Times New Roman" panose="02020603050405020304" pitchFamily="18" charset="0"/>
+              </a:rPr>
+              <a:t>제출 </a:t>
+            </a:r>
+            <a:r>
+              <a:rPr lang="en-US" altLang="ko-KR" kern="100" dirty="0">
+                <a:latin typeface="맑은 고딕" panose="020B0503020000020004" pitchFamily="50" charset="-127"/>
+                <a:ea typeface="맑은 고딕" panose="020B0503020000020004" pitchFamily="50" charset="-127"/>
+                <a:cs typeface="Times New Roman" panose="02020603050405020304" pitchFamily="18" charset="0"/>
+              </a:rPr>
+              <a:t>-&gt; </a:t>
+            </a:r>
+            <a:r>
+              <a:rPr lang="ko-KR" altLang="en-US" kern="100" dirty="0">
+                <a:latin typeface="맑은 고딕" panose="020B0503020000020004" pitchFamily="50" charset="-127"/>
+                <a:ea typeface="맑은 고딕" panose="020B0503020000020004" pitchFamily="50" charset="-127"/>
+                <a:cs typeface="Times New Roman" panose="02020603050405020304" pitchFamily="18" charset="0"/>
+              </a:rPr>
+              <a:t>설문조사 취소</a:t>
+            </a:r>
+            <a:endParaRPr lang="en-US" altLang="ko-KR" kern="100" dirty="0">
+              <a:latin typeface="맑은 고딕" panose="020B0503020000020004" pitchFamily="50" charset="-127"/>
+              <a:ea typeface="맑은 고딕" panose="020B0503020000020004" pitchFamily="50" charset="-127"/>
+              <a:cs typeface="Times New Roman" panose="02020603050405020304" pitchFamily="18" charset="0"/>
+            </a:endParaRPr>
+          </a:p>
+          <a:p>
+            <a:pPr algn="just" latinLnBrk="1">
+              <a:lnSpc>
+                <a:spcPct val="107000"/>
+              </a:lnSpc>
+              <a:spcAft>
+                <a:spcPts val="800"/>
+              </a:spcAft>
+            </a:pPr>
+            <a:r>
+              <a:rPr lang="en-US" altLang="ko-KR" sz="1800" kern="100" dirty="0">
+                <a:effectLst/>
+                <a:latin typeface="맑은 고딕" panose="020B0503020000020004" pitchFamily="50" charset="-127"/>
+                <a:ea typeface="맑은 고딕" panose="020B0503020000020004" pitchFamily="50" charset="-127"/>
+                <a:cs typeface="Times New Roman" panose="02020603050405020304" pitchFamily="18" charset="0"/>
+              </a:rPr>
+              <a:t>http POST </a:t>
+            </a:r>
+            <a:r>
+              <a:rPr lang="en-US" altLang="ko-KR" kern="100" dirty="0">
+                <a:latin typeface="맑은 고딕" panose="020B0503020000020004" pitchFamily="50" charset="-127"/>
+                <a:ea typeface="맑은 고딕" panose="020B0503020000020004" pitchFamily="50" charset="-127"/>
+                <a:cs typeface="Times New Roman" panose="02020603050405020304" pitchFamily="18" charset="0"/>
+              </a:rPr>
+              <a:t>http://localhst:8081/members </a:t>
+            </a:r>
+            <a:r>
+              <a:rPr lang="en-US" altLang="ko-KR" kern="100" dirty="0" err="1">
+                <a:latin typeface="맑은 고딕" panose="020B0503020000020004" pitchFamily="50" charset="-127"/>
+                <a:ea typeface="맑은 고딕" panose="020B0503020000020004" pitchFamily="50" charset="-127"/>
+                <a:cs typeface="Times New Roman" panose="02020603050405020304" pitchFamily="18" charset="0"/>
+              </a:rPr>
+              <a:t>memberId</a:t>
+            </a:r>
+            <a:r>
+              <a:rPr lang="en-US" altLang="ko-KR" kern="100" dirty="0">
+                <a:latin typeface="맑은 고딕" panose="020B0503020000020004" pitchFamily="50" charset="-127"/>
+                <a:ea typeface="맑은 고딕" panose="020B0503020000020004" pitchFamily="50" charset="-127"/>
+                <a:cs typeface="Times New Roman" panose="02020603050405020304" pitchFamily="18" charset="0"/>
+              </a:rPr>
+              <a:t>=1</a:t>
+            </a:r>
+            <a:r>
+              <a:rPr lang="en-US" altLang="ko-KR" sz="1800" kern="100" dirty="0">
+                <a:effectLst/>
+                <a:latin typeface="맑은 고딕" panose="020B0503020000020004" pitchFamily="50" charset="-127"/>
+                <a:ea typeface="맑은 고딕" panose="020B0503020000020004" pitchFamily="50" charset="-127"/>
+                <a:cs typeface="Times New Roman" panose="02020603050405020304" pitchFamily="18" charset="0"/>
+              </a:rPr>
+              <a:t> </a:t>
+            </a:r>
+            <a:r>
+              <a:rPr lang="en-US" altLang="ko-KR" sz="1800" kern="100" dirty="0" err="1">
+                <a:effectLst/>
+                <a:latin typeface="맑은 고딕" panose="020B0503020000020004" pitchFamily="50" charset="-127"/>
+                <a:ea typeface="맑은 고딕" panose="020B0503020000020004" pitchFamily="50" charset="-127"/>
+                <a:cs typeface="Times New Roman" panose="02020603050405020304" pitchFamily="18" charset="0"/>
+              </a:rPr>
+              <a:t>phoneNo</a:t>
+            </a:r>
+            <a:r>
+              <a:rPr lang="en-US" altLang="ko-KR" sz="1800" kern="100" dirty="0">
+                <a:effectLst/>
+                <a:latin typeface="맑은 고딕" panose="020B0503020000020004" pitchFamily="50" charset="-127"/>
+                <a:ea typeface="맑은 고딕" panose="020B0503020000020004" pitchFamily="50" charset="-127"/>
+                <a:cs typeface="Times New Roman" panose="02020603050405020304" pitchFamily="18" charset="0"/>
+              </a:rPr>
+              <a:t>=01011223344 nickname=TEST1 </a:t>
+            </a:r>
+            <a:r>
+              <a:rPr lang="en-US" altLang="ko-KR" sz="1800" kern="100" dirty="0" err="1">
+                <a:effectLst/>
+                <a:latin typeface="맑은 고딕" panose="020B0503020000020004" pitchFamily="50" charset="-127"/>
+                <a:ea typeface="맑은 고딕" panose="020B0503020000020004" pitchFamily="50" charset="-127"/>
+                <a:cs typeface="Times New Roman" panose="02020603050405020304" pitchFamily="18" charset="0"/>
+              </a:rPr>
+              <a:t>memberStatus</a:t>
+            </a:r>
+            <a:r>
+              <a:rPr lang="en-US" altLang="ko-KR" sz="1800" kern="100" dirty="0">
+                <a:effectLst/>
+                <a:latin typeface="맑은 고딕" panose="020B0503020000020004" pitchFamily="50" charset="-127"/>
+                <a:ea typeface="맑은 고딕" panose="020B0503020000020004" pitchFamily="50" charset="-127"/>
+                <a:cs typeface="Times New Roman" panose="02020603050405020304" pitchFamily="18" charset="0"/>
+              </a:rPr>
+              <a:t>=READY</a:t>
+            </a:r>
+          </a:p>
+          <a:p>
+            <a:pPr algn="just">
+              <a:lnSpc>
+                <a:spcPct val="107000"/>
+              </a:lnSpc>
+              <a:spcAft>
+                <a:spcPts val="800"/>
+              </a:spcAft>
+            </a:pPr>
+            <a:r>
+              <a:rPr lang="en-US" altLang="ko-KR" kern="100" dirty="0">
+                <a:latin typeface="맑은 고딕" panose="020B0503020000020004" pitchFamily="50" charset="-127"/>
+                <a:cs typeface="Times New Roman" panose="02020603050405020304" pitchFamily="18" charset="0"/>
+              </a:rPr>
+              <a:t>http POST http://localhst:8085/inquiries </a:t>
+            </a:r>
+            <a:r>
+              <a:rPr lang="en-US" altLang="ko-KR" kern="100" dirty="0" err="1">
+                <a:latin typeface="맑은 고딕" panose="020B0503020000020004" pitchFamily="50" charset="-127"/>
+                <a:cs typeface="Times New Roman" panose="02020603050405020304" pitchFamily="18" charset="0"/>
+              </a:rPr>
+              <a:t>memberId</a:t>
+            </a:r>
+            <a:r>
+              <a:rPr lang="en-US" altLang="ko-KR" kern="100" dirty="0">
+                <a:latin typeface="맑은 고딕" panose="020B0503020000020004" pitchFamily="50" charset="-127"/>
+                <a:cs typeface="Times New Roman" panose="02020603050405020304" pitchFamily="18" charset="0"/>
+              </a:rPr>
+              <a:t>=1 </a:t>
+            </a:r>
+            <a:r>
+              <a:rPr lang="en-US" altLang="ko-KR" kern="100" dirty="0" err="1">
+                <a:latin typeface="맑은 고딕" panose="020B0503020000020004" pitchFamily="50" charset="-127"/>
+                <a:cs typeface="Times New Roman" panose="02020603050405020304" pitchFamily="18" charset="0"/>
+              </a:rPr>
+              <a:t>inquiryStatus</a:t>
+            </a:r>
+            <a:r>
+              <a:rPr lang="en-US" altLang="ko-KR" kern="100" dirty="0">
+                <a:latin typeface="맑은 고딕" panose="020B0503020000020004" pitchFamily="50" charset="-127"/>
+                <a:cs typeface="Times New Roman" panose="02020603050405020304" pitchFamily="18" charset="0"/>
+              </a:rPr>
+              <a:t>=INQURING</a:t>
+            </a:r>
+          </a:p>
+          <a:p>
+            <a:pPr algn="just">
+              <a:lnSpc>
+                <a:spcPct val="107000"/>
+              </a:lnSpc>
+              <a:spcAft>
+                <a:spcPts val="800"/>
+              </a:spcAft>
+            </a:pPr>
+            <a:r>
+              <a:rPr lang="en-US" altLang="ko-KR" kern="100" dirty="0">
+                <a:latin typeface="맑은 고딕" panose="020B0503020000020004" pitchFamily="50" charset="-127"/>
+                <a:cs typeface="Times New Roman" panose="02020603050405020304" pitchFamily="18" charset="0"/>
+              </a:rPr>
+              <a:t>http GET http://localhst:8085/inquiries/1</a:t>
+            </a:r>
+          </a:p>
+          <a:p>
+            <a:pPr algn="just">
+              <a:lnSpc>
+                <a:spcPct val="107000"/>
+              </a:lnSpc>
+              <a:spcAft>
+                <a:spcPts val="800"/>
+              </a:spcAft>
+            </a:pPr>
+            <a:r>
+              <a:rPr lang="en-US" altLang="ko-KR" kern="100" dirty="0">
+                <a:latin typeface="맑은 고딕" panose="020B0503020000020004" pitchFamily="50" charset="-127"/>
+                <a:cs typeface="Times New Roman" panose="02020603050405020304" pitchFamily="18" charset="0"/>
+              </a:rPr>
+              <a:t>http POST http://localhst:8085/inquiries </a:t>
+            </a:r>
+            <a:r>
+              <a:rPr lang="en-US" altLang="ko-KR" kern="100" dirty="0" err="1">
+                <a:latin typeface="맑은 고딕" panose="020B0503020000020004" pitchFamily="50" charset="-127"/>
+                <a:cs typeface="Times New Roman" panose="02020603050405020304" pitchFamily="18" charset="0"/>
+              </a:rPr>
+              <a:t>memberId</a:t>
+            </a:r>
+            <a:r>
+              <a:rPr lang="en-US" altLang="ko-KR" kern="100" dirty="0">
+                <a:latin typeface="맑은 고딕" panose="020B0503020000020004" pitchFamily="50" charset="-127"/>
+                <a:cs typeface="Times New Roman" panose="02020603050405020304" pitchFamily="18" charset="0"/>
+              </a:rPr>
+              <a:t>=1 </a:t>
+            </a:r>
+            <a:r>
+              <a:rPr lang="en-US" altLang="ko-KR" kern="100" dirty="0" err="1">
+                <a:latin typeface="맑은 고딕" panose="020B0503020000020004" pitchFamily="50" charset="-127"/>
+                <a:cs typeface="Times New Roman" panose="02020603050405020304" pitchFamily="18" charset="0"/>
+              </a:rPr>
+              <a:t>inquiryStatus</a:t>
+            </a:r>
+            <a:r>
+              <a:rPr lang="en-US" altLang="ko-KR" kern="100" dirty="0">
+                <a:latin typeface="맑은 고딕" panose="020B0503020000020004" pitchFamily="50" charset="-127"/>
+                <a:cs typeface="Times New Roman" panose="02020603050405020304" pitchFamily="18" charset="0"/>
+              </a:rPr>
+              <a:t>=CANCEL</a:t>
+            </a:r>
+          </a:p>
+          <a:p>
+            <a:pPr algn="just">
+              <a:lnSpc>
+                <a:spcPct val="107000"/>
+              </a:lnSpc>
+              <a:spcAft>
+                <a:spcPts val="800"/>
+              </a:spcAft>
+            </a:pPr>
+            <a:r>
+              <a:rPr lang="en-US" altLang="ko-KR" kern="100" dirty="0">
+                <a:latin typeface="맑은 고딕" panose="020B0503020000020004" pitchFamily="50" charset="-127"/>
+                <a:cs typeface="Times New Roman" panose="02020603050405020304" pitchFamily="18" charset="0"/>
+              </a:rPr>
+              <a:t>http GET http://localhst:8085/inquiryHsts/1</a:t>
+            </a:r>
+            <a:endParaRPr lang="en-US" altLang="ko-KR" sz="1800" kern="100" dirty="0">
+              <a:effectLst/>
+              <a:latin typeface="맑은 고딕" panose="020B0503020000020004" pitchFamily="50" charset="-127"/>
+              <a:ea typeface="맑은 고딕" panose="020B0503020000020004" pitchFamily="50" charset="-127"/>
+              <a:cs typeface="Times New Roman" panose="02020603050405020304" pitchFamily="18" charset="0"/>
+            </a:endParaRPr>
+          </a:p>
+          <a:p>
+            <a:pPr algn="just" latinLnBrk="1">
+              <a:lnSpc>
+                <a:spcPct val="107000"/>
+              </a:lnSpc>
+              <a:spcAft>
+                <a:spcPts val="800"/>
+              </a:spcAft>
+            </a:pPr>
+            <a:endParaRPr lang="en-US" altLang="ko-KR" sz="1800" kern="100" dirty="0">
+              <a:effectLst/>
+              <a:latin typeface="맑은 고딕" panose="020B0503020000020004" pitchFamily="50" charset="-127"/>
+              <a:ea typeface="맑은 고딕" panose="020B0503020000020004" pitchFamily="50" charset="-127"/>
+              <a:cs typeface="Times New Roman" panose="02020603050405020304" pitchFamily="18" charset="0"/>
+            </a:endParaRPr>
+          </a:p>
+          <a:p>
+            <a:pPr algn="just" latinLnBrk="1">
+              <a:lnSpc>
+                <a:spcPct val="107000"/>
+              </a:lnSpc>
+              <a:spcAft>
+                <a:spcPts val="800"/>
+              </a:spcAft>
+            </a:pPr>
+            <a:r>
+              <a:rPr lang="en-US" altLang="ko-KR" kern="100" dirty="0">
+                <a:latin typeface="맑은 고딕" panose="020B0503020000020004" pitchFamily="50" charset="-127"/>
+                <a:ea typeface="맑은 고딕" panose="020B0503020000020004" pitchFamily="50" charset="-127"/>
+                <a:cs typeface="Times New Roman" panose="02020603050405020304" pitchFamily="18" charset="0"/>
+              </a:rPr>
+              <a:t>2. </a:t>
+            </a:r>
+            <a:r>
+              <a:rPr lang="ko-KR" altLang="en-US" kern="100" dirty="0">
+                <a:latin typeface="맑은 고딕" panose="020B0503020000020004" pitchFamily="50" charset="-127"/>
+                <a:ea typeface="맑은 고딕" panose="020B0503020000020004" pitchFamily="50" charset="-127"/>
+                <a:cs typeface="Times New Roman" panose="02020603050405020304" pitchFamily="18" charset="0"/>
+              </a:rPr>
+              <a:t>설문조사 제출 </a:t>
+            </a:r>
+            <a:r>
+              <a:rPr lang="en-US" altLang="ko-KR" kern="100" dirty="0">
+                <a:latin typeface="맑은 고딕" panose="020B0503020000020004" pitchFamily="50" charset="-127"/>
+                <a:ea typeface="맑은 고딕" panose="020B0503020000020004" pitchFamily="50" charset="-127"/>
+                <a:cs typeface="Times New Roman" panose="02020603050405020304" pitchFamily="18" charset="0"/>
+              </a:rPr>
+              <a:t>-&gt; </a:t>
+            </a:r>
+            <a:r>
+              <a:rPr lang="ko-KR" altLang="en-US" kern="100" dirty="0">
+                <a:latin typeface="맑은 고딕" panose="020B0503020000020004" pitchFamily="50" charset="-127"/>
+                <a:ea typeface="맑은 고딕" panose="020B0503020000020004" pitchFamily="50" charset="-127"/>
+                <a:cs typeface="Times New Roman" panose="02020603050405020304" pitchFamily="18" charset="0"/>
+              </a:rPr>
+              <a:t>설문조사 취소 </a:t>
+            </a:r>
+            <a:r>
+              <a:rPr lang="en-US" altLang="ko-KR" kern="100" dirty="0">
+                <a:latin typeface="맑은 고딕" panose="020B0503020000020004" pitchFamily="50" charset="-127"/>
+                <a:ea typeface="맑은 고딕" panose="020B0503020000020004" pitchFamily="50" charset="-127"/>
+                <a:cs typeface="Times New Roman" panose="02020603050405020304" pitchFamily="18" charset="0"/>
+              </a:rPr>
+              <a:t>-&gt; </a:t>
+            </a:r>
+            <a:r>
+              <a:rPr lang="ko-KR" altLang="en-US" kern="100" dirty="0">
+                <a:latin typeface="맑은 고딕" panose="020B0503020000020004" pitchFamily="50" charset="-127"/>
+                <a:ea typeface="맑은 고딕" panose="020B0503020000020004" pitchFamily="50" charset="-127"/>
+                <a:cs typeface="Times New Roman" panose="02020603050405020304" pitchFamily="18" charset="0"/>
+              </a:rPr>
+              <a:t>설문조사 제출 </a:t>
+            </a:r>
+            <a:r>
+              <a:rPr lang="en-US" altLang="ko-KR" kern="100" dirty="0">
+                <a:latin typeface="맑은 고딕" panose="020B0503020000020004" pitchFamily="50" charset="-127"/>
+                <a:ea typeface="맑은 고딕" panose="020B0503020000020004" pitchFamily="50" charset="-127"/>
+                <a:cs typeface="Times New Roman" panose="02020603050405020304" pitchFamily="18" charset="0"/>
+              </a:rPr>
+              <a:t>-&gt; </a:t>
+            </a:r>
+            <a:r>
+              <a:rPr lang="ko-KR" altLang="en-US" kern="100" dirty="0">
+                <a:latin typeface="맑은 고딕" panose="020B0503020000020004" pitchFamily="50" charset="-127"/>
+                <a:ea typeface="맑은 고딕" panose="020B0503020000020004" pitchFamily="50" charset="-127"/>
+                <a:cs typeface="Times New Roman" panose="02020603050405020304" pitchFamily="18" charset="0"/>
+              </a:rPr>
+              <a:t>제출</a:t>
+            </a:r>
+            <a:endParaRPr lang="en-US" altLang="ko-KR" kern="100" dirty="0">
+              <a:latin typeface="맑은 고딕" panose="020B0503020000020004" pitchFamily="50" charset="-127"/>
+              <a:ea typeface="맑은 고딕" panose="020B0503020000020004" pitchFamily="50" charset="-127"/>
+              <a:cs typeface="Times New Roman" panose="02020603050405020304" pitchFamily="18" charset="0"/>
+            </a:endParaRPr>
+          </a:p>
+          <a:p>
+            <a:pPr algn="just">
+              <a:lnSpc>
+                <a:spcPct val="107000"/>
+              </a:lnSpc>
+              <a:spcAft>
+                <a:spcPts val="800"/>
+              </a:spcAft>
+            </a:pPr>
+            <a:r>
+              <a:rPr lang="en-US" altLang="ko-KR" kern="100" dirty="0">
+                <a:latin typeface="맑은 고딕" panose="020B0503020000020004" pitchFamily="50" charset="-127"/>
+                <a:cs typeface="Times New Roman" panose="02020603050405020304" pitchFamily="18" charset="0"/>
+              </a:rPr>
+              <a:t>http POST http://localhst:8085/inquiries </a:t>
+            </a:r>
+            <a:r>
+              <a:rPr lang="en-US" altLang="ko-KR" kern="100" dirty="0" err="1">
+                <a:latin typeface="맑은 고딕" panose="020B0503020000020004" pitchFamily="50" charset="-127"/>
+                <a:cs typeface="Times New Roman" panose="02020603050405020304" pitchFamily="18" charset="0"/>
+              </a:rPr>
+              <a:t>memberId</a:t>
+            </a:r>
+            <a:r>
+              <a:rPr lang="en-US" altLang="ko-KR" kern="100" dirty="0">
+                <a:latin typeface="맑은 고딕" panose="020B0503020000020004" pitchFamily="50" charset="-127"/>
+                <a:cs typeface="Times New Roman" panose="02020603050405020304" pitchFamily="18" charset="0"/>
+              </a:rPr>
+              <a:t>=2 </a:t>
+            </a:r>
+            <a:r>
+              <a:rPr lang="en-US" altLang="ko-KR" kern="100" dirty="0" err="1">
+                <a:latin typeface="맑은 고딕" panose="020B0503020000020004" pitchFamily="50" charset="-127"/>
+                <a:cs typeface="Times New Roman" panose="02020603050405020304" pitchFamily="18" charset="0"/>
+              </a:rPr>
+              <a:t>inquiryStatus</a:t>
+            </a:r>
+            <a:r>
+              <a:rPr lang="en-US" altLang="ko-KR" kern="100" dirty="0">
+                <a:latin typeface="맑은 고딕" panose="020B0503020000020004" pitchFamily="50" charset="-127"/>
+                <a:cs typeface="Times New Roman" panose="02020603050405020304" pitchFamily="18" charset="0"/>
+              </a:rPr>
+              <a:t>=INQURING</a:t>
+            </a:r>
+          </a:p>
+          <a:p>
+            <a:pPr algn="just">
+              <a:lnSpc>
+                <a:spcPct val="107000"/>
+              </a:lnSpc>
+              <a:spcAft>
+                <a:spcPts val="800"/>
+              </a:spcAft>
+            </a:pPr>
+            <a:r>
+              <a:rPr lang="en-US" altLang="ko-KR" kern="100" dirty="0">
+                <a:latin typeface="맑은 고딕" panose="020B0503020000020004" pitchFamily="50" charset="-127"/>
+                <a:cs typeface="Times New Roman" panose="02020603050405020304" pitchFamily="18" charset="0"/>
+              </a:rPr>
+              <a:t>http GET http://localhst:8085/inquiries/2</a:t>
+            </a:r>
+            <a:endParaRPr lang="en-US" altLang="ko-KR" kern="100" dirty="0">
+              <a:latin typeface="맑은 고딕" panose="020B0503020000020004" pitchFamily="50" charset="-127"/>
+              <a:ea typeface="맑은 고딕" panose="020B0503020000020004" pitchFamily="50" charset="-127"/>
+              <a:cs typeface="Times New Roman" panose="02020603050405020304" pitchFamily="18" charset="0"/>
+            </a:endParaRPr>
+          </a:p>
+          <a:p>
+            <a:pPr algn="just">
+              <a:lnSpc>
+                <a:spcPct val="107000"/>
+              </a:lnSpc>
+              <a:spcAft>
+                <a:spcPts val="800"/>
+              </a:spcAft>
+            </a:pPr>
+            <a:r>
+              <a:rPr lang="en-US" altLang="ko-KR" kern="100" dirty="0">
+                <a:latin typeface="맑은 고딕" panose="020B0503020000020004" pitchFamily="50" charset="-127"/>
+                <a:cs typeface="Times New Roman" panose="02020603050405020304" pitchFamily="18" charset="0"/>
+              </a:rPr>
+              <a:t>http POST http://localhst:8085/inquiries </a:t>
+            </a:r>
+            <a:r>
+              <a:rPr lang="en-US" altLang="ko-KR" kern="100" dirty="0" err="1">
+                <a:latin typeface="맑은 고딕" panose="020B0503020000020004" pitchFamily="50" charset="-127"/>
+                <a:cs typeface="Times New Roman" panose="02020603050405020304" pitchFamily="18" charset="0"/>
+              </a:rPr>
+              <a:t>memberId</a:t>
+            </a:r>
+            <a:r>
+              <a:rPr lang="en-US" altLang="ko-KR" kern="100" dirty="0">
+                <a:latin typeface="맑은 고딕" panose="020B0503020000020004" pitchFamily="50" charset="-127"/>
+                <a:cs typeface="Times New Roman" panose="02020603050405020304" pitchFamily="18" charset="0"/>
+              </a:rPr>
+              <a:t>=2 </a:t>
+            </a:r>
+            <a:r>
+              <a:rPr lang="en-US" altLang="ko-KR" kern="100" dirty="0" err="1">
+                <a:latin typeface="맑은 고딕" panose="020B0503020000020004" pitchFamily="50" charset="-127"/>
+                <a:cs typeface="Times New Roman" panose="02020603050405020304" pitchFamily="18" charset="0"/>
+              </a:rPr>
+              <a:t>inquiryStatus</a:t>
+            </a:r>
+            <a:r>
+              <a:rPr lang="en-US" altLang="ko-KR" kern="100" dirty="0">
+                <a:latin typeface="맑은 고딕" panose="020B0503020000020004" pitchFamily="50" charset="-127"/>
+                <a:cs typeface="Times New Roman" panose="02020603050405020304" pitchFamily="18" charset="0"/>
+              </a:rPr>
+              <a:t>=CANCEL</a:t>
+            </a:r>
+          </a:p>
+          <a:p>
+            <a:pPr algn="just">
+              <a:lnSpc>
+                <a:spcPct val="107000"/>
+              </a:lnSpc>
+              <a:spcAft>
+                <a:spcPts val="800"/>
+              </a:spcAft>
+            </a:pPr>
+            <a:r>
+              <a:rPr lang="en-US" altLang="ko-KR" kern="100" dirty="0">
+                <a:latin typeface="맑은 고딕" panose="020B0503020000020004" pitchFamily="50" charset="-127"/>
+                <a:cs typeface="Times New Roman" panose="02020603050405020304" pitchFamily="18" charset="0"/>
+              </a:rPr>
+              <a:t>http GET http://localhst:8085/inquiryHsts/2</a:t>
+            </a:r>
+          </a:p>
+          <a:p>
+            <a:pPr algn="just">
+              <a:lnSpc>
+                <a:spcPct val="107000"/>
+              </a:lnSpc>
+              <a:spcAft>
+                <a:spcPts val="800"/>
+              </a:spcAft>
+            </a:pPr>
+            <a:r>
+              <a:rPr lang="en-US" altLang="ko-KR" kern="100" dirty="0">
+                <a:latin typeface="맑은 고딕" panose="020B0503020000020004" pitchFamily="50" charset="-127"/>
+                <a:cs typeface="Times New Roman" panose="02020603050405020304" pitchFamily="18" charset="0"/>
+              </a:rPr>
+              <a:t>http POST http://localhst:8085/inquiries </a:t>
+            </a:r>
+            <a:r>
+              <a:rPr lang="en-US" altLang="ko-KR" kern="100" dirty="0" err="1">
+                <a:latin typeface="맑은 고딕" panose="020B0503020000020004" pitchFamily="50" charset="-127"/>
+                <a:cs typeface="Times New Roman" panose="02020603050405020304" pitchFamily="18" charset="0"/>
+              </a:rPr>
+              <a:t>memberId</a:t>
+            </a:r>
+            <a:r>
+              <a:rPr lang="en-US" altLang="ko-KR" kern="100" dirty="0">
+                <a:latin typeface="맑은 고딕" panose="020B0503020000020004" pitchFamily="50" charset="-127"/>
+                <a:cs typeface="Times New Roman" panose="02020603050405020304" pitchFamily="18" charset="0"/>
+              </a:rPr>
+              <a:t>=2 </a:t>
+            </a:r>
+            <a:r>
+              <a:rPr lang="en-US" altLang="ko-KR" kern="100" dirty="0" err="1">
+                <a:latin typeface="맑은 고딕" panose="020B0503020000020004" pitchFamily="50" charset="-127"/>
+                <a:cs typeface="Times New Roman" panose="02020603050405020304" pitchFamily="18" charset="0"/>
+              </a:rPr>
+              <a:t>inquiryStatus</a:t>
+            </a:r>
+            <a:r>
+              <a:rPr lang="en-US" altLang="ko-KR" kern="100" dirty="0">
+                <a:latin typeface="맑은 고딕" panose="020B0503020000020004" pitchFamily="50" charset="-127"/>
+                <a:cs typeface="Times New Roman" panose="02020603050405020304" pitchFamily="18" charset="0"/>
+              </a:rPr>
+              <a:t>=INQURING</a:t>
+            </a:r>
+          </a:p>
+          <a:p>
+            <a:pPr algn="just">
+              <a:lnSpc>
+                <a:spcPct val="107000"/>
+              </a:lnSpc>
+              <a:spcAft>
+                <a:spcPts val="800"/>
+              </a:spcAft>
+            </a:pPr>
+            <a:r>
+              <a:rPr lang="en-US" altLang="ko-KR" kern="100" dirty="0">
+                <a:latin typeface="맑은 고딕" panose="020B0503020000020004" pitchFamily="50" charset="-127"/>
+                <a:cs typeface="Times New Roman" panose="02020603050405020304" pitchFamily="18" charset="0"/>
+              </a:rPr>
+              <a:t>http GET http://localhst:8085/inquiries/3</a:t>
+            </a:r>
+          </a:p>
+          <a:p>
+            <a:pPr algn="just">
+              <a:lnSpc>
+                <a:spcPct val="107000"/>
+              </a:lnSpc>
+              <a:spcAft>
+                <a:spcPts val="800"/>
+              </a:spcAft>
+            </a:pPr>
+            <a:r>
+              <a:rPr lang="en-US" altLang="ko-KR" kern="100" dirty="0">
+                <a:latin typeface="맑은 고딕" panose="020B0503020000020004" pitchFamily="50" charset="-127"/>
+                <a:cs typeface="Times New Roman" panose="02020603050405020304" pitchFamily="18" charset="0"/>
+              </a:rPr>
+              <a:t>http POST http://localhst:8085/inquiries </a:t>
+            </a:r>
+            <a:r>
+              <a:rPr lang="en-US" altLang="ko-KR" kern="100" dirty="0" err="1">
+                <a:latin typeface="맑은 고딕" panose="020B0503020000020004" pitchFamily="50" charset="-127"/>
+                <a:cs typeface="Times New Roman" panose="02020603050405020304" pitchFamily="18" charset="0"/>
+              </a:rPr>
+              <a:t>memberId</a:t>
+            </a:r>
+            <a:r>
+              <a:rPr lang="en-US" altLang="ko-KR" kern="100" dirty="0">
+                <a:latin typeface="맑은 고딕" panose="020B0503020000020004" pitchFamily="50" charset="-127"/>
+                <a:cs typeface="Times New Roman" panose="02020603050405020304" pitchFamily="18" charset="0"/>
+              </a:rPr>
+              <a:t>=2 </a:t>
+            </a:r>
+            <a:r>
+              <a:rPr lang="en-US" altLang="ko-KR" kern="100" dirty="0" err="1">
+                <a:latin typeface="맑은 고딕" panose="020B0503020000020004" pitchFamily="50" charset="-127"/>
+                <a:cs typeface="Times New Roman" panose="02020603050405020304" pitchFamily="18" charset="0"/>
+              </a:rPr>
+              <a:t>inquiryStatus</a:t>
+            </a:r>
+            <a:r>
+              <a:rPr lang="en-US" altLang="ko-KR" kern="100" dirty="0">
+                <a:latin typeface="맑은 고딕" panose="020B0503020000020004" pitchFamily="50" charset="-127"/>
+                <a:cs typeface="Times New Roman" panose="02020603050405020304" pitchFamily="18" charset="0"/>
+              </a:rPr>
+              <a:t>=INQURING</a:t>
+            </a:r>
+          </a:p>
+          <a:p>
+            <a:pPr algn="just">
+              <a:lnSpc>
+                <a:spcPct val="107000"/>
+              </a:lnSpc>
+              <a:spcAft>
+                <a:spcPts val="800"/>
+              </a:spcAft>
+            </a:pPr>
+            <a:r>
+              <a:rPr lang="en-US" altLang="ko-KR" kern="100" dirty="0">
+                <a:latin typeface="맑은 고딕" panose="020B0503020000020004" pitchFamily="50" charset="-127"/>
+                <a:cs typeface="Times New Roman" panose="02020603050405020304" pitchFamily="18" charset="0"/>
+              </a:rPr>
+              <a:t>http GET http://localhst:8085/inquiries/4</a:t>
+            </a:r>
+          </a:p>
+          <a:p>
+            <a:pPr algn="just" latinLnBrk="1">
+              <a:lnSpc>
+                <a:spcPct val="107000"/>
+              </a:lnSpc>
+              <a:spcAft>
+                <a:spcPts val="800"/>
+              </a:spcAft>
+            </a:pPr>
+            <a:endParaRPr lang="en-US" altLang="ko-KR" kern="100" dirty="0">
+              <a:latin typeface="맑은 고딕" panose="020B0503020000020004" pitchFamily="50" charset="-127"/>
+              <a:ea typeface="맑은 고딕" panose="020B0503020000020004" pitchFamily="50" charset="-127"/>
+              <a:cs typeface="Times New Roman" panose="02020603050405020304" pitchFamily="18" charset="0"/>
+            </a:endParaRPr>
+          </a:p>
+          <a:p>
+            <a:pPr algn="just" latinLnBrk="1">
+              <a:lnSpc>
+                <a:spcPct val="107000"/>
+              </a:lnSpc>
+              <a:spcAft>
+                <a:spcPts val="800"/>
+              </a:spcAft>
+            </a:pPr>
+            <a:r>
+              <a:rPr lang="en-US" altLang="ko-KR" kern="100" dirty="0">
+                <a:latin typeface="맑은 고딕" panose="020B0503020000020004" pitchFamily="50" charset="-127"/>
+                <a:ea typeface="맑은 고딕" panose="020B0503020000020004" pitchFamily="50" charset="-127"/>
+                <a:cs typeface="Times New Roman" panose="02020603050405020304" pitchFamily="18" charset="0"/>
+              </a:rPr>
+              <a:t>3. </a:t>
+            </a:r>
+            <a:r>
+              <a:rPr lang="ko-KR" altLang="en-US" kern="100" dirty="0">
+                <a:latin typeface="맑은 고딕" panose="020B0503020000020004" pitchFamily="50" charset="-127"/>
+                <a:ea typeface="맑은 고딕" panose="020B0503020000020004" pitchFamily="50" charset="-127"/>
+                <a:cs typeface="Times New Roman" panose="02020603050405020304" pitchFamily="18" charset="0"/>
+              </a:rPr>
+              <a:t>설문조사 제출 </a:t>
+            </a:r>
+            <a:r>
+              <a:rPr lang="en-US" altLang="ko-KR" kern="100" dirty="0">
+                <a:latin typeface="맑은 고딕" panose="020B0503020000020004" pitchFamily="50" charset="-127"/>
+                <a:ea typeface="맑은 고딕" panose="020B0503020000020004" pitchFamily="50" charset="-127"/>
+                <a:cs typeface="Times New Roman" panose="02020603050405020304" pitchFamily="18" charset="0"/>
+              </a:rPr>
+              <a:t>-&gt; </a:t>
+            </a:r>
+            <a:r>
+              <a:rPr lang="ko-KR" altLang="en-US" kern="100" dirty="0">
+                <a:latin typeface="맑은 고딕" panose="020B0503020000020004" pitchFamily="50" charset="-127"/>
+                <a:ea typeface="맑은 고딕" panose="020B0503020000020004" pitchFamily="50" charset="-127"/>
+                <a:cs typeface="Times New Roman" panose="02020603050405020304" pitchFamily="18" charset="0"/>
+              </a:rPr>
+              <a:t>설문조사 이력 확인 </a:t>
+            </a:r>
+            <a:r>
+              <a:rPr lang="en-US" altLang="ko-KR" kern="100" dirty="0">
+                <a:latin typeface="맑은 고딕" panose="020B0503020000020004" pitchFamily="50" charset="-127"/>
+                <a:ea typeface="맑은 고딕" panose="020B0503020000020004" pitchFamily="50" charset="-127"/>
+                <a:cs typeface="Times New Roman" panose="02020603050405020304" pitchFamily="18" charset="0"/>
+              </a:rPr>
+              <a:t>-&gt; </a:t>
+            </a:r>
+            <a:r>
+              <a:rPr lang="ko-KR" altLang="en-US" kern="100" dirty="0">
+                <a:latin typeface="맑은 고딕" panose="020B0503020000020004" pitchFamily="50" charset="-127"/>
+                <a:ea typeface="맑은 고딕" panose="020B0503020000020004" pitchFamily="50" charset="-127"/>
+                <a:cs typeface="Times New Roman" panose="02020603050405020304" pitchFamily="18" charset="0"/>
+              </a:rPr>
+              <a:t>설문조사 취소 </a:t>
+            </a:r>
+            <a:r>
+              <a:rPr lang="en-US" altLang="ko-KR" kern="100" dirty="0">
+                <a:latin typeface="맑은 고딕" panose="020B0503020000020004" pitchFamily="50" charset="-127"/>
+                <a:ea typeface="맑은 고딕" panose="020B0503020000020004" pitchFamily="50" charset="-127"/>
+                <a:cs typeface="Times New Roman" panose="02020603050405020304" pitchFamily="18" charset="0"/>
+              </a:rPr>
+              <a:t>-&gt; </a:t>
+            </a:r>
+            <a:r>
+              <a:rPr lang="ko-KR" altLang="en-US" kern="100" dirty="0">
+                <a:latin typeface="맑은 고딕" panose="020B0503020000020004" pitchFamily="50" charset="-127"/>
+                <a:ea typeface="맑은 고딕" panose="020B0503020000020004" pitchFamily="50" charset="-127"/>
+                <a:cs typeface="Times New Roman" panose="02020603050405020304" pitchFamily="18" charset="0"/>
+              </a:rPr>
+              <a:t>설문조사 이력 확인</a:t>
+            </a:r>
+            <a:endParaRPr lang="en-US" altLang="ko-KR" kern="100" dirty="0">
+              <a:latin typeface="맑은 고딕" panose="020B0503020000020004" pitchFamily="50" charset="-127"/>
+              <a:ea typeface="맑은 고딕" panose="020B0503020000020004" pitchFamily="50" charset="-127"/>
+              <a:cs typeface="Times New Roman" panose="02020603050405020304" pitchFamily="18" charset="0"/>
+            </a:endParaRPr>
+          </a:p>
+          <a:p>
+            <a:pPr algn="just">
+              <a:lnSpc>
+                <a:spcPct val="107000"/>
+              </a:lnSpc>
+              <a:spcAft>
+                <a:spcPts val="800"/>
+              </a:spcAft>
+            </a:pPr>
+            <a:r>
+              <a:rPr lang="en-US" altLang="ko-KR" kern="100" dirty="0">
+                <a:latin typeface="맑은 고딕" panose="020B0503020000020004" pitchFamily="50" charset="-127"/>
+                <a:cs typeface="Times New Roman" panose="02020603050405020304" pitchFamily="18" charset="0"/>
+              </a:rPr>
+              <a:t>http POST http://localhst:8085/inquiries </a:t>
+            </a:r>
+            <a:r>
+              <a:rPr lang="en-US" altLang="ko-KR" kern="100" dirty="0" err="1">
+                <a:latin typeface="맑은 고딕" panose="020B0503020000020004" pitchFamily="50" charset="-127"/>
+                <a:cs typeface="Times New Roman" panose="02020603050405020304" pitchFamily="18" charset="0"/>
+              </a:rPr>
+              <a:t>memberId</a:t>
+            </a:r>
+            <a:r>
+              <a:rPr lang="en-US" altLang="ko-KR" kern="100" dirty="0">
+                <a:latin typeface="맑은 고딕" panose="020B0503020000020004" pitchFamily="50" charset="-127"/>
+                <a:cs typeface="Times New Roman" panose="02020603050405020304" pitchFamily="18" charset="0"/>
+              </a:rPr>
+              <a:t>=3 </a:t>
+            </a:r>
+            <a:r>
+              <a:rPr lang="en-US" altLang="ko-KR" kern="100" dirty="0" err="1">
+                <a:latin typeface="맑은 고딕" panose="020B0503020000020004" pitchFamily="50" charset="-127"/>
+                <a:cs typeface="Times New Roman" panose="02020603050405020304" pitchFamily="18" charset="0"/>
+              </a:rPr>
+              <a:t>inquiryStatus</a:t>
+            </a:r>
+            <a:r>
+              <a:rPr lang="en-US" altLang="ko-KR" kern="100" dirty="0">
+                <a:latin typeface="맑은 고딕" panose="020B0503020000020004" pitchFamily="50" charset="-127"/>
+                <a:cs typeface="Times New Roman" panose="02020603050405020304" pitchFamily="18" charset="0"/>
+              </a:rPr>
+              <a:t>=INQURING</a:t>
+            </a:r>
+          </a:p>
+          <a:p>
+            <a:pPr algn="just">
+              <a:lnSpc>
+                <a:spcPct val="107000"/>
+              </a:lnSpc>
+              <a:spcAft>
+                <a:spcPts val="800"/>
+              </a:spcAft>
+            </a:pPr>
+            <a:r>
+              <a:rPr lang="en-US" altLang="ko-KR" kern="100" dirty="0">
+                <a:latin typeface="맑은 고딕" panose="020B0503020000020004" pitchFamily="50" charset="-127"/>
+                <a:cs typeface="Times New Roman" panose="02020603050405020304" pitchFamily="18" charset="0"/>
+              </a:rPr>
+              <a:t>http GET http://localhst:8086/inquiryBoards</a:t>
+            </a:r>
+          </a:p>
+          <a:p>
+            <a:pPr algn="just">
+              <a:lnSpc>
+                <a:spcPct val="107000"/>
+              </a:lnSpc>
+              <a:spcAft>
+                <a:spcPts val="800"/>
+              </a:spcAft>
+            </a:pPr>
+            <a:r>
+              <a:rPr lang="en-US" altLang="ko-KR" kern="100" dirty="0">
+                <a:latin typeface="맑은 고딕" panose="020B0503020000020004" pitchFamily="50" charset="-127"/>
+                <a:cs typeface="Times New Roman" panose="02020603050405020304" pitchFamily="18" charset="0"/>
+              </a:rPr>
+              <a:t>http POST http://localhst:8085/inquiries </a:t>
+            </a:r>
+            <a:r>
+              <a:rPr lang="en-US" altLang="ko-KR" kern="100" dirty="0" err="1">
+                <a:latin typeface="맑은 고딕" panose="020B0503020000020004" pitchFamily="50" charset="-127"/>
+                <a:cs typeface="Times New Roman" panose="02020603050405020304" pitchFamily="18" charset="0"/>
+              </a:rPr>
+              <a:t>memberId</a:t>
+            </a:r>
+            <a:r>
+              <a:rPr lang="en-US" altLang="ko-KR" kern="100" dirty="0">
+                <a:latin typeface="맑은 고딕" panose="020B0503020000020004" pitchFamily="50" charset="-127"/>
+                <a:cs typeface="Times New Roman" panose="02020603050405020304" pitchFamily="18" charset="0"/>
+              </a:rPr>
+              <a:t>=3 </a:t>
+            </a:r>
+            <a:r>
+              <a:rPr lang="en-US" altLang="ko-KR" kern="100" dirty="0" err="1">
+                <a:latin typeface="맑은 고딕" panose="020B0503020000020004" pitchFamily="50" charset="-127"/>
+                <a:cs typeface="Times New Roman" panose="02020603050405020304" pitchFamily="18" charset="0"/>
+              </a:rPr>
+              <a:t>inquiryStatus</a:t>
+            </a:r>
+            <a:r>
+              <a:rPr lang="en-US" altLang="ko-KR" kern="100" dirty="0">
+                <a:latin typeface="맑은 고딕" panose="020B0503020000020004" pitchFamily="50" charset="-127"/>
+                <a:cs typeface="Times New Roman" panose="02020603050405020304" pitchFamily="18" charset="0"/>
+              </a:rPr>
+              <a:t>=CANCEL</a:t>
+            </a:r>
+          </a:p>
+          <a:p>
+            <a:pPr algn="just">
+              <a:lnSpc>
+                <a:spcPct val="107000"/>
+              </a:lnSpc>
+              <a:spcAft>
+                <a:spcPts val="800"/>
+              </a:spcAft>
+            </a:pPr>
+            <a:r>
+              <a:rPr lang="en-US" altLang="ko-KR" kern="100" dirty="0">
+                <a:latin typeface="맑은 고딕" panose="020B0503020000020004" pitchFamily="50" charset="-127"/>
+                <a:cs typeface="Times New Roman" panose="02020603050405020304" pitchFamily="18" charset="0"/>
+              </a:rPr>
+              <a:t>http GET http://localhst:8085/inquiryHsts/2</a:t>
+            </a:r>
+          </a:p>
+          <a:p>
+            <a:pPr algn="just">
+              <a:lnSpc>
+                <a:spcPct val="107000"/>
+              </a:lnSpc>
+              <a:spcAft>
+                <a:spcPts val="800"/>
+              </a:spcAft>
+            </a:pPr>
+            <a:r>
+              <a:rPr lang="en-US" altLang="ko-KR" kern="100" dirty="0">
+                <a:latin typeface="맑은 고딕" panose="020B0503020000020004" pitchFamily="50" charset="-127"/>
+                <a:cs typeface="Times New Roman" panose="02020603050405020304" pitchFamily="18" charset="0"/>
+              </a:rPr>
+              <a:t>http GET http://localhst:8086</a:t>
+            </a:r>
+            <a:r>
+              <a:rPr lang="en-US" altLang="ko-KR" kern="100">
+                <a:latin typeface="맑은 고딕" panose="020B0503020000020004" pitchFamily="50" charset="-127"/>
+                <a:cs typeface="Times New Roman" panose="02020603050405020304" pitchFamily="18" charset="0"/>
+              </a:rPr>
+              <a:t>/inquiryBoards</a:t>
+            </a:r>
+            <a:endParaRPr lang="en-US" altLang="ko-KR" kern="100" dirty="0">
+              <a:latin typeface="맑은 고딕" panose="020B0503020000020004" pitchFamily="50" charset="-127"/>
+              <a:cs typeface="Times New Roman" panose="02020603050405020304" pitchFamily="18" charset="0"/>
+            </a:endParaRPr>
+          </a:p>
+        </p:txBody>
+      </p:sp>
     </p:spTree>
     <p:extLst>
       <p:ext uri="{BB962C8B-B14F-4D97-AF65-F5344CB8AC3E}">
@@ -11215,6 +13863,99 @@
 </file>
 
 <file path=ppt/slides/slide5.xml><?xml version="1.0" encoding="utf-8"?>
+<p:sld xmlns:a="http://schemas.openxmlformats.org/drawingml/2006/main" xmlns:r="http://schemas.openxmlformats.org/officeDocument/2006/relationships" xmlns:p="http://schemas.openxmlformats.org/presentationml/2006/main">
+  <p:cSld>
+    <p:spTree>
+      <p:nvGrpSpPr>
+        <p:cNvPr id="1" name=""/>
+        <p:cNvGrpSpPr/>
+        <p:nvPr/>
+      </p:nvGrpSpPr>
+      <p:grpSpPr>
+        <a:xfrm>
+          <a:off x="0" y="0"/>
+          <a:ext cx="0" cy="0"/>
+          <a:chOff x="0" y="0"/>
+          <a:chExt cx="0" cy="0"/>
+        </a:xfrm>
+      </p:grpSpPr>
+      <p:sp>
+        <p:nvSpPr>
+          <p:cNvPr id="7" name="직사각형 6">
+            <a:extLst>
+              <a:ext uri="{FF2B5EF4-FFF2-40B4-BE49-F238E27FC236}">
+                <a16:creationId xmlns:a16="http://schemas.microsoft.com/office/drawing/2014/main" id="{21F8BB29-D2BD-4B38-AF43-B799D548C730}"/>
+              </a:ext>
+            </a:extLst>
+          </p:cNvPr>
+          <p:cNvSpPr/>
+          <p:nvPr/>
+        </p:nvSpPr>
+        <p:spPr>
+          <a:xfrm>
+            <a:off x="583324" y="471489"/>
+            <a:ext cx="8036985" cy="428625"/>
+          </a:xfrm>
+          <a:prstGeom prst="rect">
+            <a:avLst/>
+          </a:prstGeom>
+          <a:noFill/>
+          <a:ln>
+            <a:noFill/>
+          </a:ln>
+        </p:spPr>
+        <p:style>
+          <a:lnRef idx="2">
+            <a:schemeClr val="accent1">
+              <a:shade val="50000"/>
+            </a:schemeClr>
+          </a:lnRef>
+          <a:fillRef idx="1">
+            <a:schemeClr val="accent1"/>
+          </a:fillRef>
+          <a:effectRef idx="0">
+            <a:schemeClr val="accent1"/>
+          </a:effectRef>
+          <a:fontRef idx="minor">
+            <a:schemeClr val="lt1"/>
+          </a:fontRef>
+        </p:style>
+        <p:txBody>
+          <a:bodyPr rtlCol="0" anchor="ctr"/>
+          <a:lstStyle/>
+          <a:p>
+            <a:r>
+              <a:rPr lang="ko-KR" altLang="en-US" b="1" dirty="0">
+                <a:solidFill>
+                  <a:schemeClr val="tx1"/>
+                </a:solidFill>
+              </a:rPr>
+              <a:t>테스트 시나리오</a:t>
+            </a:r>
+            <a:endParaRPr lang="ko-KR" altLang="en-US" b="1" i="0" dirty="0">
+              <a:solidFill>
+                <a:schemeClr val="tx1"/>
+              </a:solidFill>
+              <a:effectLst/>
+              <a:latin typeface="-apple-system"/>
+            </a:endParaRPr>
+          </a:p>
+        </p:txBody>
+      </p:sp>
+    </p:spTree>
+    <p:extLst>
+      <p:ext uri="{BB962C8B-B14F-4D97-AF65-F5344CB8AC3E}">
+        <p14:creationId xmlns:p14="http://schemas.microsoft.com/office/powerpoint/2010/main" val="763082717"/>
+      </p:ext>
+    </p:extLst>
+  </p:cSld>
+  <p:clrMapOvr>
+    <a:masterClrMapping/>
+  </p:clrMapOvr>
+</p:sld>
+</file>
+
+<file path=ppt/slides/slide6.xml><?xml version="1.0" encoding="utf-8"?>
 <p:sld xmlns:a="http://schemas.openxmlformats.org/drawingml/2006/main" xmlns:r="http://schemas.openxmlformats.org/officeDocument/2006/relationships" xmlns:p="http://schemas.openxmlformats.org/presentationml/2006/main">
   <p:cSld>
     <p:spTree>
@@ -13136,7 +15877,7 @@
 </p:sld>
 </file>
 
-<file path=ppt/slides/slide6.xml><?xml version="1.0" encoding="utf-8"?>
+<file path=ppt/slides/slide7.xml><?xml version="1.0" encoding="utf-8"?>
 <p:sld xmlns:a="http://schemas.openxmlformats.org/drawingml/2006/main" xmlns:r="http://schemas.openxmlformats.org/officeDocument/2006/relationships" xmlns:p="http://schemas.openxmlformats.org/presentationml/2006/main">
   <p:cSld>
     <p:spTree>
@@ -14618,7 +17359,7 @@
 </p:sld>
 </file>
 
-<file path=ppt/slides/slide7.xml><?xml version="1.0" encoding="utf-8"?>
+<file path=ppt/slides/slide8.xml><?xml version="1.0" encoding="utf-8"?>
 <p:sld xmlns:a="http://schemas.openxmlformats.org/drawingml/2006/main" xmlns:r="http://schemas.openxmlformats.org/officeDocument/2006/relationships" xmlns:p="http://schemas.openxmlformats.org/presentationml/2006/main">
   <p:cSld>
     <p:spTree>
@@ -15872,7 +18613,7 @@
 </p:sld>
 </file>
 
-<file path=ppt/slides/slide8.xml><?xml version="1.0" encoding="utf-8"?>
+<file path=ppt/slides/slide9.xml><?xml version="1.0" encoding="utf-8"?>
 <p:sld xmlns:a="http://schemas.openxmlformats.org/drawingml/2006/main" xmlns:r="http://schemas.openxmlformats.org/officeDocument/2006/relationships" xmlns:p="http://schemas.openxmlformats.org/presentationml/2006/main">
   <p:cSld>
     <p:spTree>
@@ -17728,2210 +20469,6 @@
 </p:sld>
 </file>
 
-<file path=ppt/slides/slide9.xml><?xml version="1.0" encoding="utf-8"?>
-<p:sld xmlns:a="http://schemas.openxmlformats.org/drawingml/2006/main" xmlns:r="http://schemas.openxmlformats.org/officeDocument/2006/relationships" xmlns:p="http://schemas.openxmlformats.org/presentationml/2006/main">
-  <p:cSld>
-    <p:spTree>
-      <p:nvGrpSpPr>
-        <p:cNvPr id="1" name=""/>
-        <p:cNvGrpSpPr/>
-        <p:nvPr/>
-      </p:nvGrpSpPr>
-      <p:grpSpPr>
-        <a:xfrm>
-          <a:off x="0" y="0"/>
-          <a:ext cx="0" cy="0"/>
-          <a:chOff x="0" y="0"/>
-          <a:chExt cx="0" cy="0"/>
-        </a:xfrm>
-      </p:grpSpPr>
-      <p:sp>
-        <p:nvSpPr>
-          <p:cNvPr id="7" name="직사각형 6">
-            <a:extLst>
-              <a:ext uri="{FF2B5EF4-FFF2-40B4-BE49-F238E27FC236}">
-                <a16:creationId xmlns:a16="http://schemas.microsoft.com/office/drawing/2014/main" id="{0A0F104B-674B-4890-A3EE-F5F6BF86D53B}"/>
-              </a:ext>
-            </a:extLst>
-          </p:cNvPr>
-          <p:cNvSpPr/>
-          <p:nvPr/>
-        </p:nvSpPr>
-        <p:spPr>
-          <a:xfrm>
-            <a:off x="669290" y="427814"/>
-            <a:ext cx="7192562" cy="428625"/>
-          </a:xfrm>
-          <a:prstGeom prst="rect">
-            <a:avLst/>
-          </a:prstGeom>
-          <a:noFill/>
-          <a:ln>
-            <a:noFill/>
-          </a:ln>
-        </p:spPr>
-        <p:style>
-          <a:lnRef idx="2">
-            <a:schemeClr val="accent1">
-              <a:shade val="50000"/>
-            </a:schemeClr>
-          </a:lnRef>
-          <a:fillRef idx="1">
-            <a:schemeClr val="accent1"/>
-          </a:fillRef>
-          <a:effectRef idx="0">
-            <a:schemeClr val="accent1"/>
-          </a:effectRef>
-          <a:fontRef idx="minor">
-            <a:schemeClr val="lt1"/>
-          </a:fontRef>
-        </p:style>
-        <p:txBody>
-          <a:bodyPr rtlCol="0" anchor="ctr"/>
-          <a:lstStyle/>
-          <a:p>
-            <a:pPr algn="l"/>
-            <a:r>
-              <a:rPr lang="ko-KR" altLang="en-US" b="1" i="0" dirty="0" err="1">
-                <a:solidFill>
-                  <a:srgbClr val="24292E"/>
-                </a:solidFill>
-                <a:effectLst/>
-                <a:latin typeface="-apple-system"/>
-              </a:rPr>
-              <a:t>폴리시의</a:t>
-            </a:r>
-            <a:r>
-              <a:rPr lang="ko-KR" altLang="en-US" b="1" i="0" dirty="0">
-                <a:solidFill>
-                  <a:srgbClr val="24292E"/>
-                </a:solidFill>
-                <a:effectLst/>
-                <a:latin typeface="-apple-system"/>
-              </a:rPr>
-              <a:t> 이동과 컨텍스트 매핑 </a:t>
-            </a:r>
-            <a:r>
-              <a:rPr lang="en-US" altLang="ko-KR" b="1" i="0" dirty="0">
-                <a:solidFill>
-                  <a:srgbClr val="24292E"/>
-                </a:solidFill>
-                <a:effectLst/>
-                <a:latin typeface="-apple-system"/>
-              </a:rPr>
-              <a:t>(</a:t>
-            </a:r>
-            <a:r>
-              <a:rPr lang="ko-KR" altLang="en-US" b="1" i="0" dirty="0">
-                <a:solidFill>
-                  <a:srgbClr val="24292E"/>
-                </a:solidFill>
-                <a:effectLst/>
-                <a:latin typeface="-apple-system"/>
-              </a:rPr>
-              <a:t>점선은 </a:t>
-            </a:r>
-            <a:r>
-              <a:rPr lang="en-US" altLang="ko-KR" b="1" i="0" dirty="0">
-                <a:solidFill>
-                  <a:srgbClr val="24292E"/>
-                </a:solidFill>
-                <a:effectLst/>
-                <a:latin typeface="-apple-system"/>
-              </a:rPr>
-              <a:t>Pub/Sub, </a:t>
-            </a:r>
-            <a:r>
-              <a:rPr lang="ko-KR" altLang="en-US" b="1" i="0" dirty="0">
-                <a:solidFill>
-                  <a:srgbClr val="24292E"/>
-                </a:solidFill>
-                <a:effectLst/>
-                <a:latin typeface="-apple-system"/>
-              </a:rPr>
-              <a:t>실선은 </a:t>
-            </a:r>
-            <a:r>
-              <a:rPr lang="en-US" altLang="ko-KR" b="1" i="0" dirty="0">
-                <a:solidFill>
-                  <a:srgbClr val="24292E"/>
-                </a:solidFill>
-                <a:effectLst/>
-                <a:latin typeface="-apple-system"/>
-              </a:rPr>
-              <a:t>Req/Resp)</a:t>
-            </a:r>
-          </a:p>
-        </p:txBody>
-      </p:sp>
-      <p:sp>
-        <p:nvSpPr>
-          <p:cNvPr id="11" name="직사각형 10">
-            <a:extLst>
-              <a:ext uri="{FF2B5EF4-FFF2-40B4-BE49-F238E27FC236}">
-                <a16:creationId xmlns:a16="http://schemas.microsoft.com/office/drawing/2014/main" id="{82ED6B07-2C15-4B4F-A07A-580267C9E6A4}"/>
-              </a:ext>
-            </a:extLst>
-          </p:cNvPr>
-          <p:cNvSpPr/>
-          <p:nvPr/>
-        </p:nvSpPr>
-        <p:spPr>
-          <a:xfrm>
-            <a:off x="1699032" y="1631507"/>
-            <a:ext cx="1008000" cy="828000"/>
-          </a:xfrm>
-          <a:prstGeom prst="rect">
-            <a:avLst/>
-          </a:prstGeom>
-          <a:solidFill>
-            <a:srgbClr val="00B0F0"/>
-          </a:solidFill>
-        </p:spPr>
-        <p:style>
-          <a:lnRef idx="2">
-            <a:schemeClr val="accent1">
-              <a:shade val="50000"/>
-            </a:schemeClr>
-          </a:lnRef>
-          <a:fillRef idx="1">
-            <a:schemeClr val="accent1"/>
-          </a:fillRef>
-          <a:effectRef idx="0">
-            <a:schemeClr val="accent1"/>
-          </a:effectRef>
-          <a:fontRef idx="minor">
-            <a:schemeClr val="lt1"/>
-          </a:fontRef>
-        </p:style>
-        <p:txBody>
-          <a:bodyPr rtlCol="0" anchor="ctr"/>
-          <a:lstStyle/>
-          <a:p>
-            <a:pPr algn="ctr"/>
-            <a:r>
-              <a:rPr lang="ko-KR" altLang="en-US" sz="1400" b="1" dirty="0">
-                <a:solidFill>
-                  <a:schemeClr val="tx1"/>
-                </a:solidFill>
-              </a:rPr>
-              <a:t>가입</a:t>
-            </a:r>
-          </a:p>
-        </p:txBody>
-      </p:sp>
-      <p:sp>
-        <p:nvSpPr>
-          <p:cNvPr id="20" name="직사각형 19">
-            <a:extLst>
-              <a:ext uri="{FF2B5EF4-FFF2-40B4-BE49-F238E27FC236}">
-                <a16:creationId xmlns:a16="http://schemas.microsoft.com/office/drawing/2014/main" id="{8422D7D6-D175-41E6-B266-3E883A608AE3}"/>
-              </a:ext>
-            </a:extLst>
-          </p:cNvPr>
-          <p:cNvSpPr/>
-          <p:nvPr/>
-        </p:nvSpPr>
-        <p:spPr>
-          <a:xfrm>
-            <a:off x="3018012" y="2749704"/>
-            <a:ext cx="1008000" cy="828000"/>
-          </a:xfrm>
-          <a:prstGeom prst="rect">
-            <a:avLst/>
-          </a:prstGeom>
-          <a:solidFill>
-            <a:srgbClr val="FFC000"/>
-          </a:solidFill>
-        </p:spPr>
-        <p:style>
-          <a:lnRef idx="2">
-            <a:schemeClr val="accent1">
-              <a:shade val="50000"/>
-            </a:schemeClr>
-          </a:lnRef>
-          <a:fillRef idx="1">
-            <a:schemeClr val="accent1"/>
-          </a:fillRef>
-          <a:effectRef idx="0">
-            <a:schemeClr val="accent1"/>
-          </a:effectRef>
-          <a:fontRef idx="minor">
-            <a:schemeClr val="lt1"/>
-          </a:fontRef>
-        </p:style>
-        <p:txBody>
-          <a:bodyPr rtlCol="0" anchor="ctr"/>
-          <a:lstStyle/>
-          <a:p>
-            <a:pPr algn="ctr"/>
-            <a:r>
-              <a:rPr lang="ko-KR" altLang="en-US" sz="1400" b="1" dirty="0">
-                <a:solidFill>
-                  <a:schemeClr val="tx1"/>
-                </a:solidFill>
-              </a:rPr>
-              <a:t>회원 </a:t>
-            </a:r>
-            <a:endParaRPr lang="en-US" altLang="ko-KR" sz="1400" b="1" dirty="0">
-              <a:solidFill>
-                <a:schemeClr val="tx1"/>
-              </a:solidFill>
-            </a:endParaRPr>
-          </a:p>
-          <a:p>
-            <a:pPr algn="ctr"/>
-            <a:r>
-              <a:rPr lang="ko-KR" altLang="en-US" sz="1400" b="1" dirty="0" err="1">
-                <a:solidFill>
-                  <a:schemeClr val="tx1"/>
-                </a:solidFill>
-              </a:rPr>
-              <a:t>탈퇴됨</a:t>
-            </a:r>
-            <a:endParaRPr lang="ko-KR" altLang="en-US" sz="1400" b="1" dirty="0">
-              <a:solidFill>
-                <a:schemeClr val="tx1"/>
-              </a:solidFill>
-            </a:endParaRPr>
-          </a:p>
-        </p:txBody>
-      </p:sp>
-      <p:sp>
-        <p:nvSpPr>
-          <p:cNvPr id="24" name="직사각형 23">
-            <a:extLst>
-              <a:ext uri="{FF2B5EF4-FFF2-40B4-BE49-F238E27FC236}">
-                <a16:creationId xmlns:a16="http://schemas.microsoft.com/office/drawing/2014/main" id="{9BB4A172-9EF2-491A-852A-47B003B93848}"/>
-              </a:ext>
-            </a:extLst>
-          </p:cNvPr>
-          <p:cNvSpPr/>
-          <p:nvPr/>
-        </p:nvSpPr>
-        <p:spPr>
-          <a:xfrm>
-            <a:off x="3018012" y="1631507"/>
-            <a:ext cx="1008000" cy="828000"/>
-          </a:xfrm>
-          <a:prstGeom prst="rect">
-            <a:avLst/>
-          </a:prstGeom>
-          <a:solidFill>
-            <a:srgbClr val="FFC000"/>
-          </a:solidFill>
-        </p:spPr>
-        <p:style>
-          <a:lnRef idx="2">
-            <a:schemeClr val="accent1">
-              <a:shade val="50000"/>
-            </a:schemeClr>
-          </a:lnRef>
-          <a:fillRef idx="1">
-            <a:schemeClr val="accent1"/>
-          </a:fillRef>
-          <a:effectRef idx="0">
-            <a:schemeClr val="accent1"/>
-          </a:effectRef>
-          <a:fontRef idx="minor">
-            <a:schemeClr val="lt1"/>
-          </a:fontRef>
-        </p:style>
-        <p:txBody>
-          <a:bodyPr rtlCol="0" anchor="ctr"/>
-          <a:lstStyle/>
-          <a:p>
-            <a:pPr algn="ctr"/>
-            <a:r>
-              <a:rPr lang="ko-KR" altLang="en-US" sz="1400" b="1" dirty="0">
-                <a:solidFill>
-                  <a:schemeClr val="tx1"/>
-                </a:solidFill>
-              </a:rPr>
-              <a:t>회원 </a:t>
-            </a:r>
-            <a:endParaRPr lang="en-US" altLang="ko-KR" sz="1400" b="1" dirty="0">
-              <a:solidFill>
-                <a:schemeClr val="tx1"/>
-              </a:solidFill>
-            </a:endParaRPr>
-          </a:p>
-          <a:p>
-            <a:pPr algn="ctr"/>
-            <a:r>
-              <a:rPr lang="ko-KR" altLang="en-US" sz="1400" b="1" dirty="0">
-                <a:solidFill>
-                  <a:schemeClr val="tx1"/>
-                </a:solidFill>
-              </a:rPr>
-              <a:t>가입됨</a:t>
-            </a:r>
-          </a:p>
-        </p:txBody>
-      </p:sp>
-      <p:sp>
-        <p:nvSpPr>
-          <p:cNvPr id="25" name="직사각형 24">
-            <a:extLst>
-              <a:ext uri="{FF2B5EF4-FFF2-40B4-BE49-F238E27FC236}">
-                <a16:creationId xmlns:a16="http://schemas.microsoft.com/office/drawing/2014/main" id="{62A58945-D4D6-4C9A-944B-813FF70E42B1}"/>
-              </a:ext>
-            </a:extLst>
-          </p:cNvPr>
-          <p:cNvSpPr/>
-          <p:nvPr/>
-        </p:nvSpPr>
-        <p:spPr>
-          <a:xfrm>
-            <a:off x="1699032" y="2727600"/>
-            <a:ext cx="1008000" cy="828000"/>
-          </a:xfrm>
-          <a:prstGeom prst="rect">
-            <a:avLst/>
-          </a:prstGeom>
-          <a:solidFill>
-            <a:srgbClr val="00B0F0"/>
-          </a:solidFill>
-        </p:spPr>
-        <p:style>
-          <a:lnRef idx="2">
-            <a:schemeClr val="accent1">
-              <a:shade val="50000"/>
-            </a:schemeClr>
-          </a:lnRef>
-          <a:fillRef idx="1">
-            <a:schemeClr val="accent1"/>
-          </a:fillRef>
-          <a:effectRef idx="0">
-            <a:schemeClr val="accent1"/>
-          </a:effectRef>
-          <a:fontRef idx="minor">
-            <a:schemeClr val="lt1"/>
-          </a:fontRef>
-        </p:style>
-        <p:txBody>
-          <a:bodyPr rtlCol="0" anchor="ctr"/>
-          <a:lstStyle/>
-          <a:p>
-            <a:pPr algn="ctr"/>
-            <a:r>
-              <a:rPr lang="ko-KR" altLang="en-US" sz="1400" b="1" dirty="0">
-                <a:solidFill>
-                  <a:schemeClr val="tx1"/>
-                </a:solidFill>
-              </a:rPr>
-              <a:t>탈퇴</a:t>
-            </a:r>
-          </a:p>
-        </p:txBody>
-      </p:sp>
-      <p:grpSp>
-        <p:nvGrpSpPr>
-          <p:cNvPr id="30" name="그룹 29">
-            <a:extLst>
-              <a:ext uri="{FF2B5EF4-FFF2-40B4-BE49-F238E27FC236}">
-                <a16:creationId xmlns:a16="http://schemas.microsoft.com/office/drawing/2014/main" id="{BF31C8F7-A1E0-4D9C-B646-1F75F595FE7B}"/>
-              </a:ext>
-            </a:extLst>
-          </p:cNvPr>
-          <p:cNvGrpSpPr/>
-          <p:nvPr/>
-        </p:nvGrpSpPr>
-        <p:grpSpPr>
-          <a:xfrm>
-            <a:off x="902064" y="1950571"/>
-            <a:ext cx="1035103" cy="1611826"/>
-            <a:chOff x="1095900" y="1221933"/>
-            <a:chExt cx="1035103" cy="1611826"/>
-          </a:xfrm>
-        </p:grpSpPr>
-        <p:pic>
-          <p:nvPicPr>
-            <p:cNvPr id="29" name="그림 28">
-              <a:extLst>
-                <a:ext uri="{FF2B5EF4-FFF2-40B4-BE49-F238E27FC236}">
-                  <a16:creationId xmlns:a16="http://schemas.microsoft.com/office/drawing/2014/main" id="{E556FB62-7D88-44D7-B00A-A79A7D7EAA46}"/>
-                </a:ext>
-              </a:extLst>
-            </p:cNvPr>
-            <p:cNvPicPr>
-              <a:picLocks noChangeAspect="1"/>
-            </p:cNvPicPr>
-            <p:nvPr/>
-          </p:nvPicPr>
-          <p:blipFill>
-            <a:blip r:embed="rId2">
-              <a:extLst>
-                <a:ext uri="{28A0092B-C50C-407E-A947-70E740481C1C}">
-                  <a14:useLocalDpi xmlns:a14="http://schemas.microsoft.com/office/drawing/2010/main" val="0"/>
-                </a:ext>
-              </a:extLst>
-            </a:blip>
-            <a:stretch>
-              <a:fillRect/>
-            </a:stretch>
-          </p:blipFill>
-          <p:spPr>
-            <a:xfrm>
-              <a:off x="1095900" y="1241811"/>
-              <a:ext cx="1035103" cy="1591948"/>
-            </a:xfrm>
-            <a:prstGeom prst="rect">
-              <a:avLst/>
-            </a:prstGeom>
-          </p:spPr>
-        </p:pic>
-        <p:sp>
-          <p:nvSpPr>
-            <p:cNvPr id="27" name="직사각형 26">
-              <a:extLst>
-                <a:ext uri="{FF2B5EF4-FFF2-40B4-BE49-F238E27FC236}">
-                  <a16:creationId xmlns:a16="http://schemas.microsoft.com/office/drawing/2014/main" id="{F1CF4EB4-5298-4170-8412-35EC834EACD8}"/>
-                </a:ext>
-              </a:extLst>
-            </p:cNvPr>
-            <p:cNvSpPr/>
-            <p:nvPr/>
-          </p:nvSpPr>
-          <p:spPr>
-            <a:xfrm>
-              <a:off x="1318388" y="1221933"/>
-              <a:ext cx="590128" cy="371189"/>
-            </a:xfrm>
-            <a:prstGeom prst="rect">
-              <a:avLst/>
-            </a:prstGeom>
-            <a:noFill/>
-            <a:ln>
-              <a:noFill/>
-            </a:ln>
-          </p:spPr>
-          <p:style>
-            <a:lnRef idx="2">
-              <a:schemeClr val="accent1">
-                <a:shade val="50000"/>
-              </a:schemeClr>
-            </a:lnRef>
-            <a:fillRef idx="1">
-              <a:schemeClr val="accent1"/>
-            </a:fillRef>
-            <a:effectRef idx="0">
-              <a:schemeClr val="accent1"/>
-            </a:effectRef>
-            <a:fontRef idx="minor">
-              <a:schemeClr val="lt1"/>
-            </a:fontRef>
-          </p:style>
-          <p:txBody>
-            <a:bodyPr rtlCol="0" anchor="ctr"/>
-            <a:lstStyle/>
-            <a:p>
-              <a:pPr algn="ctr"/>
-              <a:r>
-                <a:rPr lang="ko-KR" altLang="en-US" sz="1400" b="1" dirty="0">
-                  <a:solidFill>
-                    <a:schemeClr val="tx1"/>
-                  </a:solidFill>
-                </a:rPr>
-                <a:t>회원</a:t>
-              </a:r>
-            </a:p>
-          </p:txBody>
-        </p:sp>
-      </p:grpSp>
-      <p:sp>
-        <p:nvSpPr>
-          <p:cNvPr id="34" name="직사각형 33">
-            <a:extLst>
-              <a:ext uri="{FF2B5EF4-FFF2-40B4-BE49-F238E27FC236}">
-                <a16:creationId xmlns:a16="http://schemas.microsoft.com/office/drawing/2014/main" id="{A8E2A6C8-49FA-4502-A2C5-D99127A96F6D}"/>
-              </a:ext>
-            </a:extLst>
-          </p:cNvPr>
-          <p:cNvSpPr/>
-          <p:nvPr/>
-        </p:nvSpPr>
-        <p:spPr>
-          <a:xfrm>
-            <a:off x="7707411" y="5658910"/>
-            <a:ext cx="1008000" cy="828000"/>
-          </a:xfrm>
-          <a:prstGeom prst="rect">
-            <a:avLst/>
-          </a:prstGeom>
-          <a:solidFill>
-            <a:srgbClr val="FFC000"/>
-          </a:solidFill>
-        </p:spPr>
-        <p:style>
-          <a:lnRef idx="2">
-            <a:schemeClr val="accent1">
-              <a:shade val="50000"/>
-            </a:schemeClr>
-          </a:lnRef>
-          <a:fillRef idx="1">
-            <a:schemeClr val="accent1"/>
-          </a:fillRef>
-          <a:effectRef idx="0">
-            <a:schemeClr val="accent1"/>
-          </a:effectRef>
-          <a:fontRef idx="minor">
-            <a:schemeClr val="lt1"/>
-          </a:fontRef>
-        </p:style>
-        <p:txBody>
-          <a:bodyPr rtlCol="0" anchor="ctr"/>
-          <a:lstStyle/>
-          <a:p>
-            <a:pPr algn="ctr"/>
-            <a:r>
-              <a:rPr lang="ko-KR" altLang="en-US" sz="1400" b="1" dirty="0">
-                <a:solidFill>
-                  <a:schemeClr val="tx1"/>
-                </a:solidFill>
-              </a:rPr>
-              <a:t>포인트</a:t>
-            </a:r>
-            <a:endParaRPr lang="en-US" altLang="ko-KR" sz="1400" b="1" dirty="0">
-              <a:solidFill>
-                <a:schemeClr val="tx1"/>
-              </a:solidFill>
-            </a:endParaRPr>
-          </a:p>
-          <a:p>
-            <a:pPr algn="ctr"/>
-            <a:r>
-              <a:rPr lang="ko-KR" altLang="en-US" sz="1400" b="1" dirty="0">
-                <a:solidFill>
-                  <a:schemeClr val="tx1"/>
-                </a:solidFill>
-              </a:rPr>
-              <a:t>사용됨</a:t>
-            </a:r>
-          </a:p>
-        </p:txBody>
-      </p:sp>
-      <p:sp>
-        <p:nvSpPr>
-          <p:cNvPr id="35" name="직사각형 34">
-            <a:extLst>
-              <a:ext uri="{FF2B5EF4-FFF2-40B4-BE49-F238E27FC236}">
-                <a16:creationId xmlns:a16="http://schemas.microsoft.com/office/drawing/2014/main" id="{0AD6B9D7-BF21-4245-B20A-2E406C2F7CD6}"/>
-              </a:ext>
-            </a:extLst>
-          </p:cNvPr>
-          <p:cNvSpPr/>
-          <p:nvPr/>
-        </p:nvSpPr>
-        <p:spPr>
-          <a:xfrm>
-            <a:off x="5997040" y="5658910"/>
-            <a:ext cx="1008000" cy="828000"/>
-          </a:xfrm>
-          <a:prstGeom prst="rect">
-            <a:avLst/>
-          </a:prstGeom>
-          <a:solidFill>
-            <a:srgbClr val="00B0F0"/>
-          </a:solidFill>
-        </p:spPr>
-        <p:style>
-          <a:lnRef idx="2">
-            <a:schemeClr val="accent1">
-              <a:shade val="50000"/>
-            </a:schemeClr>
-          </a:lnRef>
-          <a:fillRef idx="1">
-            <a:schemeClr val="accent1"/>
-          </a:fillRef>
-          <a:effectRef idx="0">
-            <a:schemeClr val="accent1"/>
-          </a:effectRef>
-          <a:fontRef idx="minor">
-            <a:schemeClr val="lt1"/>
-          </a:fontRef>
-        </p:style>
-        <p:txBody>
-          <a:bodyPr rtlCol="0" anchor="ctr"/>
-          <a:lstStyle/>
-          <a:p>
-            <a:pPr algn="ctr"/>
-            <a:r>
-              <a:rPr lang="ko-KR" altLang="en-US" sz="1400" b="1" dirty="0">
-                <a:solidFill>
-                  <a:schemeClr val="tx1"/>
-                </a:solidFill>
-              </a:rPr>
-              <a:t>사용</a:t>
-            </a:r>
-          </a:p>
-        </p:txBody>
-      </p:sp>
-      <p:sp>
-        <p:nvSpPr>
-          <p:cNvPr id="39" name="직사각형 38">
-            <a:extLst>
-              <a:ext uri="{FF2B5EF4-FFF2-40B4-BE49-F238E27FC236}">
-                <a16:creationId xmlns:a16="http://schemas.microsoft.com/office/drawing/2014/main" id="{456F8A4A-E7F7-4A9E-B8C0-6BF3B6715FD6}"/>
-              </a:ext>
-            </a:extLst>
-          </p:cNvPr>
-          <p:cNvSpPr/>
-          <p:nvPr/>
-        </p:nvSpPr>
-        <p:spPr>
-          <a:xfrm>
-            <a:off x="7707411" y="4516586"/>
-            <a:ext cx="1008000" cy="828000"/>
-          </a:xfrm>
-          <a:prstGeom prst="rect">
-            <a:avLst/>
-          </a:prstGeom>
-          <a:solidFill>
-            <a:srgbClr val="FFC000"/>
-          </a:solidFill>
-        </p:spPr>
-        <p:style>
-          <a:lnRef idx="2">
-            <a:schemeClr val="accent1">
-              <a:shade val="50000"/>
-            </a:schemeClr>
-          </a:lnRef>
-          <a:fillRef idx="1">
-            <a:schemeClr val="accent1"/>
-          </a:fillRef>
-          <a:effectRef idx="0">
-            <a:schemeClr val="accent1"/>
-          </a:effectRef>
-          <a:fontRef idx="minor">
-            <a:schemeClr val="lt1"/>
-          </a:fontRef>
-        </p:style>
-        <p:txBody>
-          <a:bodyPr rtlCol="0" anchor="ctr"/>
-          <a:lstStyle/>
-          <a:p>
-            <a:pPr algn="ctr"/>
-            <a:r>
-              <a:rPr lang="ko-KR" altLang="en-US" sz="1400" b="1" dirty="0">
-                <a:solidFill>
-                  <a:schemeClr val="tx1"/>
-                </a:solidFill>
-              </a:rPr>
-              <a:t>포인트</a:t>
-            </a:r>
-            <a:endParaRPr lang="en-US" altLang="ko-KR" sz="1400" b="1" dirty="0">
-              <a:solidFill>
-                <a:schemeClr val="tx1"/>
-              </a:solidFill>
-            </a:endParaRPr>
-          </a:p>
-          <a:p>
-            <a:pPr algn="ctr"/>
-            <a:r>
-              <a:rPr lang="ko-KR" altLang="en-US" sz="1400" b="1" dirty="0">
-                <a:solidFill>
-                  <a:schemeClr val="tx1"/>
-                </a:solidFill>
-              </a:rPr>
-              <a:t>적립됨</a:t>
-            </a:r>
-          </a:p>
-        </p:txBody>
-      </p:sp>
-      <p:sp>
-        <p:nvSpPr>
-          <p:cNvPr id="40" name="직사각형 39">
-            <a:extLst>
-              <a:ext uri="{FF2B5EF4-FFF2-40B4-BE49-F238E27FC236}">
-                <a16:creationId xmlns:a16="http://schemas.microsoft.com/office/drawing/2014/main" id="{4FC3D4F5-C0D1-407C-9BE6-B74E70B612AD}"/>
-              </a:ext>
-            </a:extLst>
-          </p:cNvPr>
-          <p:cNvSpPr/>
-          <p:nvPr/>
-        </p:nvSpPr>
-        <p:spPr>
-          <a:xfrm>
-            <a:off x="5997040" y="4516586"/>
-            <a:ext cx="1008000" cy="828000"/>
-          </a:xfrm>
-          <a:prstGeom prst="rect">
-            <a:avLst/>
-          </a:prstGeom>
-          <a:solidFill>
-            <a:srgbClr val="00B0F0"/>
-          </a:solidFill>
-        </p:spPr>
-        <p:style>
-          <a:lnRef idx="2">
-            <a:schemeClr val="accent1">
-              <a:shade val="50000"/>
-            </a:schemeClr>
-          </a:lnRef>
-          <a:fillRef idx="1">
-            <a:schemeClr val="accent1"/>
-          </a:fillRef>
-          <a:effectRef idx="0">
-            <a:schemeClr val="accent1"/>
-          </a:effectRef>
-          <a:fontRef idx="minor">
-            <a:schemeClr val="lt1"/>
-          </a:fontRef>
-        </p:style>
-        <p:txBody>
-          <a:bodyPr rtlCol="0" anchor="ctr"/>
-          <a:lstStyle/>
-          <a:p>
-            <a:pPr algn="ctr"/>
-            <a:r>
-              <a:rPr lang="ko-KR" altLang="en-US" sz="1400" b="1" dirty="0">
-                <a:solidFill>
-                  <a:schemeClr val="tx1"/>
-                </a:solidFill>
-              </a:rPr>
-              <a:t>적립</a:t>
-            </a:r>
-          </a:p>
-        </p:txBody>
-      </p:sp>
-      <p:grpSp>
-        <p:nvGrpSpPr>
-          <p:cNvPr id="41" name="그룹 40">
-            <a:extLst>
-              <a:ext uri="{FF2B5EF4-FFF2-40B4-BE49-F238E27FC236}">
-                <a16:creationId xmlns:a16="http://schemas.microsoft.com/office/drawing/2014/main" id="{3EE06B1D-6EA9-48F5-A6D3-60601C915DC4}"/>
-              </a:ext>
-            </a:extLst>
-          </p:cNvPr>
-          <p:cNvGrpSpPr/>
-          <p:nvPr/>
-        </p:nvGrpSpPr>
-        <p:grpSpPr>
-          <a:xfrm>
-            <a:off x="5196674" y="4662400"/>
-            <a:ext cx="1035103" cy="1611826"/>
-            <a:chOff x="1095900" y="1221933"/>
-            <a:chExt cx="1035103" cy="1611826"/>
-          </a:xfrm>
-        </p:grpSpPr>
-        <p:pic>
-          <p:nvPicPr>
-            <p:cNvPr id="42" name="그림 41">
-              <a:extLst>
-                <a:ext uri="{FF2B5EF4-FFF2-40B4-BE49-F238E27FC236}">
-                  <a16:creationId xmlns:a16="http://schemas.microsoft.com/office/drawing/2014/main" id="{74F32B75-AE79-47A8-ACD3-9235B8CC2E6D}"/>
-                </a:ext>
-              </a:extLst>
-            </p:cNvPr>
-            <p:cNvPicPr>
-              <a:picLocks noChangeAspect="1"/>
-            </p:cNvPicPr>
-            <p:nvPr/>
-          </p:nvPicPr>
-          <p:blipFill>
-            <a:blip r:embed="rId2">
-              <a:extLst>
-                <a:ext uri="{28A0092B-C50C-407E-A947-70E740481C1C}">
-                  <a14:useLocalDpi xmlns:a14="http://schemas.microsoft.com/office/drawing/2010/main" val="0"/>
-                </a:ext>
-              </a:extLst>
-            </a:blip>
-            <a:stretch>
-              <a:fillRect/>
-            </a:stretch>
-          </p:blipFill>
-          <p:spPr>
-            <a:xfrm>
-              <a:off x="1095900" y="1241811"/>
-              <a:ext cx="1035103" cy="1591948"/>
-            </a:xfrm>
-            <a:prstGeom prst="rect">
-              <a:avLst/>
-            </a:prstGeom>
-          </p:spPr>
-        </p:pic>
-        <p:sp>
-          <p:nvSpPr>
-            <p:cNvPr id="43" name="직사각형 42">
-              <a:extLst>
-                <a:ext uri="{FF2B5EF4-FFF2-40B4-BE49-F238E27FC236}">
-                  <a16:creationId xmlns:a16="http://schemas.microsoft.com/office/drawing/2014/main" id="{6CD28323-5803-4B9D-B964-A3A85CEAC738}"/>
-                </a:ext>
-              </a:extLst>
-            </p:cNvPr>
-            <p:cNvSpPr/>
-            <p:nvPr/>
-          </p:nvSpPr>
-          <p:spPr>
-            <a:xfrm>
-              <a:off x="1318388" y="1221933"/>
-              <a:ext cx="590128" cy="371189"/>
-            </a:xfrm>
-            <a:prstGeom prst="rect">
-              <a:avLst/>
-            </a:prstGeom>
-            <a:noFill/>
-            <a:ln>
-              <a:noFill/>
-            </a:ln>
-          </p:spPr>
-          <p:style>
-            <a:lnRef idx="2">
-              <a:schemeClr val="accent1">
-                <a:shade val="50000"/>
-              </a:schemeClr>
-            </a:lnRef>
-            <a:fillRef idx="1">
-              <a:schemeClr val="accent1"/>
-            </a:fillRef>
-            <a:effectRef idx="0">
-              <a:schemeClr val="accent1"/>
-            </a:effectRef>
-            <a:fontRef idx="minor">
-              <a:schemeClr val="lt1"/>
-            </a:fontRef>
-          </p:style>
-          <p:txBody>
-            <a:bodyPr rtlCol="0" anchor="ctr"/>
-            <a:lstStyle/>
-            <a:p>
-              <a:pPr algn="ctr"/>
-              <a:r>
-                <a:rPr lang="ko-KR" altLang="en-US" sz="1400" b="1" dirty="0">
-                  <a:solidFill>
-                    <a:schemeClr val="tx1"/>
-                  </a:solidFill>
-                </a:rPr>
-                <a:t>회원</a:t>
-              </a:r>
-            </a:p>
-          </p:txBody>
-        </p:sp>
-      </p:grpSp>
-      <p:sp>
-        <p:nvSpPr>
-          <p:cNvPr id="6" name="직사각형 5">
-            <a:extLst>
-              <a:ext uri="{FF2B5EF4-FFF2-40B4-BE49-F238E27FC236}">
-                <a16:creationId xmlns:a16="http://schemas.microsoft.com/office/drawing/2014/main" id="{1DD217D4-2D75-4C80-BE4A-27E7DDAC4A1A}"/>
-              </a:ext>
-            </a:extLst>
-          </p:cNvPr>
-          <p:cNvSpPr/>
-          <p:nvPr/>
-        </p:nvSpPr>
-        <p:spPr>
-          <a:xfrm>
-            <a:off x="6155001" y="1349760"/>
-            <a:ext cx="972000" cy="972000"/>
-          </a:xfrm>
-          <a:prstGeom prst="rect">
-            <a:avLst/>
-          </a:prstGeom>
-          <a:solidFill>
-            <a:srgbClr val="FFFF00"/>
-          </a:solidFill>
-        </p:spPr>
-        <p:style>
-          <a:lnRef idx="2">
-            <a:schemeClr val="accent1">
-              <a:shade val="50000"/>
-            </a:schemeClr>
-          </a:lnRef>
-          <a:fillRef idx="1">
-            <a:schemeClr val="accent1"/>
-          </a:fillRef>
-          <a:effectRef idx="0">
-            <a:schemeClr val="accent1"/>
-          </a:effectRef>
-          <a:fontRef idx="minor">
-            <a:schemeClr val="lt1"/>
-          </a:fontRef>
-        </p:style>
-        <p:txBody>
-          <a:bodyPr rtlCol="0" anchor="ctr"/>
-          <a:lstStyle/>
-          <a:p>
-            <a:pPr algn="ctr"/>
-            <a:r>
-              <a:rPr lang="ko-KR" altLang="en-US" sz="1400" b="1" dirty="0">
-                <a:solidFill>
-                  <a:schemeClr val="tx1"/>
-                </a:solidFill>
-              </a:rPr>
-              <a:t>메시지</a:t>
-            </a:r>
-          </a:p>
-        </p:txBody>
-      </p:sp>
-      <p:sp>
-        <p:nvSpPr>
-          <p:cNvPr id="8" name="직사각형 7">
-            <a:extLst>
-              <a:ext uri="{FF2B5EF4-FFF2-40B4-BE49-F238E27FC236}">
-                <a16:creationId xmlns:a16="http://schemas.microsoft.com/office/drawing/2014/main" id="{7CCDFF01-B417-4624-B271-549D031EBEAA}"/>
-              </a:ext>
-            </a:extLst>
-          </p:cNvPr>
-          <p:cNvSpPr/>
-          <p:nvPr/>
-        </p:nvSpPr>
-        <p:spPr>
-          <a:xfrm>
-            <a:off x="6940491" y="1655819"/>
-            <a:ext cx="1008000" cy="828000"/>
-          </a:xfrm>
-          <a:prstGeom prst="rect">
-            <a:avLst/>
-          </a:prstGeom>
-          <a:solidFill>
-            <a:srgbClr val="FFC000"/>
-          </a:solidFill>
-        </p:spPr>
-        <p:style>
-          <a:lnRef idx="2">
-            <a:schemeClr val="accent1">
-              <a:shade val="50000"/>
-            </a:schemeClr>
-          </a:lnRef>
-          <a:fillRef idx="1">
-            <a:schemeClr val="accent1"/>
-          </a:fillRef>
-          <a:effectRef idx="0">
-            <a:schemeClr val="accent1"/>
-          </a:effectRef>
-          <a:fontRef idx="minor">
-            <a:schemeClr val="lt1"/>
-          </a:fontRef>
-        </p:style>
-        <p:txBody>
-          <a:bodyPr rtlCol="0" anchor="ctr"/>
-          <a:lstStyle/>
-          <a:p>
-            <a:pPr algn="ctr"/>
-            <a:r>
-              <a:rPr lang="ko-KR" altLang="en-US" sz="1400" b="1" dirty="0">
-                <a:solidFill>
-                  <a:schemeClr val="tx1"/>
-                </a:solidFill>
-              </a:rPr>
-              <a:t>회원 메시지를 보냄</a:t>
-            </a:r>
-          </a:p>
-        </p:txBody>
-      </p:sp>
-      <p:sp>
-        <p:nvSpPr>
-          <p:cNvPr id="9" name="직사각형 8">
-            <a:extLst>
-              <a:ext uri="{FF2B5EF4-FFF2-40B4-BE49-F238E27FC236}">
-                <a16:creationId xmlns:a16="http://schemas.microsoft.com/office/drawing/2014/main" id="{EB516859-404B-48D2-8729-EDA8D54F87F8}"/>
-              </a:ext>
-            </a:extLst>
-          </p:cNvPr>
-          <p:cNvSpPr/>
-          <p:nvPr/>
-        </p:nvSpPr>
-        <p:spPr>
-          <a:xfrm>
-            <a:off x="387626" y="1013790"/>
-            <a:ext cx="4214191" cy="3872189"/>
-          </a:xfrm>
-          <a:prstGeom prst="rect">
-            <a:avLst/>
-          </a:prstGeom>
-          <a:noFill/>
-          <a:ln w="15875">
-            <a:solidFill>
-              <a:schemeClr val="tx1"/>
-            </a:solidFill>
-            <a:prstDash val="dash"/>
-          </a:ln>
-        </p:spPr>
-        <p:style>
-          <a:lnRef idx="2">
-            <a:schemeClr val="accent1">
-              <a:shade val="50000"/>
-            </a:schemeClr>
-          </a:lnRef>
-          <a:fillRef idx="1">
-            <a:schemeClr val="accent1"/>
-          </a:fillRef>
-          <a:effectRef idx="0">
-            <a:schemeClr val="accent1"/>
-          </a:effectRef>
-          <a:fontRef idx="minor">
-            <a:schemeClr val="lt1"/>
-          </a:fontRef>
-        </p:style>
-        <p:txBody>
-          <a:bodyPr rtlCol="0" anchor="ctr"/>
-          <a:lstStyle/>
-          <a:p>
-            <a:pPr algn="ctr"/>
-            <a:endParaRPr lang="ko-KR" altLang="en-US" dirty="0"/>
-          </a:p>
-        </p:txBody>
-      </p:sp>
-      <p:sp>
-        <p:nvSpPr>
-          <p:cNvPr id="10" name="직사각형 9">
-            <a:extLst>
-              <a:ext uri="{FF2B5EF4-FFF2-40B4-BE49-F238E27FC236}">
-                <a16:creationId xmlns:a16="http://schemas.microsoft.com/office/drawing/2014/main" id="{EB49D584-B11D-4A81-B547-B715DDFF0E85}"/>
-              </a:ext>
-            </a:extLst>
-          </p:cNvPr>
-          <p:cNvSpPr/>
-          <p:nvPr/>
-        </p:nvSpPr>
-        <p:spPr>
-          <a:xfrm>
-            <a:off x="1751452" y="989372"/>
-            <a:ext cx="1406697" cy="588069"/>
-          </a:xfrm>
-          <a:prstGeom prst="rect">
-            <a:avLst/>
-          </a:prstGeom>
-          <a:noFill/>
-          <a:ln w="15875">
-            <a:noFill/>
-            <a:prstDash val="dash"/>
-          </a:ln>
-        </p:spPr>
-        <p:style>
-          <a:lnRef idx="2">
-            <a:schemeClr val="accent1">
-              <a:shade val="50000"/>
-            </a:schemeClr>
-          </a:lnRef>
-          <a:fillRef idx="1">
-            <a:schemeClr val="accent1"/>
-          </a:fillRef>
-          <a:effectRef idx="0">
-            <a:schemeClr val="accent1"/>
-          </a:effectRef>
-          <a:fontRef idx="minor">
-            <a:schemeClr val="lt1"/>
-          </a:fontRef>
-        </p:style>
-        <p:txBody>
-          <a:bodyPr rtlCol="0" anchor="ctr"/>
-          <a:lstStyle/>
-          <a:p>
-            <a:pPr algn="ctr"/>
-            <a:r>
-              <a:rPr lang="en-US" altLang="ko-KR" dirty="0">
-                <a:solidFill>
-                  <a:schemeClr val="tx1"/>
-                </a:solidFill>
-              </a:rPr>
-              <a:t>member</a:t>
-            </a:r>
-            <a:endParaRPr lang="ko-KR" altLang="en-US" dirty="0">
-              <a:solidFill>
-                <a:schemeClr val="tx1"/>
-              </a:solidFill>
-            </a:endParaRPr>
-          </a:p>
-        </p:txBody>
-      </p:sp>
-      <p:sp>
-        <p:nvSpPr>
-          <p:cNvPr id="14" name="직사각형 13">
-            <a:extLst>
-              <a:ext uri="{FF2B5EF4-FFF2-40B4-BE49-F238E27FC236}">
-                <a16:creationId xmlns:a16="http://schemas.microsoft.com/office/drawing/2014/main" id="{4EDA2FB3-F4C0-4825-A53E-FA2309FCA29D}"/>
-              </a:ext>
-            </a:extLst>
-          </p:cNvPr>
-          <p:cNvSpPr/>
-          <p:nvPr/>
-        </p:nvSpPr>
-        <p:spPr>
-          <a:xfrm>
-            <a:off x="4991458" y="926935"/>
-            <a:ext cx="3337534" cy="1779420"/>
-          </a:xfrm>
-          <a:prstGeom prst="rect">
-            <a:avLst/>
-          </a:prstGeom>
-          <a:noFill/>
-          <a:ln w="15875">
-            <a:solidFill>
-              <a:schemeClr val="tx1"/>
-            </a:solidFill>
-            <a:prstDash val="dash"/>
-          </a:ln>
-        </p:spPr>
-        <p:style>
-          <a:lnRef idx="2">
-            <a:schemeClr val="accent1">
-              <a:shade val="50000"/>
-            </a:schemeClr>
-          </a:lnRef>
-          <a:fillRef idx="1">
-            <a:schemeClr val="accent1"/>
-          </a:fillRef>
-          <a:effectRef idx="0">
-            <a:schemeClr val="accent1"/>
-          </a:effectRef>
-          <a:fontRef idx="minor">
-            <a:schemeClr val="lt1"/>
-          </a:fontRef>
-        </p:style>
-        <p:txBody>
-          <a:bodyPr rtlCol="0" anchor="ctr"/>
-          <a:lstStyle/>
-          <a:p>
-            <a:pPr algn="ctr"/>
-            <a:endParaRPr lang="ko-KR" altLang="en-US" dirty="0"/>
-          </a:p>
-        </p:txBody>
-      </p:sp>
-      <p:sp>
-        <p:nvSpPr>
-          <p:cNvPr id="15" name="직사각형 14">
-            <a:extLst>
-              <a:ext uri="{FF2B5EF4-FFF2-40B4-BE49-F238E27FC236}">
-                <a16:creationId xmlns:a16="http://schemas.microsoft.com/office/drawing/2014/main" id="{B3903D8C-C691-4322-8FEB-3DA635FCE136}"/>
-              </a:ext>
-            </a:extLst>
-          </p:cNvPr>
-          <p:cNvSpPr/>
-          <p:nvPr/>
-        </p:nvSpPr>
-        <p:spPr>
-          <a:xfrm>
-            <a:off x="6355283" y="849987"/>
-            <a:ext cx="1406697" cy="588069"/>
-          </a:xfrm>
-          <a:prstGeom prst="rect">
-            <a:avLst/>
-          </a:prstGeom>
-          <a:noFill/>
-          <a:ln w="15875">
-            <a:noFill/>
-            <a:prstDash val="dash"/>
-          </a:ln>
-        </p:spPr>
-        <p:style>
-          <a:lnRef idx="2">
-            <a:schemeClr val="accent1">
-              <a:shade val="50000"/>
-            </a:schemeClr>
-          </a:lnRef>
-          <a:fillRef idx="1">
-            <a:schemeClr val="accent1"/>
-          </a:fillRef>
-          <a:effectRef idx="0">
-            <a:schemeClr val="accent1"/>
-          </a:effectRef>
-          <a:fontRef idx="minor">
-            <a:schemeClr val="lt1"/>
-          </a:fontRef>
-        </p:style>
-        <p:txBody>
-          <a:bodyPr rtlCol="0" anchor="ctr"/>
-          <a:lstStyle/>
-          <a:p>
-            <a:pPr algn="ctr"/>
-            <a:r>
-              <a:rPr lang="en-US" altLang="ko-KR" dirty="0">
-                <a:solidFill>
-                  <a:schemeClr val="tx1"/>
-                </a:solidFill>
-              </a:rPr>
-              <a:t>message</a:t>
-            </a:r>
-            <a:endParaRPr lang="ko-KR" altLang="en-US" dirty="0">
-              <a:solidFill>
-                <a:schemeClr val="tx1"/>
-              </a:solidFill>
-            </a:endParaRPr>
-          </a:p>
-        </p:txBody>
-      </p:sp>
-      <p:sp>
-        <p:nvSpPr>
-          <p:cNvPr id="16" name="직사각형 15">
-            <a:extLst>
-              <a:ext uri="{FF2B5EF4-FFF2-40B4-BE49-F238E27FC236}">
-                <a16:creationId xmlns:a16="http://schemas.microsoft.com/office/drawing/2014/main" id="{97CCEA1C-ACFB-4712-B1E2-92D03896674F}"/>
-              </a:ext>
-            </a:extLst>
-          </p:cNvPr>
-          <p:cNvSpPr/>
-          <p:nvPr/>
-        </p:nvSpPr>
-        <p:spPr>
-          <a:xfrm>
-            <a:off x="4991458" y="2880413"/>
-            <a:ext cx="4214191" cy="3739047"/>
-          </a:xfrm>
-          <a:prstGeom prst="rect">
-            <a:avLst/>
-          </a:prstGeom>
-          <a:noFill/>
-          <a:ln w="15875">
-            <a:solidFill>
-              <a:schemeClr val="tx1"/>
-            </a:solidFill>
-            <a:prstDash val="dash"/>
-          </a:ln>
-        </p:spPr>
-        <p:style>
-          <a:lnRef idx="2">
-            <a:schemeClr val="accent1">
-              <a:shade val="50000"/>
-            </a:schemeClr>
-          </a:lnRef>
-          <a:fillRef idx="1">
-            <a:schemeClr val="accent1"/>
-          </a:fillRef>
-          <a:effectRef idx="0">
-            <a:schemeClr val="accent1"/>
-          </a:effectRef>
-          <a:fontRef idx="minor">
-            <a:schemeClr val="lt1"/>
-          </a:fontRef>
-        </p:style>
-        <p:txBody>
-          <a:bodyPr rtlCol="0" anchor="ctr"/>
-          <a:lstStyle/>
-          <a:p>
-            <a:pPr algn="ctr"/>
-            <a:endParaRPr lang="ko-KR" altLang="en-US" dirty="0"/>
-          </a:p>
-        </p:txBody>
-      </p:sp>
-      <p:sp>
-        <p:nvSpPr>
-          <p:cNvPr id="17" name="직사각형 16">
-            <a:extLst>
-              <a:ext uri="{FF2B5EF4-FFF2-40B4-BE49-F238E27FC236}">
-                <a16:creationId xmlns:a16="http://schemas.microsoft.com/office/drawing/2014/main" id="{DE73F050-B9BD-4B65-B0C9-B4E993DC2BCE}"/>
-              </a:ext>
-            </a:extLst>
-          </p:cNvPr>
-          <p:cNvSpPr/>
-          <p:nvPr/>
-        </p:nvSpPr>
-        <p:spPr>
-          <a:xfrm>
-            <a:off x="6355284" y="2855995"/>
-            <a:ext cx="1406697" cy="588069"/>
-          </a:xfrm>
-          <a:prstGeom prst="rect">
-            <a:avLst/>
-          </a:prstGeom>
-          <a:noFill/>
-          <a:ln w="15875">
-            <a:noFill/>
-            <a:prstDash val="dash"/>
-          </a:ln>
-        </p:spPr>
-        <p:style>
-          <a:lnRef idx="2">
-            <a:schemeClr val="accent1">
-              <a:shade val="50000"/>
-            </a:schemeClr>
-          </a:lnRef>
-          <a:fillRef idx="1">
-            <a:schemeClr val="accent1"/>
-          </a:fillRef>
-          <a:effectRef idx="0">
-            <a:schemeClr val="accent1"/>
-          </a:effectRef>
-          <a:fontRef idx="minor">
-            <a:schemeClr val="lt1"/>
-          </a:fontRef>
-        </p:style>
-        <p:txBody>
-          <a:bodyPr rtlCol="0" anchor="ctr"/>
-          <a:lstStyle/>
-          <a:p>
-            <a:pPr algn="ctr"/>
-            <a:r>
-              <a:rPr lang="en-US" altLang="ko-KR" dirty="0">
-                <a:solidFill>
-                  <a:schemeClr val="tx1"/>
-                </a:solidFill>
-              </a:rPr>
-              <a:t>point</a:t>
-            </a:r>
-            <a:endParaRPr lang="ko-KR" altLang="en-US" dirty="0">
-              <a:solidFill>
-                <a:schemeClr val="tx1"/>
-              </a:solidFill>
-            </a:endParaRPr>
-          </a:p>
-        </p:txBody>
-      </p:sp>
-      <p:sp>
-        <p:nvSpPr>
-          <p:cNvPr id="28" name="직사각형 27">
-            <a:extLst>
-              <a:ext uri="{FF2B5EF4-FFF2-40B4-BE49-F238E27FC236}">
-                <a16:creationId xmlns:a16="http://schemas.microsoft.com/office/drawing/2014/main" id="{54B889B5-ED87-42A0-AE21-3C5DF09A7BE2}"/>
-              </a:ext>
-            </a:extLst>
-          </p:cNvPr>
-          <p:cNvSpPr/>
-          <p:nvPr/>
-        </p:nvSpPr>
-        <p:spPr>
-          <a:xfrm>
-            <a:off x="7707411" y="3374262"/>
-            <a:ext cx="1008000" cy="828000"/>
-          </a:xfrm>
-          <a:prstGeom prst="rect">
-            <a:avLst/>
-          </a:prstGeom>
-          <a:solidFill>
-            <a:srgbClr val="FFC000"/>
-          </a:solidFill>
-        </p:spPr>
-        <p:style>
-          <a:lnRef idx="2">
-            <a:schemeClr val="accent1">
-              <a:shade val="50000"/>
-            </a:schemeClr>
-          </a:lnRef>
-          <a:fillRef idx="1">
-            <a:schemeClr val="accent1"/>
-          </a:fillRef>
-          <a:effectRef idx="0">
-            <a:schemeClr val="accent1"/>
-          </a:effectRef>
-          <a:fontRef idx="minor">
-            <a:schemeClr val="lt1"/>
-          </a:fontRef>
-        </p:style>
-        <p:txBody>
-          <a:bodyPr rtlCol="0" anchor="ctr"/>
-          <a:lstStyle/>
-          <a:p>
-            <a:pPr algn="ctr"/>
-            <a:r>
-              <a:rPr lang="ko-KR" altLang="en-US" sz="1400" b="1" dirty="0">
-                <a:solidFill>
-                  <a:schemeClr val="tx1"/>
-                </a:solidFill>
-              </a:rPr>
-              <a:t>포인트 </a:t>
-            </a:r>
-            <a:endParaRPr lang="en-US" altLang="ko-KR" sz="1400" b="1" dirty="0">
-              <a:solidFill>
-                <a:schemeClr val="tx1"/>
-              </a:solidFill>
-            </a:endParaRPr>
-          </a:p>
-          <a:p>
-            <a:pPr algn="ctr"/>
-            <a:r>
-              <a:rPr lang="ko-KR" altLang="en-US" sz="1400" b="1" dirty="0">
-                <a:solidFill>
-                  <a:schemeClr val="tx1"/>
-                </a:solidFill>
-              </a:rPr>
-              <a:t>소멸됨</a:t>
-            </a:r>
-          </a:p>
-        </p:txBody>
-      </p:sp>
-      <p:sp>
-        <p:nvSpPr>
-          <p:cNvPr id="33" name="직사각형 32">
-            <a:extLst>
-              <a:ext uri="{FF2B5EF4-FFF2-40B4-BE49-F238E27FC236}">
-                <a16:creationId xmlns:a16="http://schemas.microsoft.com/office/drawing/2014/main" id="{8B7246D5-5DAC-4862-B8DE-6659AD5DB392}"/>
-              </a:ext>
-            </a:extLst>
-          </p:cNvPr>
-          <p:cNvSpPr/>
-          <p:nvPr/>
-        </p:nvSpPr>
-        <p:spPr>
-          <a:xfrm>
-            <a:off x="3018012" y="3867902"/>
-            <a:ext cx="1008000" cy="828000"/>
-          </a:xfrm>
-          <a:prstGeom prst="rect">
-            <a:avLst/>
-          </a:prstGeom>
-          <a:solidFill>
-            <a:srgbClr val="FFC000"/>
-          </a:solidFill>
-        </p:spPr>
-        <p:style>
-          <a:lnRef idx="2">
-            <a:schemeClr val="accent1">
-              <a:shade val="50000"/>
-            </a:schemeClr>
-          </a:lnRef>
-          <a:fillRef idx="1">
-            <a:schemeClr val="accent1"/>
-          </a:fillRef>
-          <a:effectRef idx="0">
-            <a:schemeClr val="accent1"/>
-          </a:effectRef>
-          <a:fontRef idx="minor">
-            <a:schemeClr val="lt1"/>
-          </a:fontRef>
-        </p:style>
-        <p:txBody>
-          <a:bodyPr rtlCol="0" anchor="ctr"/>
-          <a:lstStyle/>
-          <a:p>
-            <a:pPr algn="ctr"/>
-            <a:r>
-              <a:rPr lang="ko-KR" altLang="en-US" sz="1400" b="1" dirty="0">
-                <a:solidFill>
-                  <a:schemeClr val="tx1"/>
-                </a:solidFill>
-              </a:rPr>
-              <a:t>회원 상태 </a:t>
-            </a:r>
-            <a:endParaRPr lang="en-US" altLang="ko-KR" sz="1400" b="1" dirty="0">
-              <a:solidFill>
-                <a:schemeClr val="tx1"/>
-              </a:solidFill>
-            </a:endParaRPr>
-          </a:p>
-          <a:p>
-            <a:pPr algn="ctr"/>
-            <a:r>
-              <a:rPr lang="ko-KR" altLang="en-US" sz="1400" b="1" dirty="0">
-                <a:solidFill>
-                  <a:schemeClr val="tx1"/>
-                </a:solidFill>
-              </a:rPr>
-              <a:t>변경됨</a:t>
-            </a:r>
-          </a:p>
-        </p:txBody>
-      </p:sp>
-      <p:sp>
-        <p:nvSpPr>
-          <p:cNvPr id="49" name="직사각형 48">
-            <a:extLst>
-              <a:ext uri="{FF2B5EF4-FFF2-40B4-BE49-F238E27FC236}">
-                <a16:creationId xmlns:a16="http://schemas.microsoft.com/office/drawing/2014/main" id="{97816101-7C1E-4EEC-8952-1D99043B2C53}"/>
-              </a:ext>
-            </a:extLst>
-          </p:cNvPr>
-          <p:cNvSpPr/>
-          <p:nvPr/>
-        </p:nvSpPr>
-        <p:spPr>
-          <a:xfrm>
-            <a:off x="5214609" y="1556449"/>
-            <a:ext cx="1008000" cy="828000"/>
-          </a:xfrm>
-          <a:prstGeom prst="rect">
-            <a:avLst/>
-          </a:prstGeom>
-          <a:solidFill>
-            <a:srgbClr val="D5B8EA"/>
-          </a:solidFill>
-        </p:spPr>
-        <p:style>
-          <a:lnRef idx="2">
-            <a:schemeClr val="accent1">
-              <a:shade val="50000"/>
-            </a:schemeClr>
-          </a:lnRef>
-          <a:fillRef idx="1">
-            <a:schemeClr val="accent1"/>
-          </a:fillRef>
-          <a:effectRef idx="0">
-            <a:schemeClr val="accent1"/>
-          </a:effectRef>
-          <a:fontRef idx="minor">
-            <a:schemeClr val="lt1"/>
-          </a:fontRef>
-        </p:style>
-        <p:txBody>
-          <a:bodyPr rtlCol="0" anchor="ctr"/>
-          <a:lstStyle/>
-          <a:p>
-            <a:pPr algn="ctr"/>
-            <a:r>
-              <a:rPr lang="ko-KR" altLang="en-US" sz="1400" b="1" dirty="0">
-                <a:solidFill>
-                  <a:schemeClr val="tx1"/>
-                </a:solidFill>
-              </a:rPr>
-              <a:t>메시지 </a:t>
-            </a:r>
-            <a:endParaRPr lang="en-US" altLang="ko-KR" sz="1400" b="1" dirty="0">
-              <a:solidFill>
-                <a:schemeClr val="tx1"/>
-              </a:solidFill>
-            </a:endParaRPr>
-          </a:p>
-          <a:p>
-            <a:pPr algn="ctr"/>
-            <a:r>
-              <a:rPr lang="ko-KR" altLang="en-US" sz="1400" b="1" dirty="0">
-                <a:solidFill>
-                  <a:schemeClr val="tx1"/>
-                </a:solidFill>
-              </a:rPr>
-              <a:t>발송</a:t>
-            </a:r>
-          </a:p>
-        </p:txBody>
-      </p:sp>
-      <p:sp>
-        <p:nvSpPr>
-          <p:cNvPr id="51" name="직사각형 50">
-            <a:extLst>
-              <a:ext uri="{FF2B5EF4-FFF2-40B4-BE49-F238E27FC236}">
-                <a16:creationId xmlns:a16="http://schemas.microsoft.com/office/drawing/2014/main" id="{9172E990-F6E5-4D1B-B77F-F4C7988A8611}"/>
-              </a:ext>
-            </a:extLst>
-          </p:cNvPr>
-          <p:cNvSpPr/>
-          <p:nvPr/>
-        </p:nvSpPr>
-        <p:spPr>
-          <a:xfrm>
-            <a:off x="1699032" y="3823694"/>
-            <a:ext cx="1008000" cy="828000"/>
-          </a:xfrm>
-          <a:prstGeom prst="rect">
-            <a:avLst/>
-          </a:prstGeom>
-          <a:solidFill>
-            <a:srgbClr val="D5B8EA"/>
-          </a:solidFill>
-        </p:spPr>
-        <p:style>
-          <a:lnRef idx="2">
-            <a:schemeClr val="accent1">
-              <a:shade val="50000"/>
-            </a:schemeClr>
-          </a:lnRef>
-          <a:fillRef idx="1">
-            <a:schemeClr val="accent1"/>
-          </a:fillRef>
-          <a:effectRef idx="0">
-            <a:schemeClr val="accent1"/>
-          </a:effectRef>
-          <a:fontRef idx="minor">
-            <a:schemeClr val="lt1"/>
-          </a:fontRef>
-        </p:style>
-        <p:txBody>
-          <a:bodyPr rtlCol="0" anchor="ctr"/>
-          <a:lstStyle/>
-          <a:p>
-            <a:pPr algn="ctr"/>
-            <a:r>
-              <a:rPr lang="ko-KR" altLang="en-US" sz="1400" b="1" dirty="0">
-                <a:solidFill>
-                  <a:schemeClr val="tx1"/>
-                </a:solidFill>
-              </a:rPr>
-              <a:t>회원상태 변경</a:t>
-            </a:r>
-          </a:p>
-        </p:txBody>
-      </p:sp>
-      <p:sp>
-        <p:nvSpPr>
-          <p:cNvPr id="53" name="직사각형 52">
-            <a:extLst>
-              <a:ext uri="{FF2B5EF4-FFF2-40B4-BE49-F238E27FC236}">
-                <a16:creationId xmlns:a16="http://schemas.microsoft.com/office/drawing/2014/main" id="{F7068F78-27D6-49DF-A470-1E3B3BFC654A}"/>
-              </a:ext>
-            </a:extLst>
-          </p:cNvPr>
-          <p:cNvSpPr/>
-          <p:nvPr/>
-        </p:nvSpPr>
-        <p:spPr>
-          <a:xfrm>
-            <a:off x="5997040" y="3374262"/>
-            <a:ext cx="1008000" cy="828000"/>
-          </a:xfrm>
-          <a:prstGeom prst="rect">
-            <a:avLst/>
-          </a:prstGeom>
-          <a:solidFill>
-            <a:srgbClr val="00B0F0"/>
-          </a:solidFill>
-        </p:spPr>
-        <p:style>
-          <a:lnRef idx="2">
-            <a:schemeClr val="accent1">
-              <a:shade val="50000"/>
-            </a:schemeClr>
-          </a:lnRef>
-          <a:fillRef idx="1">
-            <a:schemeClr val="accent1"/>
-          </a:fillRef>
-          <a:effectRef idx="0">
-            <a:schemeClr val="accent1"/>
-          </a:effectRef>
-          <a:fontRef idx="minor">
-            <a:schemeClr val="lt1"/>
-          </a:fontRef>
-        </p:style>
-        <p:txBody>
-          <a:bodyPr rtlCol="0" anchor="ctr"/>
-          <a:lstStyle/>
-          <a:p>
-            <a:pPr algn="ctr"/>
-            <a:r>
-              <a:rPr lang="ko-KR" altLang="en-US" sz="1400" b="1" dirty="0">
-                <a:solidFill>
-                  <a:schemeClr val="tx1"/>
-                </a:solidFill>
-              </a:rPr>
-              <a:t>소멸</a:t>
-            </a:r>
-          </a:p>
-        </p:txBody>
-      </p:sp>
-      <p:sp>
-        <p:nvSpPr>
-          <p:cNvPr id="2" name="직사각형 1">
-            <a:extLst>
-              <a:ext uri="{FF2B5EF4-FFF2-40B4-BE49-F238E27FC236}">
-                <a16:creationId xmlns:a16="http://schemas.microsoft.com/office/drawing/2014/main" id="{FA17C2A9-9476-4FF2-8551-F85BEB27EB0F}"/>
-              </a:ext>
-            </a:extLst>
-          </p:cNvPr>
-          <p:cNvSpPr/>
-          <p:nvPr/>
-        </p:nvSpPr>
-        <p:spPr>
-          <a:xfrm>
-            <a:off x="2388615" y="2201656"/>
-            <a:ext cx="972000" cy="1923943"/>
-          </a:xfrm>
-          <a:prstGeom prst="rect">
-            <a:avLst/>
-          </a:prstGeom>
-          <a:solidFill>
-            <a:srgbClr val="FFFF00"/>
-          </a:solidFill>
-        </p:spPr>
-        <p:style>
-          <a:lnRef idx="2">
-            <a:schemeClr val="accent1">
-              <a:shade val="50000"/>
-            </a:schemeClr>
-          </a:lnRef>
-          <a:fillRef idx="1">
-            <a:schemeClr val="accent1"/>
-          </a:fillRef>
-          <a:effectRef idx="0">
-            <a:schemeClr val="accent1"/>
-          </a:effectRef>
-          <a:fontRef idx="minor">
-            <a:schemeClr val="lt1"/>
-          </a:fontRef>
-        </p:style>
-        <p:txBody>
-          <a:bodyPr rtlCol="0" anchor="ctr"/>
-          <a:lstStyle/>
-          <a:p>
-            <a:pPr algn="ctr"/>
-            <a:r>
-              <a:rPr lang="ko-KR" altLang="en-US" sz="1400" b="1" dirty="0">
-                <a:solidFill>
-                  <a:schemeClr val="tx1"/>
-                </a:solidFill>
-              </a:rPr>
-              <a:t>회원</a:t>
-            </a:r>
-          </a:p>
-        </p:txBody>
-      </p:sp>
-      <p:cxnSp>
-        <p:nvCxnSpPr>
-          <p:cNvPr id="57" name="연결선: 꺾임 56">
-            <a:extLst>
-              <a:ext uri="{FF2B5EF4-FFF2-40B4-BE49-F238E27FC236}">
-                <a16:creationId xmlns:a16="http://schemas.microsoft.com/office/drawing/2014/main" id="{EC33909D-E376-4C28-B9ED-20C710C942DE}"/>
-              </a:ext>
-            </a:extLst>
-          </p:cNvPr>
-          <p:cNvCxnSpPr>
-            <a:cxnSpLocks/>
-          </p:cNvCxnSpPr>
-          <p:nvPr/>
-        </p:nvCxnSpPr>
-        <p:spPr>
-          <a:xfrm rot="5400000">
-            <a:off x="3734417" y="917307"/>
-            <a:ext cx="2167875" cy="5252275"/>
-          </a:xfrm>
-          <a:prstGeom prst="bentConnector3">
-            <a:avLst>
-              <a:gd name="adj1" fmla="val 126591"/>
-            </a:avLst>
-          </a:prstGeom>
-          <a:ln w="15875">
-            <a:solidFill>
-              <a:schemeClr val="tx1"/>
-            </a:solidFill>
-            <a:prstDash val="sysDash"/>
-            <a:tailEnd type="triangle"/>
-          </a:ln>
-        </p:spPr>
-        <p:style>
-          <a:lnRef idx="1">
-            <a:schemeClr val="accent1"/>
-          </a:lnRef>
-          <a:fillRef idx="0">
-            <a:schemeClr val="accent1"/>
-          </a:fillRef>
-          <a:effectRef idx="0">
-            <a:schemeClr val="accent1"/>
-          </a:effectRef>
-          <a:fontRef idx="minor">
-            <a:schemeClr val="tx1"/>
-          </a:fontRef>
-        </p:style>
-      </p:cxnSp>
-      <p:sp>
-        <p:nvSpPr>
-          <p:cNvPr id="65" name="직사각형 64">
-            <a:extLst>
-              <a:ext uri="{FF2B5EF4-FFF2-40B4-BE49-F238E27FC236}">
-                <a16:creationId xmlns:a16="http://schemas.microsoft.com/office/drawing/2014/main" id="{D7EEC9A0-33D3-4242-8D38-180F297426A7}"/>
-              </a:ext>
-            </a:extLst>
-          </p:cNvPr>
-          <p:cNvSpPr/>
-          <p:nvPr/>
-        </p:nvSpPr>
-        <p:spPr>
-          <a:xfrm>
-            <a:off x="3015452" y="5171896"/>
-            <a:ext cx="1008001" cy="428625"/>
-          </a:xfrm>
-          <a:prstGeom prst="rect">
-            <a:avLst/>
-          </a:prstGeom>
-          <a:noFill/>
-          <a:ln>
-            <a:noFill/>
-          </a:ln>
-        </p:spPr>
-        <p:style>
-          <a:lnRef idx="2">
-            <a:schemeClr val="accent1">
-              <a:shade val="50000"/>
-            </a:schemeClr>
-          </a:lnRef>
-          <a:fillRef idx="1">
-            <a:schemeClr val="accent1"/>
-          </a:fillRef>
-          <a:effectRef idx="0">
-            <a:schemeClr val="accent1"/>
-          </a:effectRef>
-          <a:fontRef idx="minor">
-            <a:schemeClr val="lt1"/>
-          </a:fontRef>
-        </p:style>
-        <p:txBody>
-          <a:bodyPr rtlCol="0" anchor="ctr"/>
-          <a:lstStyle/>
-          <a:p>
-            <a:pPr algn="l"/>
-            <a:r>
-              <a:rPr lang="en-US" altLang="ko-KR" sz="1200" b="1" i="0" dirty="0">
-                <a:solidFill>
-                  <a:srgbClr val="24292E"/>
-                </a:solidFill>
-                <a:effectLst/>
-                <a:latin typeface="+mn-ea"/>
-              </a:rPr>
-              <a:t>Pub/Sub</a:t>
-            </a:r>
-          </a:p>
-        </p:txBody>
-      </p:sp>
-      <p:cxnSp>
-        <p:nvCxnSpPr>
-          <p:cNvPr id="66" name="연결선: 꺾임 65">
-            <a:extLst>
-              <a:ext uri="{FF2B5EF4-FFF2-40B4-BE49-F238E27FC236}">
-                <a16:creationId xmlns:a16="http://schemas.microsoft.com/office/drawing/2014/main" id="{2C9A4CE2-2818-44F3-97A3-4FBDDFCD63C7}"/>
-              </a:ext>
-            </a:extLst>
-          </p:cNvPr>
-          <p:cNvCxnSpPr>
-            <a:cxnSpLocks/>
-            <a:stCxn id="20" idx="3"/>
-            <a:endCxn id="53" idx="1"/>
-          </p:cNvCxnSpPr>
-          <p:nvPr/>
-        </p:nvCxnSpPr>
-        <p:spPr>
-          <a:xfrm>
-            <a:off x="4026012" y="3163704"/>
-            <a:ext cx="1971028" cy="624558"/>
-          </a:xfrm>
-          <a:prstGeom prst="bentConnector3">
-            <a:avLst>
-              <a:gd name="adj1" fmla="val 50000"/>
-            </a:avLst>
-          </a:prstGeom>
-          <a:ln w="15875">
-            <a:solidFill>
-              <a:schemeClr val="tx1"/>
-            </a:solidFill>
-            <a:prstDash val="solid"/>
-            <a:tailEnd type="triangle"/>
-          </a:ln>
-        </p:spPr>
-        <p:style>
-          <a:lnRef idx="1">
-            <a:schemeClr val="accent1"/>
-          </a:lnRef>
-          <a:fillRef idx="0">
-            <a:schemeClr val="accent1"/>
-          </a:fillRef>
-          <a:effectRef idx="0">
-            <a:schemeClr val="accent1"/>
-          </a:effectRef>
-          <a:fontRef idx="minor">
-            <a:schemeClr val="tx1"/>
-          </a:fontRef>
-        </p:style>
-      </p:cxnSp>
-      <p:sp>
-        <p:nvSpPr>
-          <p:cNvPr id="71" name="직사각형 70">
-            <a:extLst>
-              <a:ext uri="{FF2B5EF4-FFF2-40B4-BE49-F238E27FC236}">
-                <a16:creationId xmlns:a16="http://schemas.microsoft.com/office/drawing/2014/main" id="{77C6571D-2D85-48F8-8A4D-A50872AE21F5}"/>
-              </a:ext>
-            </a:extLst>
-          </p:cNvPr>
-          <p:cNvSpPr/>
-          <p:nvPr/>
-        </p:nvSpPr>
-        <p:spPr>
-          <a:xfrm>
-            <a:off x="4522191" y="2940545"/>
-            <a:ext cx="1008001" cy="428625"/>
-          </a:xfrm>
-          <a:prstGeom prst="rect">
-            <a:avLst/>
-          </a:prstGeom>
-          <a:noFill/>
-          <a:ln>
-            <a:noFill/>
-          </a:ln>
-        </p:spPr>
-        <p:style>
-          <a:lnRef idx="2">
-            <a:schemeClr val="accent1">
-              <a:shade val="50000"/>
-            </a:schemeClr>
-          </a:lnRef>
-          <a:fillRef idx="1">
-            <a:schemeClr val="accent1"/>
-          </a:fillRef>
-          <a:effectRef idx="0">
-            <a:schemeClr val="accent1"/>
-          </a:effectRef>
-          <a:fontRef idx="minor">
-            <a:schemeClr val="lt1"/>
-          </a:fontRef>
-        </p:style>
-        <p:txBody>
-          <a:bodyPr rtlCol="0" anchor="ctr"/>
-          <a:lstStyle/>
-          <a:p>
-            <a:pPr algn="l"/>
-            <a:r>
-              <a:rPr lang="en-US" altLang="ko-KR" sz="1200" b="1" i="0" dirty="0">
-                <a:solidFill>
-                  <a:srgbClr val="24292E"/>
-                </a:solidFill>
-                <a:effectLst/>
-                <a:latin typeface="+mn-ea"/>
-              </a:rPr>
-              <a:t>Req/Resp</a:t>
-            </a:r>
-          </a:p>
-        </p:txBody>
-      </p:sp>
-      <p:grpSp>
-        <p:nvGrpSpPr>
-          <p:cNvPr id="72" name="그룹 71">
-            <a:extLst>
-              <a:ext uri="{FF2B5EF4-FFF2-40B4-BE49-F238E27FC236}">
-                <a16:creationId xmlns:a16="http://schemas.microsoft.com/office/drawing/2014/main" id="{CD49B163-0B65-46F4-9268-66C0263EF459}"/>
-              </a:ext>
-            </a:extLst>
-          </p:cNvPr>
-          <p:cNvGrpSpPr/>
-          <p:nvPr/>
-        </p:nvGrpSpPr>
-        <p:grpSpPr>
-          <a:xfrm>
-            <a:off x="8502300" y="959551"/>
-            <a:ext cx="1406697" cy="1714188"/>
-            <a:chOff x="10082458" y="725440"/>
-            <a:chExt cx="1406697" cy="1714188"/>
-          </a:xfrm>
-        </p:grpSpPr>
-        <p:sp>
-          <p:nvSpPr>
-            <p:cNvPr id="73" name="직사각형 72">
-              <a:extLst>
-                <a:ext uri="{FF2B5EF4-FFF2-40B4-BE49-F238E27FC236}">
-                  <a16:creationId xmlns:a16="http://schemas.microsoft.com/office/drawing/2014/main" id="{7B2A206E-D976-4628-8C3B-CEFA24F5DD6C}"/>
-                </a:ext>
-              </a:extLst>
-            </p:cNvPr>
-            <p:cNvSpPr/>
-            <p:nvPr/>
-          </p:nvSpPr>
-          <p:spPr>
-            <a:xfrm>
-              <a:off x="10281806" y="1335050"/>
-              <a:ext cx="1008000" cy="828000"/>
-            </a:xfrm>
-            <a:prstGeom prst="rect">
-              <a:avLst/>
-            </a:prstGeom>
-            <a:solidFill>
-              <a:schemeClr val="accent6">
-                <a:lumMod val="40000"/>
-                <a:lumOff val="60000"/>
-              </a:schemeClr>
-            </a:solidFill>
-          </p:spPr>
-          <p:style>
-            <a:lnRef idx="2">
-              <a:schemeClr val="accent1">
-                <a:shade val="50000"/>
-              </a:schemeClr>
-            </a:lnRef>
-            <a:fillRef idx="1">
-              <a:schemeClr val="accent1"/>
-            </a:fillRef>
-            <a:effectRef idx="0">
-              <a:schemeClr val="accent1"/>
-            </a:effectRef>
-            <a:fontRef idx="minor">
-              <a:schemeClr val="lt1"/>
-            </a:fontRef>
-          </p:style>
-          <p:txBody>
-            <a:bodyPr rtlCol="0" anchor="ctr"/>
-            <a:lstStyle/>
-            <a:p>
-              <a:pPr algn="ctr"/>
-              <a:r>
-                <a:rPr lang="ko-KR" altLang="en-US" sz="1400" b="1" dirty="0">
-                  <a:solidFill>
-                    <a:schemeClr val="tx1"/>
-                  </a:solidFill>
-                </a:rPr>
-                <a:t>마이페이지</a:t>
-              </a:r>
-            </a:p>
-          </p:txBody>
-        </p:sp>
-        <p:sp>
-          <p:nvSpPr>
-            <p:cNvPr id="74" name="직사각형 73">
-              <a:extLst>
-                <a:ext uri="{FF2B5EF4-FFF2-40B4-BE49-F238E27FC236}">
-                  <a16:creationId xmlns:a16="http://schemas.microsoft.com/office/drawing/2014/main" id="{626EAE54-D87A-4A19-8782-8097AA8B329C}"/>
-                </a:ext>
-              </a:extLst>
-            </p:cNvPr>
-            <p:cNvSpPr/>
-            <p:nvPr/>
-          </p:nvSpPr>
-          <p:spPr>
-            <a:xfrm>
-              <a:off x="10141852" y="749859"/>
-              <a:ext cx="1287908" cy="1689769"/>
-            </a:xfrm>
-            <a:prstGeom prst="rect">
-              <a:avLst/>
-            </a:prstGeom>
-            <a:noFill/>
-            <a:ln w="15875">
-              <a:solidFill>
-                <a:schemeClr val="tx1"/>
-              </a:solidFill>
-              <a:prstDash val="dash"/>
-            </a:ln>
-          </p:spPr>
-          <p:style>
-            <a:lnRef idx="2">
-              <a:schemeClr val="accent1">
-                <a:shade val="50000"/>
-              </a:schemeClr>
-            </a:lnRef>
-            <a:fillRef idx="1">
-              <a:schemeClr val="accent1"/>
-            </a:fillRef>
-            <a:effectRef idx="0">
-              <a:schemeClr val="accent1"/>
-            </a:effectRef>
-            <a:fontRef idx="minor">
-              <a:schemeClr val="lt1"/>
-            </a:fontRef>
-          </p:style>
-          <p:txBody>
-            <a:bodyPr rtlCol="0" anchor="ctr"/>
-            <a:lstStyle/>
-            <a:p>
-              <a:pPr algn="ctr"/>
-              <a:endParaRPr lang="ko-KR" altLang="en-US" dirty="0"/>
-            </a:p>
-          </p:txBody>
-        </p:sp>
-        <p:sp>
-          <p:nvSpPr>
-            <p:cNvPr id="75" name="직사각형 74">
-              <a:extLst>
-                <a:ext uri="{FF2B5EF4-FFF2-40B4-BE49-F238E27FC236}">
-                  <a16:creationId xmlns:a16="http://schemas.microsoft.com/office/drawing/2014/main" id="{54D883D4-0476-4B7F-AF27-5731A6E8F394}"/>
-                </a:ext>
-              </a:extLst>
-            </p:cNvPr>
-            <p:cNvSpPr/>
-            <p:nvPr/>
-          </p:nvSpPr>
-          <p:spPr>
-            <a:xfrm>
-              <a:off x="10082458" y="725440"/>
-              <a:ext cx="1406697" cy="588069"/>
-            </a:xfrm>
-            <a:prstGeom prst="rect">
-              <a:avLst/>
-            </a:prstGeom>
-            <a:noFill/>
-            <a:ln w="15875">
-              <a:noFill/>
-              <a:prstDash val="dash"/>
-            </a:ln>
-          </p:spPr>
-          <p:style>
-            <a:lnRef idx="2">
-              <a:schemeClr val="accent1">
-                <a:shade val="50000"/>
-              </a:schemeClr>
-            </a:lnRef>
-            <a:fillRef idx="1">
-              <a:schemeClr val="accent1"/>
-            </a:fillRef>
-            <a:effectRef idx="0">
-              <a:schemeClr val="accent1"/>
-            </a:effectRef>
-            <a:fontRef idx="minor">
-              <a:schemeClr val="lt1"/>
-            </a:fontRef>
-          </p:style>
-          <p:txBody>
-            <a:bodyPr rtlCol="0" anchor="ctr"/>
-            <a:lstStyle/>
-            <a:p>
-              <a:pPr algn="ctr"/>
-              <a:r>
-                <a:rPr lang="en-US" altLang="ko-KR" dirty="0" err="1">
-                  <a:solidFill>
-                    <a:schemeClr val="tx1"/>
-                  </a:solidFill>
-                </a:rPr>
-                <a:t>mypage</a:t>
-              </a:r>
-              <a:endParaRPr lang="ko-KR" altLang="en-US" dirty="0">
-                <a:solidFill>
-                  <a:schemeClr val="tx1"/>
-                </a:solidFill>
-              </a:endParaRPr>
-            </a:p>
-          </p:txBody>
-        </p:sp>
-      </p:grpSp>
-      <p:sp>
-        <p:nvSpPr>
-          <p:cNvPr id="4" name="직사각형 3">
-            <a:extLst>
-              <a:ext uri="{FF2B5EF4-FFF2-40B4-BE49-F238E27FC236}">
-                <a16:creationId xmlns:a16="http://schemas.microsoft.com/office/drawing/2014/main" id="{683654C5-482E-4039-B11A-90EDD2E656DC}"/>
-              </a:ext>
-            </a:extLst>
-          </p:cNvPr>
-          <p:cNvSpPr/>
-          <p:nvPr/>
-        </p:nvSpPr>
-        <p:spPr>
-          <a:xfrm>
-            <a:off x="6900490" y="3867902"/>
-            <a:ext cx="972000" cy="2063163"/>
-          </a:xfrm>
-          <a:prstGeom prst="rect">
-            <a:avLst/>
-          </a:prstGeom>
-          <a:solidFill>
-            <a:srgbClr val="FFFF00"/>
-          </a:solidFill>
-        </p:spPr>
-        <p:style>
-          <a:lnRef idx="2">
-            <a:schemeClr val="accent1">
-              <a:shade val="50000"/>
-            </a:schemeClr>
-          </a:lnRef>
-          <a:fillRef idx="1">
-            <a:schemeClr val="accent1"/>
-          </a:fillRef>
-          <a:effectRef idx="0">
-            <a:schemeClr val="accent1"/>
-          </a:effectRef>
-          <a:fontRef idx="minor">
-            <a:schemeClr val="lt1"/>
-          </a:fontRef>
-        </p:style>
-        <p:txBody>
-          <a:bodyPr rtlCol="0" anchor="ctr"/>
-          <a:lstStyle/>
-          <a:p>
-            <a:pPr algn="ctr"/>
-            <a:r>
-              <a:rPr lang="ko-KR" altLang="en-US" sz="1400" b="1" dirty="0">
-                <a:solidFill>
-                  <a:schemeClr val="tx1"/>
-                </a:solidFill>
-              </a:rPr>
-              <a:t>포인트</a:t>
-            </a:r>
-          </a:p>
-        </p:txBody>
-      </p:sp>
-    </p:spTree>
-    <p:extLst>
-      <p:ext uri="{BB962C8B-B14F-4D97-AF65-F5344CB8AC3E}">
-        <p14:creationId xmlns:p14="http://schemas.microsoft.com/office/powerpoint/2010/main" val="3665747317"/>
-      </p:ext>
-    </p:extLst>
-  </p:cSld>
-  <p:clrMapOvr>
-    <a:masterClrMapping/>
-  </p:clrMapOvr>
-</p:sld>
-</file>
-
 <file path=ppt/theme/theme1.xml><?xml version="1.0" encoding="utf-8"?>
 <a:theme xmlns:a="http://schemas.openxmlformats.org/drawingml/2006/main" name="Office 테마">
   <a:themeElements>
